--- a/Sistema propuesto.pptx
+++ b/Sistema propuesto.pptx
@@ -262,7 +262,7 @@
           <a:p>
             <a:fld id="{2F57117F-21EA-4F0F-8EAD-57836432C340}" type="datetimeFigureOut">
               <a:rPr lang="es-MX" smtClean="0"/>
-              <a:t>08/03/2020</a:t>
+              <a:t>20/03/2020</a:t>
             </a:fld>
             <a:endParaRPr lang="es-MX"/>
           </a:p>
@@ -462,7 +462,7 @@
           <a:p>
             <a:fld id="{2F57117F-21EA-4F0F-8EAD-57836432C340}" type="datetimeFigureOut">
               <a:rPr lang="es-MX" smtClean="0"/>
-              <a:t>08/03/2020</a:t>
+              <a:t>20/03/2020</a:t>
             </a:fld>
             <a:endParaRPr lang="es-MX"/>
           </a:p>
@@ -672,7 +672,7 @@
           <a:p>
             <a:fld id="{2F57117F-21EA-4F0F-8EAD-57836432C340}" type="datetimeFigureOut">
               <a:rPr lang="es-MX" smtClean="0"/>
-              <a:t>08/03/2020</a:t>
+              <a:t>20/03/2020</a:t>
             </a:fld>
             <a:endParaRPr lang="es-MX"/>
           </a:p>
@@ -872,7 +872,7 @@
           <a:p>
             <a:fld id="{2F57117F-21EA-4F0F-8EAD-57836432C340}" type="datetimeFigureOut">
               <a:rPr lang="es-MX" smtClean="0"/>
-              <a:t>08/03/2020</a:t>
+              <a:t>20/03/2020</a:t>
             </a:fld>
             <a:endParaRPr lang="es-MX"/>
           </a:p>
@@ -1148,7 +1148,7 @@
           <a:p>
             <a:fld id="{2F57117F-21EA-4F0F-8EAD-57836432C340}" type="datetimeFigureOut">
               <a:rPr lang="es-MX" smtClean="0"/>
-              <a:t>08/03/2020</a:t>
+              <a:t>20/03/2020</a:t>
             </a:fld>
             <a:endParaRPr lang="es-MX"/>
           </a:p>
@@ -1416,7 +1416,7 @@
           <a:p>
             <a:fld id="{2F57117F-21EA-4F0F-8EAD-57836432C340}" type="datetimeFigureOut">
               <a:rPr lang="es-MX" smtClean="0"/>
-              <a:t>08/03/2020</a:t>
+              <a:t>20/03/2020</a:t>
             </a:fld>
             <a:endParaRPr lang="es-MX"/>
           </a:p>
@@ -1831,7 +1831,7 @@
           <a:p>
             <a:fld id="{2F57117F-21EA-4F0F-8EAD-57836432C340}" type="datetimeFigureOut">
               <a:rPr lang="es-MX" smtClean="0"/>
-              <a:t>08/03/2020</a:t>
+              <a:t>20/03/2020</a:t>
             </a:fld>
             <a:endParaRPr lang="es-MX"/>
           </a:p>
@@ -1973,7 +1973,7 @@
           <a:p>
             <a:fld id="{2F57117F-21EA-4F0F-8EAD-57836432C340}" type="datetimeFigureOut">
               <a:rPr lang="es-MX" smtClean="0"/>
-              <a:t>08/03/2020</a:t>
+              <a:t>20/03/2020</a:t>
             </a:fld>
             <a:endParaRPr lang="es-MX"/>
           </a:p>
@@ -2086,7 +2086,7 @@
           <a:p>
             <a:fld id="{2F57117F-21EA-4F0F-8EAD-57836432C340}" type="datetimeFigureOut">
               <a:rPr lang="es-MX" smtClean="0"/>
-              <a:t>08/03/2020</a:t>
+              <a:t>20/03/2020</a:t>
             </a:fld>
             <a:endParaRPr lang="es-MX"/>
           </a:p>
@@ -2399,7 +2399,7 @@
           <a:p>
             <a:fld id="{2F57117F-21EA-4F0F-8EAD-57836432C340}" type="datetimeFigureOut">
               <a:rPr lang="es-MX" smtClean="0"/>
-              <a:t>08/03/2020</a:t>
+              <a:t>20/03/2020</a:t>
             </a:fld>
             <a:endParaRPr lang="es-MX"/>
           </a:p>
@@ -2688,7 +2688,7 @@
           <a:p>
             <a:fld id="{2F57117F-21EA-4F0F-8EAD-57836432C340}" type="datetimeFigureOut">
               <a:rPr lang="es-MX" smtClean="0"/>
-              <a:t>08/03/2020</a:t>
+              <a:t>20/03/2020</a:t>
             </a:fld>
             <a:endParaRPr lang="es-MX"/>
           </a:p>
@@ -2931,7 +2931,7 @@
           <a:p>
             <a:fld id="{2F57117F-21EA-4F0F-8EAD-57836432C340}" type="datetimeFigureOut">
               <a:rPr lang="es-MX" smtClean="0"/>
-              <a:t>08/03/2020</a:t>
+              <a:t>20/03/2020</a:t>
             </a:fld>
             <a:endParaRPr lang="es-MX"/>
           </a:p>
@@ -5277,36 +5277,12 @@
           <a:p>
             <a:pPr algn="ctr"/>
             <a:r>
-              <a:rPr lang="es-ES" b="1" dirty="0" err="1">
-                <a:solidFill>
-                  <a:schemeClr val="tx1"/>
-                </a:solidFill>
-              </a:rPr>
-              <a:t>Reha</a:t>
-            </a:r>
-            <a:r>
               <a:rPr lang="es-ES" b="1" dirty="0">
                 <a:solidFill>
                   <a:schemeClr val="tx1"/>
                 </a:solidFill>
               </a:rPr>
-              <a:t> </a:t>
-            </a:r>
-            <a:r>
-              <a:rPr lang="es-ES" b="1" dirty="0" err="1">
-                <a:solidFill>
-                  <a:schemeClr val="tx1"/>
-                </a:solidFill>
-              </a:rPr>
-              <a:t>Stim</a:t>
-            </a:r>
-            <a:r>
-              <a:rPr lang="es-ES" b="1" dirty="0">
-                <a:solidFill>
-                  <a:schemeClr val="tx1"/>
-                </a:solidFill>
-              </a:rPr>
-              <a:t> 2</a:t>
+              <a:t>RehaMove 2</a:t>
             </a:r>
             <a:endParaRPr lang="es-MX" b="1" dirty="0">
               <a:solidFill>
@@ -5936,20 +5912,12 @@
           <a:p>
             <a:pPr algn="ctr"/>
             <a:r>
-              <a:rPr lang="es-ES" b="1">
-                <a:solidFill>
-                  <a:schemeClr val="tx1"/>
-                </a:solidFill>
-              </a:rPr>
-              <a:t>Reha Stim</a:t>
-            </a:r>
-            <a:r>
               <a:rPr lang="es-ES" b="1" dirty="0">
                 <a:solidFill>
                   <a:schemeClr val="tx1"/>
                 </a:solidFill>
               </a:rPr>
-              <a:t> 2</a:t>
+              <a:t>RehaMove 2</a:t>
             </a:r>
             <a:endParaRPr lang="es-MX" b="1" dirty="0">
               <a:solidFill>

--- a/Sistema propuesto.pptx
+++ b/Sistema propuesto.pptx
@@ -262,7 +262,7 @@
           <a:p>
             <a:fld id="{2F57117F-21EA-4F0F-8EAD-57836432C340}" type="datetimeFigureOut">
               <a:rPr lang="es-MX" smtClean="0"/>
-              <a:t>20/03/2020</a:t>
+              <a:t>25/04/2020</a:t>
             </a:fld>
             <a:endParaRPr lang="es-MX"/>
           </a:p>
@@ -462,7 +462,7 @@
           <a:p>
             <a:fld id="{2F57117F-21EA-4F0F-8EAD-57836432C340}" type="datetimeFigureOut">
               <a:rPr lang="es-MX" smtClean="0"/>
-              <a:t>20/03/2020</a:t>
+              <a:t>25/04/2020</a:t>
             </a:fld>
             <a:endParaRPr lang="es-MX"/>
           </a:p>
@@ -672,7 +672,7 @@
           <a:p>
             <a:fld id="{2F57117F-21EA-4F0F-8EAD-57836432C340}" type="datetimeFigureOut">
               <a:rPr lang="es-MX" smtClean="0"/>
-              <a:t>20/03/2020</a:t>
+              <a:t>25/04/2020</a:t>
             </a:fld>
             <a:endParaRPr lang="es-MX"/>
           </a:p>
@@ -872,7 +872,7 @@
           <a:p>
             <a:fld id="{2F57117F-21EA-4F0F-8EAD-57836432C340}" type="datetimeFigureOut">
               <a:rPr lang="es-MX" smtClean="0"/>
-              <a:t>20/03/2020</a:t>
+              <a:t>25/04/2020</a:t>
             </a:fld>
             <a:endParaRPr lang="es-MX"/>
           </a:p>
@@ -1148,7 +1148,7 @@
           <a:p>
             <a:fld id="{2F57117F-21EA-4F0F-8EAD-57836432C340}" type="datetimeFigureOut">
               <a:rPr lang="es-MX" smtClean="0"/>
-              <a:t>20/03/2020</a:t>
+              <a:t>25/04/2020</a:t>
             </a:fld>
             <a:endParaRPr lang="es-MX"/>
           </a:p>
@@ -1416,7 +1416,7 @@
           <a:p>
             <a:fld id="{2F57117F-21EA-4F0F-8EAD-57836432C340}" type="datetimeFigureOut">
               <a:rPr lang="es-MX" smtClean="0"/>
-              <a:t>20/03/2020</a:t>
+              <a:t>25/04/2020</a:t>
             </a:fld>
             <a:endParaRPr lang="es-MX"/>
           </a:p>
@@ -1831,7 +1831,7 @@
           <a:p>
             <a:fld id="{2F57117F-21EA-4F0F-8EAD-57836432C340}" type="datetimeFigureOut">
               <a:rPr lang="es-MX" smtClean="0"/>
-              <a:t>20/03/2020</a:t>
+              <a:t>25/04/2020</a:t>
             </a:fld>
             <a:endParaRPr lang="es-MX"/>
           </a:p>
@@ -1973,7 +1973,7 @@
           <a:p>
             <a:fld id="{2F57117F-21EA-4F0F-8EAD-57836432C340}" type="datetimeFigureOut">
               <a:rPr lang="es-MX" smtClean="0"/>
-              <a:t>20/03/2020</a:t>
+              <a:t>25/04/2020</a:t>
             </a:fld>
             <a:endParaRPr lang="es-MX"/>
           </a:p>
@@ -2086,7 +2086,7 @@
           <a:p>
             <a:fld id="{2F57117F-21EA-4F0F-8EAD-57836432C340}" type="datetimeFigureOut">
               <a:rPr lang="es-MX" smtClean="0"/>
-              <a:t>20/03/2020</a:t>
+              <a:t>25/04/2020</a:t>
             </a:fld>
             <a:endParaRPr lang="es-MX"/>
           </a:p>
@@ -2399,7 +2399,7 @@
           <a:p>
             <a:fld id="{2F57117F-21EA-4F0F-8EAD-57836432C340}" type="datetimeFigureOut">
               <a:rPr lang="es-MX" smtClean="0"/>
-              <a:t>20/03/2020</a:t>
+              <a:t>25/04/2020</a:t>
             </a:fld>
             <a:endParaRPr lang="es-MX"/>
           </a:p>
@@ -2688,7 +2688,7 @@
           <a:p>
             <a:fld id="{2F57117F-21EA-4F0F-8EAD-57836432C340}" type="datetimeFigureOut">
               <a:rPr lang="es-MX" smtClean="0"/>
-              <a:t>20/03/2020</a:t>
+              <a:t>25/04/2020</a:t>
             </a:fld>
             <a:endParaRPr lang="es-MX"/>
           </a:p>
@@ -2931,7 +2931,7 @@
           <a:p>
             <a:fld id="{2F57117F-21EA-4F0F-8EAD-57836432C340}" type="datetimeFigureOut">
               <a:rPr lang="es-MX" smtClean="0"/>
-              <a:t>20/03/2020</a:t>
+              <a:t>25/04/2020</a:t>
             </a:fld>
             <a:endParaRPr lang="es-MX"/>
           </a:p>
@@ -4945,7 +4945,7 @@
         </p:nvSpPr>
         <p:spPr>
           <a:xfrm>
-            <a:off x="6414054" y="1124379"/>
+            <a:off x="6479898" y="967755"/>
             <a:ext cx="2564295" cy="3995803"/>
           </a:xfrm>
           <a:prstGeom prst="roundRect">
@@ -4990,7 +4990,7 @@
         </p:nvSpPr>
         <p:spPr>
           <a:xfrm>
-            <a:off x="7059770" y="868471"/>
+            <a:off x="7054037" y="699444"/>
             <a:ext cx="1284326" cy="461665"/>
           </a:xfrm>
           <a:prstGeom prst="rect">
@@ -5282,7 +5282,7 @@
                   <a:schemeClr val="tx1"/>
                 </a:solidFill>
               </a:rPr>
-              <a:t>RehaMove 2</a:t>
+              <a:t>RehaStim 2</a:t>
             </a:r>
             <a:endParaRPr lang="es-MX" b="1" dirty="0">
               <a:solidFill>
@@ -5321,6 +5321,7 @@
             <a:solidFill>
               <a:srgbClr val="FF0000"/>
             </a:solidFill>
+            <a:prstDash val="sysDot"/>
             <a:tailEnd type="triangle"/>
           </a:ln>
         </p:spPr>
@@ -5409,6 +5410,7 @@
             <a:avLst/>
           </a:prstGeom>
           <a:ln w="38100">
+            <a:prstDash val="sysDot"/>
             <a:tailEnd type="triangle"/>
           </a:ln>
         </p:spPr>
@@ -5917,7 +5919,7 @@
                   <a:schemeClr val="tx1"/>
                 </a:solidFill>
               </a:rPr>
-              <a:t>RehaMove 2</a:t>
+              <a:t>RehaStim 2</a:t>
             </a:r>
             <a:endParaRPr lang="es-MX" b="1" dirty="0">
               <a:solidFill>
@@ -5969,6 +5971,121 @@
           </a:fontRef>
         </p:style>
       </p:cxnSp>
+      <p:pic>
+        <p:nvPicPr>
+          <p:cNvPr id="1028" name="Picture 4" descr="Bluetooth Iconos - Descarga gratuita, PNG y SVG">
+            <a:extLst>
+              <a:ext uri="{FF2B5EF4-FFF2-40B4-BE49-F238E27FC236}">
+                <a16:creationId xmlns:a16="http://schemas.microsoft.com/office/drawing/2014/main" id="{30421833-DF83-4B68-80C9-C9DFFD3DB822}"/>
+              </a:ext>
+            </a:extLst>
+          </p:cNvPr>
+          <p:cNvPicPr>
+            <a:picLocks noChangeAspect="1" noChangeArrowheads="1"/>
+          </p:cNvPicPr>
+          <p:nvPr/>
+        </p:nvPicPr>
+        <p:blipFill>
+          <a:blip r:embed="rId3">
+            <a:extLst>
+              <a:ext uri="{28A0092B-C50C-407E-A947-70E740481C1C}">
+                <a14:useLocalDpi xmlns:a14="http://schemas.microsoft.com/office/drawing/2010/main" val="0"/>
+              </a:ext>
+            </a:extLst>
+          </a:blip>
+          <a:srcRect/>
+          <a:stretch>
+            <a:fillRect/>
+          </a:stretch>
+        </p:blipFill>
+        <p:spPr bwMode="auto">
+          <a:xfrm>
+            <a:off x="5991835" y="1327448"/>
+            <a:ext cx="450797" cy="450797"/>
+          </a:xfrm>
+          <a:prstGeom prst="rect">
+            <a:avLst/>
+          </a:prstGeom>
+          <a:noFill/>
+          <a:extLst>
+            <a:ext uri="{909E8E84-426E-40DD-AFC4-6F175D3DCCD1}">
+              <a14:hiddenFill xmlns:a14="http://schemas.microsoft.com/office/drawing/2010/main">
+                <a:solidFill>
+                  <a:srgbClr val="FFFFFF"/>
+                </a:solidFill>
+              </a14:hiddenFill>
+            </a:ext>
+          </a:extLst>
+        </p:spPr>
+      </p:pic>
+      <p:pic>
+        <p:nvPicPr>
+          <p:cNvPr id="1034" name="Picture 10" descr="Símbolo de rayo de iconos de computadora micro-usb, usb PNG ...">
+            <a:extLst>
+              <a:ext uri="{FF2B5EF4-FFF2-40B4-BE49-F238E27FC236}">
+                <a16:creationId xmlns:a16="http://schemas.microsoft.com/office/drawing/2014/main" id="{DCF2BA32-6C31-4B0F-9D96-635A7D19837C}"/>
+              </a:ext>
+            </a:extLst>
+          </p:cNvPr>
+          <p:cNvPicPr>
+            <a:picLocks noChangeAspect="1" noChangeArrowheads="1"/>
+          </p:cNvPicPr>
+          <p:nvPr/>
+        </p:nvPicPr>
+        <p:blipFill>
+          <a:blip r:embed="rId4">
+            <a:extLst>
+              <a:ext uri="{BEBA8EAE-BF5A-486C-A8C5-ECC9F3942E4B}">
+                <a14:imgProps xmlns:a14="http://schemas.microsoft.com/office/drawing/2010/main">
+                  <a14:imgLayer r:embed="rId5">
+                    <a14:imgEffect>
+                      <a14:backgroundRemoval t="2449" b="99592" l="7967" r="93132">
+                        <a14:foregroundMark x1="12225" y1="39592" x2="12225" y2="39592"/>
+                        <a14:foregroundMark x1="12225" y1="31735" x2="12225" y2="31735"/>
+                        <a14:foregroundMark x1="48352" y1="7143" x2="48352" y2="7143"/>
+                        <a14:foregroundMark x1="49313" y1="8571" x2="50137" y2="71020"/>
+                        <a14:foregroundMark x1="48352" y1="66122" x2="48077" y2="96224"/>
+                        <a14:foregroundMark x1="48077" y1="96224" x2="48077" y2="96224"/>
+                        <a14:foregroundMark x1="48626" y1="2551" x2="48626" y2="2551"/>
+                        <a14:foregroundMark x1="93132" y1="20102" x2="93132" y2="20102"/>
+                        <a14:foregroundMark x1="8104" y1="34388" x2="8104" y2="34388"/>
+                        <a14:foregroundMark x1="48901" y1="99592" x2="48901" y2="99592"/>
+                        <a14:backgroundMark x1="25962" y1="24082" x2="25962" y2="24082"/>
+                      </a14:backgroundRemoval>
+                    </a14:imgEffect>
+                  </a14:imgLayer>
+                </a14:imgProps>
+              </a:ext>
+              <a:ext uri="{28A0092B-C50C-407E-A947-70E740481C1C}">
+                <a14:useLocalDpi xmlns:a14="http://schemas.microsoft.com/office/drawing/2010/main" val="0"/>
+              </a:ext>
+            </a:extLst>
+          </a:blip>
+          <a:srcRect/>
+          <a:stretch>
+            <a:fillRect/>
+          </a:stretch>
+        </p:blipFill>
+        <p:spPr bwMode="auto">
+          <a:xfrm>
+            <a:off x="6050098" y="3710314"/>
+            <a:ext cx="334271" cy="450000"/>
+          </a:xfrm>
+          <a:prstGeom prst="rect">
+            <a:avLst/>
+          </a:prstGeom>
+          <a:noFill/>
+          <a:extLst>
+            <a:ext uri="{909E8E84-426E-40DD-AFC4-6F175D3DCCD1}">
+              <a14:hiddenFill xmlns:a14="http://schemas.microsoft.com/office/drawing/2010/main">
+                <a:solidFill>
+                  <a:srgbClr val="FFFFFF"/>
+                </a:solidFill>
+              </a14:hiddenFill>
+            </a:ext>
+          </a:extLst>
+        </p:spPr>
+      </p:pic>
     </p:spTree>
     <p:extLst>
       <p:ext uri="{BB962C8B-B14F-4D97-AF65-F5344CB8AC3E}">

--- a/Sistema propuesto.pptx
+++ b/Sistema propuesto.pptx
@@ -7,6 +7,7 @@
   <p:sldIdLst>
     <p:sldId id="256" r:id="rId2"/>
     <p:sldId id="257" r:id="rId3"/>
+    <p:sldId id="258" r:id="rId4"/>
   </p:sldIdLst>
   <p:sldSz cx="12192000" cy="6858000"/>
   <p:notesSz cx="6858000" cy="9144000"/>
@@ -262,7 +263,7 @@
           <a:p>
             <a:fld id="{2F57117F-21EA-4F0F-8EAD-57836432C340}" type="datetimeFigureOut">
               <a:rPr lang="es-MX" smtClean="0"/>
-              <a:t>25/04/2020</a:t>
+              <a:t>10/05/2020</a:t>
             </a:fld>
             <a:endParaRPr lang="es-MX"/>
           </a:p>
@@ -462,7 +463,7 @@
           <a:p>
             <a:fld id="{2F57117F-21EA-4F0F-8EAD-57836432C340}" type="datetimeFigureOut">
               <a:rPr lang="es-MX" smtClean="0"/>
-              <a:t>25/04/2020</a:t>
+              <a:t>10/05/2020</a:t>
             </a:fld>
             <a:endParaRPr lang="es-MX"/>
           </a:p>
@@ -672,7 +673,7 @@
           <a:p>
             <a:fld id="{2F57117F-21EA-4F0F-8EAD-57836432C340}" type="datetimeFigureOut">
               <a:rPr lang="es-MX" smtClean="0"/>
-              <a:t>25/04/2020</a:t>
+              <a:t>10/05/2020</a:t>
             </a:fld>
             <a:endParaRPr lang="es-MX"/>
           </a:p>
@@ -872,7 +873,7 @@
           <a:p>
             <a:fld id="{2F57117F-21EA-4F0F-8EAD-57836432C340}" type="datetimeFigureOut">
               <a:rPr lang="es-MX" smtClean="0"/>
-              <a:t>25/04/2020</a:t>
+              <a:t>10/05/2020</a:t>
             </a:fld>
             <a:endParaRPr lang="es-MX"/>
           </a:p>
@@ -1148,7 +1149,7 @@
           <a:p>
             <a:fld id="{2F57117F-21EA-4F0F-8EAD-57836432C340}" type="datetimeFigureOut">
               <a:rPr lang="es-MX" smtClean="0"/>
-              <a:t>25/04/2020</a:t>
+              <a:t>10/05/2020</a:t>
             </a:fld>
             <a:endParaRPr lang="es-MX"/>
           </a:p>
@@ -1416,7 +1417,7 @@
           <a:p>
             <a:fld id="{2F57117F-21EA-4F0F-8EAD-57836432C340}" type="datetimeFigureOut">
               <a:rPr lang="es-MX" smtClean="0"/>
-              <a:t>25/04/2020</a:t>
+              <a:t>10/05/2020</a:t>
             </a:fld>
             <a:endParaRPr lang="es-MX"/>
           </a:p>
@@ -1831,7 +1832,7 @@
           <a:p>
             <a:fld id="{2F57117F-21EA-4F0F-8EAD-57836432C340}" type="datetimeFigureOut">
               <a:rPr lang="es-MX" smtClean="0"/>
-              <a:t>25/04/2020</a:t>
+              <a:t>10/05/2020</a:t>
             </a:fld>
             <a:endParaRPr lang="es-MX"/>
           </a:p>
@@ -1973,7 +1974,7 @@
           <a:p>
             <a:fld id="{2F57117F-21EA-4F0F-8EAD-57836432C340}" type="datetimeFigureOut">
               <a:rPr lang="es-MX" smtClean="0"/>
-              <a:t>25/04/2020</a:t>
+              <a:t>10/05/2020</a:t>
             </a:fld>
             <a:endParaRPr lang="es-MX"/>
           </a:p>
@@ -2086,7 +2087,7 @@
           <a:p>
             <a:fld id="{2F57117F-21EA-4F0F-8EAD-57836432C340}" type="datetimeFigureOut">
               <a:rPr lang="es-MX" smtClean="0"/>
-              <a:t>25/04/2020</a:t>
+              <a:t>10/05/2020</a:t>
             </a:fld>
             <a:endParaRPr lang="es-MX"/>
           </a:p>
@@ -2399,7 +2400,7 @@
           <a:p>
             <a:fld id="{2F57117F-21EA-4F0F-8EAD-57836432C340}" type="datetimeFigureOut">
               <a:rPr lang="es-MX" smtClean="0"/>
-              <a:t>25/04/2020</a:t>
+              <a:t>10/05/2020</a:t>
             </a:fld>
             <a:endParaRPr lang="es-MX"/>
           </a:p>
@@ -2688,7 +2689,7 @@
           <a:p>
             <a:fld id="{2F57117F-21EA-4F0F-8EAD-57836432C340}" type="datetimeFigureOut">
               <a:rPr lang="es-MX" smtClean="0"/>
-              <a:t>25/04/2020</a:t>
+              <a:t>10/05/2020</a:t>
             </a:fld>
             <a:endParaRPr lang="es-MX"/>
           </a:p>
@@ -2931,7 +2932,7 @@
           <a:p>
             <a:fld id="{2F57117F-21EA-4F0F-8EAD-57836432C340}" type="datetimeFigureOut">
               <a:rPr lang="es-MX" smtClean="0"/>
-              <a:t>25/04/2020</a:t>
+              <a:t>10/05/2020</a:t>
             </a:fld>
             <a:endParaRPr lang="es-MX"/>
           </a:p>
@@ -6099,6 +6100,1425 @@
 </p:sld>
 </file>
 
+<file path=ppt/slides/slide3.xml><?xml version="1.0" encoding="utf-8"?>
+<p:sld xmlns:a="http://schemas.openxmlformats.org/drawingml/2006/main" xmlns:r="http://schemas.openxmlformats.org/officeDocument/2006/relationships" xmlns:p="http://schemas.openxmlformats.org/presentationml/2006/main">
+  <p:cSld>
+    <p:spTree>
+      <p:nvGrpSpPr>
+        <p:cNvPr id="1" name=""/>
+        <p:cNvGrpSpPr/>
+        <p:nvPr/>
+      </p:nvGrpSpPr>
+      <p:grpSpPr>
+        <a:xfrm>
+          <a:off x="0" y="0"/>
+          <a:ext cx="0" cy="0"/>
+          <a:chOff x="0" y="0"/>
+          <a:chExt cx="0" cy="0"/>
+        </a:xfrm>
+      </p:grpSpPr>
+      <p:grpSp>
+        <p:nvGrpSpPr>
+          <p:cNvPr id="55" name="Grupo 54">
+            <a:extLst>
+              <a:ext uri="{FF2B5EF4-FFF2-40B4-BE49-F238E27FC236}">
+                <a16:creationId xmlns:a16="http://schemas.microsoft.com/office/drawing/2014/main" id="{B4CBBDE7-D230-459B-AA2A-022A3F3B216C}"/>
+              </a:ext>
+            </a:extLst>
+          </p:cNvPr>
+          <p:cNvGrpSpPr/>
+          <p:nvPr/>
+        </p:nvGrpSpPr>
+        <p:grpSpPr>
+          <a:xfrm>
+            <a:off x="1903657" y="775330"/>
+            <a:ext cx="7944633" cy="4923805"/>
+            <a:chOff x="1477772" y="374497"/>
+            <a:chExt cx="7944633" cy="4923805"/>
+          </a:xfrm>
+        </p:grpSpPr>
+        <p:grpSp>
+          <p:nvGrpSpPr>
+            <p:cNvPr id="49" name="Grupo 48">
+              <a:extLst>
+                <a:ext uri="{FF2B5EF4-FFF2-40B4-BE49-F238E27FC236}">
+                  <a16:creationId xmlns:a16="http://schemas.microsoft.com/office/drawing/2014/main" id="{E7E5043F-9D9A-4473-988D-AB3DABD47329}"/>
+                </a:ext>
+              </a:extLst>
+            </p:cNvPr>
+            <p:cNvGrpSpPr/>
+            <p:nvPr/>
+          </p:nvGrpSpPr>
+          <p:grpSpPr>
+            <a:xfrm>
+              <a:off x="4780296" y="1623921"/>
+              <a:ext cx="1588621" cy="1777542"/>
+              <a:chOff x="5457850" y="809081"/>
+              <a:chExt cx="1588621" cy="1777542"/>
+            </a:xfrm>
+          </p:grpSpPr>
+          <p:grpSp>
+            <p:nvGrpSpPr>
+              <p:cNvPr id="46" name="Grupo 45">
+                <a:extLst>
+                  <a:ext uri="{FF2B5EF4-FFF2-40B4-BE49-F238E27FC236}">
+                    <a16:creationId xmlns:a16="http://schemas.microsoft.com/office/drawing/2014/main" id="{935ABC7C-F13A-4A27-8D2D-F2B625FDAE24}"/>
+                  </a:ext>
+                </a:extLst>
+              </p:cNvPr>
+              <p:cNvGrpSpPr/>
+              <p:nvPr/>
+            </p:nvGrpSpPr>
+            <p:grpSpPr>
+              <a:xfrm>
+                <a:off x="5661764" y="1178414"/>
+                <a:ext cx="1156570" cy="1152395"/>
+                <a:chOff x="5649238" y="551145"/>
+                <a:chExt cx="1156570" cy="1152395"/>
+              </a:xfrm>
+            </p:grpSpPr>
+            <p:cxnSp>
+              <p:nvCxnSpPr>
+                <p:cNvPr id="25" name="Conector recto de flecha 24">
+                  <a:extLst>
+                    <a:ext uri="{FF2B5EF4-FFF2-40B4-BE49-F238E27FC236}">
+                      <a16:creationId xmlns:a16="http://schemas.microsoft.com/office/drawing/2014/main" id="{D932F97E-3C98-4923-BACB-14C57AE8E68C}"/>
+                    </a:ext>
+                  </a:extLst>
+                </p:cNvPr>
+                <p:cNvCxnSpPr>
+                  <a:cxnSpLocks/>
+                </p:cNvCxnSpPr>
+                <p:nvPr/>
+              </p:nvCxnSpPr>
+              <p:spPr>
+                <a:xfrm flipH="1">
+                  <a:off x="5649238" y="1277655"/>
+                  <a:ext cx="446762" cy="425885"/>
+                </a:xfrm>
+                <a:prstGeom prst="straightConnector1">
+                  <a:avLst/>
+                </a:prstGeom>
+                <a:ln w="38100">
+                  <a:solidFill>
+                    <a:srgbClr val="FF0000"/>
+                  </a:solidFill>
+                  <a:tailEnd type="triangle"/>
+                </a:ln>
+              </p:spPr>
+              <p:style>
+                <a:lnRef idx="1">
+                  <a:schemeClr val="accent1"/>
+                </a:lnRef>
+                <a:fillRef idx="0">
+                  <a:schemeClr val="accent1"/>
+                </a:fillRef>
+                <a:effectRef idx="0">
+                  <a:schemeClr val="accent1"/>
+                </a:effectRef>
+                <a:fontRef idx="minor">
+                  <a:schemeClr val="tx1"/>
+                </a:fontRef>
+              </p:style>
+            </p:cxnSp>
+            <p:cxnSp>
+              <p:nvCxnSpPr>
+                <p:cNvPr id="32" name="Conector recto de flecha 31">
+                  <a:extLst>
+                    <a:ext uri="{FF2B5EF4-FFF2-40B4-BE49-F238E27FC236}">
+                      <a16:creationId xmlns:a16="http://schemas.microsoft.com/office/drawing/2014/main" id="{22AD95A0-12B6-4AFB-A9A0-2CDF9A067730}"/>
+                    </a:ext>
+                  </a:extLst>
+                </p:cNvPr>
+                <p:cNvCxnSpPr>
+                  <a:cxnSpLocks/>
+                </p:cNvCxnSpPr>
+                <p:nvPr/>
+              </p:nvCxnSpPr>
+              <p:spPr>
+                <a:xfrm>
+                  <a:off x="6096000" y="1277655"/>
+                  <a:ext cx="709808" cy="0"/>
+                </a:xfrm>
+                <a:prstGeom prst="straightConnector1">
+                  <a:avLst/>
+                </a:prstGeom>
+                <a:ln w="38100">
+                  <a:tailEnd type="triangle"/>
+                </a:ln>
+              </p:spPr>
+              <p:style>
+                <a:lnRef idx="1">
+                  <a:schemeClr val="accent1"/>
+                </a:lnRef>
+                <a:fillRef idx="0">
+                  <a:schemeClr val="accent1"/>
+                </a:fillRef>
+                <a:effectRef idx="0">
+                  <a:schemeClr val="accent1"/>
+                </a:effectRef>
+                <a:fontRef idx="minor">
+                  <a:schemeClr val="tx1"/>
+                </a:fontRef>
+              </p:style>
+            </p:cxnSp>
+            <p:cxnSp>
+              <p:nvCxnSpPr>
+                <p:cNvPr id="40" name="Conector recto de flecha 39">
+                  <a:extLst>
+                    <a:ext uri="{FF2B5EF4-FFF2-40B4-BE49-F238E27FC236}">
+                      <a16:creationId xmlns:a16="http://schemas.microsoft.com/office/drawing/2014/main" id="{86D30C9B-4270-49EA-91DD-DEB6E7A5CD80}"/>
+                    </a:ext>
+                  </a:extLst>
+                </p:cNvPr>
+                <p:cNvCxnSpPr/>
+                <p:nvPr/>
+              </p:nvCxnSpPr>
+              <p:spPr>
+                <a:xfrm flipV="1">
+                  <a:off x="6096000" y="551145"/>
+                  <a:ext cx="0" cy="726510"/>
+                </a:xfrm>
+                <a:prstGeom prst="straightConnector1">
+                  <a:avLst/>
+                </a:prstGeom>
+                <a:ln w="38100">
+                  <a:solidFill>
+                    <a:srgbClr val="00B050"/>
+                  </a:solidFill>
+                  <a:tailEnd type="triangle"/>
+                </a:ln>
+              </p:spPr>
+              <p:style>
+                <a:lnRef idx="1">
+                  <a:schemeClr val="accent1"/>
+                </a:lnRef>
+                <a:fillRef idx="0">
+                  <a:schemeClr val="accent1"/>
+                </a:fillRef>
+                <a:effectRef idx="0">
+                  <a:schemeClr val="accent1"/>
+                </a:effectRef>
+                <a:fontRef idx="minor">
+                  <a:schemeClr val="tx1"/>
+                </a:fontRef>
+              </p:style>
+            </p:cxnSp>
+          </p:grpSp>
+          <p:sp>
+            <p:nvSpPr>
+              <p:cNvPr id="48" name="CuadroTexto 47">
+                <a:extLst>
+                  <a:ext uri="{FF2B5EF4-FFF2-40B4-BE49-F238E27FC236}">
+                    <a16:creationId xmlns:a16="http://schemas.microsoft.com/office/drawing/2014/main" id="{A34305AF-CEFD-44DC-B356-CC89B7A51B4D}"/>
+                  </a:ext>
+                </a:extLst>
+              </p:cNvPr>
+              <p:cNvSpPr txBox="1"/>
+              <p:nvPr/>
+            </p:nvSpPr>
+            <p:spPr>
+              <a:xfrm>
+                <a:off x="5962492" y="809081"/>
+                <a:ext cx="292068" cy="369332"/>
+              </a:xfrm>
+              <a:prstGeom prst="rect">
+                <a:avLst/>
+              </a:prstGeom>
+              <a:noFill/>
+            </p:spPr>
+            <p:txBody>
+              <a:bodyPr wrap="none" rtlCol="0">
+                <a:spAutoFit/>
+              </a:bodyPr>
+              <a:lstStyle/>
+              <a:p>
+                <a:r>
+                  <a:rPr lang="es-MX" dirty="0"/>
+                  <a:t>Z</a:t>
+                </a:r>
+              </a:p>
+            </p:txBody>
+          </p:sp>
+          <p:sp>
+            <p:nvSpPr>
+              <p:cNvPr id="53" name="CuadroTexto 52">
+                <a:extLst>
+                  <a:ext uri="{FF2B5EF4-FFF2-40B4-BE49-F238E27FC236}">
+                    <a16:creationId xmlns:a16="http://schemas.microsoft.com/office/drawing/2014/main" id="{E50AF4BE-ACB3-45AA-B341-B8280C60DA44}"/>
+                  </a:ext>
+                </a:extLst>
+              </p:cNvPr>
+              <p:cNvSpPr txBox="1"/>
+              <p:nvPr/>
+            </p:nvSpPr>
+            <p:spPr>
+              <a:xfrm>
+                <a:off x="6749595" y="1720258"/>
+                <a:ext cx="296876" cy="369332"/>
+              </a:xfrm>
+              <a:prstGeom prst="rect">
+                <a:avLst/>
+              </a:prstGeom>
+              <a:noFill/>
+            </p:spPr>
+            <p:txBody>
+              <a:bodyPr wrap="none" rtlCol="0">
+                <a:spAutoFit/>
+              </a:bodyPr>
+              <a:lstStyle/>
+              <a:p>
+                <a:r>
+                  <a:rPr lang="es-MX" dirty="0"/>
+                  <a:t>Y</a:t>
+                </a:r>
+              </a:p>
+            </p:txBody>
+          </p:sp>
+          <p:sp>
+            <p:nvSpPr>
+              <p:cNvPr id="54" name="CuadroTexto 53">
+                <a:extLst>
+                  <a:ext uri="{FF2B5EF4-FFF2-40B4-BE49-F238E27FC236}">
+                    <a16:creationId xmlns:a16="http://schemas.microsoft.com/office/drawing/2014/main" id="{8B5B0A7F-2970-4B76-B338-A96A6A84A738}"/>
+                  </a:ext>
+                </a:extLst>
+              </p:cNvPr>
+              <p:cNvSpPr txBox="1"/>
+              <p:nvPr/>
+            </p:nvSpPr>
+            <p:spPr>
+              <a:xfrm>
+                <a:off x="5457850" y="2217291"/>
+                <a:ext cx="304892" cy="369332"/>
+              </a:xfrm>
+              <a:prstGeom prst="rect">
+                <a:avLst/>
+              </a:prstGeom>
+              <a:noFill/>
+            </p:spPr>
+            <p:txBody>
+              <a:bodyPr wrap="none" rtlCol="0">
+                <a:spAutoFit/>
+              </a:bodyPr>
+              <a:lstStyle/>
+              <a:p>
+                <a:r>
+                  <a:rPr lang="es-MX" dirty="0"/>
+                  <a:t>X</a:t>
+                </a:r>
+              </a:p>
+            </p:txBody>
+          </p:sp>
+        </p:grpSp>
+        <p:grpSp>
+          <p:nvGrpSpPr>
+            <p:cNvPr id="60" name="Grupo 59">
+              <a:extLst>
+                <a:ext uri="{FF2B5EF4-FFF2-40B4-BE49-F238E27FC236}">
+                  <a16:creationId xmlns:a16="http://schemas.microsoft.com/office/drawing/2014/main" id="{FB0A11D1-4F95-43FB-967F-2E65D4B0E3AB}"/>
+                </a:ext>
+              </a:extLst>
+            </p:cNvPr>
+            <p:cNvGrpSpPr/>
+            <p:nvPr/>
+          </p:nvGrpSpPr>
+          <p:grpSpPr>
+            <a:xfrm>
+              <a:off x="1477772" y="374497"/>
+              <a:ext cx="3214672" cy="2017245"/>
+              <a:chOff x="801664" y="2293231"/>
+              <a:chExt cx="4100528" cy="2573130"/>
+            </a:xfrm>
+          </p:grpSpPr>
+          <p:pic>
+            <p:nvPicPr>
+              <p:cNvPr id="61" name="Picture 2" descr="Resultado de imagen para brazo silueta">
+                <a:extLst>
+                  <a:ext uri="{FF2B5EF4-FFF2-40B4-BE49-F238E27FC236}">
+                    <a16:creationId xmlns:a16="http://schemas.microsoft.com/office/drawing/2014/main" id="{6D22AB5E-F924-4ADD-9662-12C3425E987E}"/>
+                  </a:ext>
+                </a:extLst>
+              </p:cNvPr>
+              <p:cNvPicPr>
+                <a:picLocks noChangeAspect="1" noChangeArrowheads="1"/>
+              </p:cNvPicPr>
+              <p:nvPr/>
+            </p:nvPicPr>
+            <p:blipFill>
+              <a:blip r:embed="rId2">
+                <a:extLst>
+                  <a:ext uri="{28A0092B-C50C-407E-A947-70E740481C1C}">
+                    <a14:useLocalDpi xmlns:a14="http://schemas.microsoft.com/office/drawing/2010/main" val="0"/>
+                  </a:ext>
+                </a:extLst>
+              </a:blip>
+              <a:srcRect/>
+              <a:stretch>
+                <a:fillRect/>
+              </a:stretch>
+            </p:blipFill>
+            <p:spPr bwMode="auto">
+              <a:xfrm flipH="1">
+                <a:off x="801664" y="2586624"/>
+                <a:ext cx="2279737" cy="2279737"/>
+              </a:xfrm>
+              <a:prstGeom prst="rect">
+                <a:avLst/>
+              </a:prstGeom>
+              <a:noFill/>
+              <a:ln>
+                <a:noFill/>
+              </a:ln>
+              <a:extLst>
+                <a:ext uri="{909E8E84-426E-40DD-AFC4-6F175D3DCCD1}">
+                  <a14:hiddenFill xmlns:a14="http://schemas.microsoft.com/office/drawing/2010/main">
+                    <a:solidFill>
+                      <a:srgbClr val="FFFFFF"/>
+                    </a:solidFill>
+                  </a14:hiddenFill>
+                </a:ext>
+              </a:extLst>
+            </p:spPr>
+          </p:pic>
+          <p:pic>
+            <p:nvPicPr>
+              <p:cNvPr id="62" name="Picture 2" descr="Resultado de imagen para brazo silueta">
+                <a:extLst>
+                  <a:ext uri="{FF2B5EF4-FFF2-40B4-BE49-F238E27FC236}">
+                    <a16:creationId xmlns:a16="http://schemas.microsoft.com/office/drawing/2014/main" id="{1FE2E0B6-0C92-48A5-8F96-F0B6EA4BFE3B}"/>
+                  </a:ext>
+                </a:extLst>
+              </p:cNvPr>
+              <p:cNvPicPr>
+                <a:picLocks noChangeAspect="1" noChangeArrowheads="1"/>
+              </p:cNvPicPr>
+              <p:nvPr/>
+            </p:nvPicPr>
+            <p:blipFill>
+              <a:blip r:embed="rId2">
+                <a:extLst>
+                  <a:ext uri="{28A0092B-C50C-407E-A947-70E740481C1C}">
+                    <a14:useLocalDpi xmlns:a14="http://schemas.microsoft.com/office/drawing/2010/main" val="0"/>
+                  </a:ext>
+                </a:extLst>
+              </a:blip>
+              <a:srcRect/>
+              <a:stretch>
+                <a:fillRect/>
+              </a:stretch>
+            </p:blipFill>
+            <p:spPr bwMode="auto">
+              <a:xfrm>
+                <a:off x="2622455" y="2586623"/>
+                <a:ext cx="2279737" cy="2279737"/>
+              </a:xfrm>
+              <a:prstGeom prst="rect">
+                <a:avLst/>
+              </a:prstGeom>
+              <a:noFill/>
+              <a:ln>
+                <a:noFill/>
+              </a:ln>
+              <a:extLst>
+                <a:ext uri="{909E8E84-426E-40DD-AFC4-6F175D3DCCD1}">
+                  <a14:hiddenFill xmlns:a14="http://schemas.microsoft.com/office/drawing/2010/main">
+                    <a:solidFill>
+                      <a:srgbClr val="FFFFFF"/>
+                    </a:solidFill>
+                  </a14:hiddenFill>
+                </a:ext>
+              </a:extLst>
+            </p:spPr>
+          </p:pic>
+          <p:sp>
+            <p:nvSpPr>
+              <p:cNvPr id="63" name="Cilindro 62">
+                <a:extLst>
+                  <a:ext uri="{FF2B5EF4-FFF2-40B4-BE49-F238E27FC236}">
+                    <a16:creationId xmlns:a16="http://schemas.microsoft.com/office/drawing/2014/main" id="{A3EB843C-70D4-4D87-A78F-0D51FCCC0C57}"/>
+                  </a:ext>
+                </a:extLst>
+              </p:cNvPr>
+              <p:cNvSpPr/>
+              <p:nvPr/>
+            </p:nvSpPr>
+            <p:spPr>
+              <a:xfrm>
+                <a:off x="2171518" y="2293232"/>
+                <a:ext cx="296109" cy="839953"/>
+              </a:xfrm>
+              <a:prstGeom prst="can">
+                <a:avLst/>
+              </a:prstGeom>
+              <a:ln>
+                <a:noFill/>
+              </a:ln>
+            </p:spPr>
+            <p:style>
+              <a:lnRef idx="2">
+                <a:schemeClr val="accent1">
+                  <a:shade val="50000"/>
+                </a:schemeClr>
+              </a:lnRef>
+              <a:fillRef idx="1">
+                <a:schemeClr val="accent1"/>
+              </a:fillRef>
+              <a:effectRef idx="0">
+                <a:schemeClr val="accent1"/>
+              </a:effectRef>
+              <a:fontRef idx="minor">
+                <a:schemeClr val="lt1"/>
+              </a:fontRef>
+            </p:style>
+            <p:txBody>
+              <a:bodyPr rtlCol="0" anchor="ctr"/>
+              <a:lstStyle/>
+              <a:p>
+                <a:pPr algn="ctr"/>
+                <a:endParaRPr lang="es-MX"/>
+              </a:p>
+            </p:txBody>
+          </p:sp>
+          <p:sp>
+            <p:nvSpPr>
+              <p:cNvPr id="64" name="Cilindro 63">
+                <a:extLst>
+                  <a:ext uri="{FF2B5EF4-FFF2-40B4-BE49-F238E27FC236}">
+                    <a16:creationId xmlns:a16="http://schemas.microsoft.com/office/drawing/2014/main" id="{F5F3D317-672B-49F7-9EF3-98F6C079CA0B}"/>
+                  </a:ext>
+                </a:extLst>
+              </p:cNvPr>
+              <p:cNvSpPr/>
+              <p:nvPr/>
+            </p:nvSpPr>
+            <p:spPr>
+              <a:xfrm>
+                <a:off x="3236229" y="2293231"/>
+                <a:ext cx="296109" cy="839953"/>
+              </a:xfrm>
+              <a:prstGeom prst="can">
+                <a:avLst/>
+              </a:prstGeom>
+              <a:ln>
+                <a:noFill/>
+              </a:ln>
+            </p:spPr>
+            <p:style>
+              <a:lnRef idx="2">
+                <a:schemeClr val="accent1">
+                  <a:shade val="50000"/>
+                </a:schemeClr>
+              </a:lnRef>
+              <a:fillRef idx="1">
+                <a:schemeClr val="accent1"/>
+              </a:fillRef>
+              <a:effectRef idx="0">
+                <a:schemeClr val="accent1"/>
+              </a:effectRef>
+              <a:fontRef idx="minor">
+                <a:schemeClr val="lt1"/>
+              </a:fontRef>
+            </p:style>
+            <p:txBody>
+              <a:bodyPr rtlCol="0" anchor="ctr"/>
+              <a:lstStyle/>
+              <a:p>
+                <a:pPr algn="ctr"/>
+                <a:endParaRPr lang="es-MX"/>
+              </a:p>
+            </p:txBody>
+          </p:sp>
+          <p:cxnSp>
+            <p:nvCxnSpPr>
+              <p:cNvPr id="65" name="Conector recto de flecha 64">
+                <a:extLst>
+                  <a:ext uri="{FF2B5EF4-FFF2-40B4-BE49-F238E27FC236}">
+                    <a16:creationId xmlns:a16="http://schemas.microsoft.com/office/drawing/2014/main" id="{7A719DBF-1747-4A32-8660-67D78ED192EE}"/>
+                  </a:ext>
+                </a:extLst>
+              </p:cNvPr>
+              <p:cNvCxnSpPr/>
+              <p:nvPr/>
+            </p:nvCxnSpPr>
+            <p:spPr>
+              <a:xfrm>
+                <a:off x="1415441" y="2417523"/>
+                <a:ext cx="526091" cy="0"/>
+              </a:xfrm>
+              <a:prstGeom prst="straightConnector1">
+                <a:avLst/>
+              </a:prstGeom>
+              <a:ln w="38100">
+                <a:solidFill>
+                  <a:schemeClr val="accent1"/>
+                </a:solidFill>
+                <a:tailEnd type="triangle"/>
+              </a:ln>
+            </p:spPr>
+            <p:style>
+              <a:lnRef idx="1">
+                <a:schemeClr val="accent1"/>
+              </a:lnRef>
+              <a:fillRef idx="0">
+                <a:schemeClr val="accent1"/>
+              </a:fillRef>
+              <a:effectRef idx="0">
+                <a:schemeClr val="accent1"/>
+              </a:effectRef>
+              <a:fontRef idx="minor">
+                <a:schemeClr val="tx1"/>
+              </a:fontRef>
+            </p:style>
+          </p:cxnSp>
+          <p:cxnSp>
+            <p:nvCxnSpPr>
+              <p:cNvPr id="66" name="Conector recto de flecha 65">
+                <a:extLst>
+                  <a:ext uri="{FF2B5EF4-FFF2-40B4-BE49-F238E27FC236}">
+                    <a16:creationId xmlns:a16="http://schemas.microsoft.com/office/drawing/2014/main" id="{939FA252-1B5E-40FA-9307-47B6D53A60EC}"/>
+                  </a:ext>
+                </a:extLst>
+              </p:cNvPr>
+              <p:cNvCxnSpPr>
+                <a:cxnSpLocks/>
+              </p:cNvCxnSpPr>
+              <p:nvPr/>
+            </p:nvCxnSpPr>
+            <p:spPr>
+              <a:xfrm flipH="1">
+                <a:off x="3762323" y="2417523"/>
+                <a:ext cx="526091" cy="0"/>
+              </a:xfrm>
+              <a:prstGeom prst="straightConnector1">
+                <a:avLst/>
+              </a:prstGeom>
+              <a:ln w="38100">
+                <a:solidFill>
+                  <a:schemeClr val="accent1"/>
+                </a:solidFill>
+                <a:tailEnd type="triangle"/>
+              </a:ln>
+            </p:spPr>
+            <p:style>
+              <a:lnRef idx="1">
+                <a:schemeClr val="accent1"/>
+              </a:lnRef>
+              <a:fillRef idx="0">
+                <a:schemeClr val="accent1"/>
+              </a:fillRef>
+              <a:effectRef idx="0">
+                <a:schemeClr val="accent1"/>
+              </a:effectRef>
+              <a:fontRef idx="minor">
+                <a:schemeClr val="tx1"/>
+              </a:fontRef>
+            </p:style>
+          </p:cxnSp>
+        </p:grpSp>
+        <p:grpSp>
+          <p:nvGrpSpPr>
+            <p:cNvPr id="67" name="Grupo 66">
+              <a:extLst>
+                <a:ext uri="{FF2B5EF4-FFF2-40B4-BE49-F238E27FC236}">
+                  <a16:creationId xmlns:a16="http://schemas.microsoft.com/office/drawing/2014/main" id="{A5FE9342-D75D-4289-BC90-D7C9DF1403EC}"/>
+                </a:ext>
+              </a:extLst>
+            </p:cNvPr>
+            <p:cNvGrpSpPr/>
+            <p:nvPr/>
+          </p:nvGrpSpPr>
+          <p:grpSpPr>
+            <a:xfrm>
+              <a:off x="6207733" y="374497"/>
+              <a:ext cx="3214672" cy="2017245"/>
+              <a:chOff x="801664" y="2293231"/>
+              <a:chExt cx="4100528" cy="2573130"/>
+            </a:xfrm>
+          </p:grpSpPr>
+          <p:pic>
+            <p:nvPicPr>
+              <p:cNvPr id="68" name="Picture 2" descr="Resultado de imagen para brazo silueta">
+                <a:extLst>
+                  <a:ext uri="{FF2B5EF4-FFF2-40B4-BE49-F238E27FC236}">
+                    <a16:creationId xmlns:a16="http://schemas.microsoft.com/office/drawing/2014/main" id="{3432564A-5AC5-4357-B85E-0938AA3292CF}"/>
+                  </a:ext>
+                </a:extLst>
+              </p:cNvPr>
+              <p:cNvPicPr>
+                <a:picLocks noChangeAspect="1" noChangeArrowheads="1"/>
+              </p:cNvPicPr>
+              <p:nvPr/>
+            </p:nvPicPr>
+            <p:blipFill>
+              <a:blip r:embed="rId2">
+                <a:extLst>
+                  <a:ext uri="{28A0092B-C50C-407E-A947-70E740481C1C}">
+                    <a14:useLocalDpi xmlns:a14="http://schemas.microsoft.com/office/drawing/2010/main" val="0"/>
+                  </a:ext>
+                </a:extLst>
+              </a:blip>
+              <a:srcRect/>
+              <a:stretch>
+                <a:fillRect/>
+              </a:stretch>
+            </p:blipFill>
+            <p:spPr bwMode="auto">
+              <a:xfrm flipH="1">
+                <a:off x="801664" y="2586624"/>
+                <a:ext cx="2279737" cy="2279737"/>
+              </a:xfrm>
+              <a:prstGeom prst="rect">
+                <a:avLst/>
+              </a:prstGeom>
+              <a:noFill/>
+              <a:ln>
+                <a:noFill/>
+              </a:ln>
+              <a:extLst>
+                <a:ext uri="{909E8E84-426E-40DD-AFC4-6F175D3DCCD1}">
+                  <a14:hiddenFill xmlns:a14="http://schemas.microsoft.com/office/drawing/2010/main">
+                    <a:solidFill>
+                      <a:srgbClr val="FFFFFF"/>
+                    </a:solidFill>
+                  </a14:hiddenFill>
+                </a:ext>
+              </a:extLst>
+            </p:spPr>
+          </p:pic>
+          <p:pic>
+            <p:nvPicPr>
+              <p:cNvPr id="69" name="Picture 2" descr="Resultado de imagen para brazo silueta">
+                <a:extLst>
+                  <a:ext uri="{FF2B5EF4-FFF2-40B4-BE49-F238E27FC236}">
+                    <a16:creationId xmlns:a16="http://schemas.microsoft.com/office/drawing/2014/main" id="{0E66C89B-F8FC-4822-AA05-6F0CFA390268}"/>
+                  </a:ext>
+                </a:extLst>
+              </p:cNvPr>
+              <p:cNvPicPr>
+                <a:picLocks noChangeAspect="1" noChangeArrowheads="1"/>
+              </p:cNvPicPr>
+              <p:nvPr/>
+            </p:nvPicPr>
+            <p:blipFill>
+              <a:blip r:embed="rId2">
+                <a:extLst>
+                  <a:ext uri="{28A0092B-C50C-407E-A947-70E740481C1C}">
+                    <a14:useLocalDpi xmlns:a14="http://schemas.microsoft.com/office/drawing/2010/main" val="0"/>
+                  </a:ext>
+                </a:extLst>
+              </a:blip>
+              <a:srcRect/>
+              <a:stretch>
+                <a:fillRect/>
+              </a:stretch>
+            </p:blipFill>
+            <p:spPr bwMode="auto">
+              <a:xfrm>
+                <a:off x="2622455" y="2586623"/>
+                <a:ext cx="2279737" cy="2279737"/>
+              </a:xfrm>
+              <a:prstGeom prst="rect">
+                <a:avLst/>
+              </a:prstGeom>
+              <a:noFill/>
+              <a:ln>
+                <a:noFill/>
+              </a:ln>
+              <a:extLst>
+                <a:ext uri="{909E8E84-426E-40DD-AFC4-6F175D3DCCD1}">
+                  <a14:hiddenFill xmlns:a14="http://schemas.microsoft.com/office/drawing/2010/main">
+                    <a:solidFill>
+                      <a:srgbClr val="FFFFFF"/>
+                    </a:solidFill>
+                  </a14:hiddenFill>
+                </a:ext>
+              </a:extLst>
+            </p:spPr>
+          </p:pic>
+          <p:sp>
+            <p:nvSpPr>
+              <p:cNvPr id="70" name="Cilindro 69">
+                <a:extLst>
+                  <a:ext uri="{FF2B5EF4-FFF2-40B4-BE49-F238E27FC236}">
+                    <a16:creationId xmlns:a16="http://schemas.microsoft.com/office/drawing/2014/main" id="{2164D15C-D5FD-42D4-9EFC-871D94CB4A21}"/>
+                  </a:ext>
+                </a:extLst>
+              </p:cNvPr>
+              <p:cNvSpPr/>
+              <p:nvPr/>
+            </p:nvSpPr>
+            <p:spPr>
+              <a:xfrm>
+                <a:off x="1751224" y="2293231"/>
+                <a:ext cx="296109" cy="839953"/>
+              </a:xfrm>
+              <a:prstGeom prst="can">
+                <a:avLst/>
+              </a:prstGeom>
+              <a:ln>
+                <a:noFill/>
+              </a:ln>
+            </p:spPr>
+            <p:style>
+              <a:lnRef idx="2">
+                <a:schemeClr val="accent1">
+                  <a:shade val="50000"/>
+                </a:schemeClr>
+              </a:lnRef>
+              <a:fillRef idx="1">
+                <a:schemeClr val="accent1"/>
+              </a:fillRef>
+              <a:effectRef idx="0">
+                <a:schemeClr val="accent1"/>
+              </a:effectRef>
+              <a:fontRef idx="minor">
+                <a:schemeClr val="lt1"/>
+              </a:fontRef>
+            </p:style>
+            <p:txBody>
+              <a:bodyPr rtlCol="0" anchor="ctr"/>
+              <a:lstStyle/>
+              <a:p>
+                <a:pPr algn="ctr"/>
+                <a:endParaRPr lang="es-MX" dirty="0"/>
+              </a:p>
+            </p:txBody>
+          </p:sp>
+          <p:sp>
+            <p:nvSpPr>
+              <p:cNvPr id="71" name="Cilindro 70">
+                <a:extLst>
+                  <a:ext uri="{FF2B5EF4-FFF2-40B4-BE49-F238E27FC236}">
+                    <a16:creationId xmlns:a16="http://schemas.microsoft.com/office/drawing/2014/main" id="{BF2C3662-BF93-4935-AEF1-BAD59F691FA0}"/>
+                  </a:ext>
+                </a:extLst>
+              </p:cNvPr>
+              <p:cNvSpPr/>
+              <p:nvPr/>
+            </p:nvSpPr>
+            <p:spPr>
+              <a:xfrm>
+                <a:off x="3656523" y="2293231"/>
+                <a:ext cx="296109" cy="839953"/>
+              </a:xfrm>
+              <a:prstGeom prst="can">
+                <a:avLst/>
+              </a:prstGeom>
+              <a:ln>
+                <a:noFill/>
+              </a:ln>
+            </p:spPr>
+            <p:style>
+              <a:lnRef idx="2">
+                <a:schemeClr val="accent1">
+                  <a:shade val="50000"/>
+                </a:schemeClr>
+              </a:lnRef>
+              <a:fillRef idx="1">
+                <a:schemeClr val="accent1"/>
+              </a:fillRef>
+              <a:effectRef idx="0">
+                <a:schemeClr val="accent1"/>
+              </a:effectRef>
+              <a:fontRef idx="minor">
+                <a:schemeClr val="lt1"/>
+              </a:fontRef>
+            </p:style>
+            <p:txBody>
+              <a:bodyPr rtlCol="0" anchor="ctr"/>
+              <a:lstStyle/>
+              <a:p>
+                <a:pPr algn="ctr"/>
+                <a:endParaRPr lang="es-MX"/>
+              </a:p>
+            </p:txBody>
+          </p:sp>
+          <p:cxnSp>
+            <p:nvCxnSpPr>
+              <p:cNvPr id="73" name="Conector recto de flecha 72">
+                <a:extLst>
+                  <a:ext uri="{FF2B5EF4-FFF2-40B4-BE49-F238E27FC236}">
+                    <a16:creationId xmlns:a16="http://schemas.microsoft.com/office/drawing/2014/main" id="{6AE4EB16-D3A5-4B19-82C4-8CC8E7A13944}"/>
+                  </a:ext>
+                </a:extLst>
+              </p:cNvPr>
+              <p:cNvCxnSpPr>
+                <a:cxnSpLocks/>
+              </p:cNvCxnSpPr>
+              <p:nvPr/>
+            </p:nvCxnSpPr>
+            <p:spPr>
+              <a:xfrm rot="5400000" flipH="1">
+                <a:off x="4094131" y="2654988"/>
+                <a:ext cx="526091" cy="0"/>
+              </a:xfrm>
+              <a:prstGeom prst="straightConnector1">
+                <a:avLst/>
+              </a:prstGeom>
+              <a:ln w="38100">
+                <a:solidFill>
+                  <a:srgbClr val="00B050"/>
+                </a:solidFill>
+                <a:tailEnd type="triangle"/>
+              </a:ln>
+            </p:spPr>
+            <p:style>
+              <a:lnRef idx="1">
+                <a:schemeClr val="accent1"/>
+              </a:lnRef>
+              <a:fillRef idx="0">
+                <a:schemeClr val="accent1"/>
+              </a:fillRef>
+              <a:effectRef idx="0">
+                <a:schemeClr val="accent1"/>
+              </a:effectRef>
+              <a:fontRef idx="minor">
+                <a:schemeClr val="tx1"/>
+              </a:fontRef>
+            </p:style>
+          </p:cxnSp>
+        </p:grpSp>
+        <p:grpSp>
+          <p:nvGrpSpPr>
+            <p:cNvPr id="74" name="Grupo 73">
+              <a:extLst>
+                <a:ext uri="{FF2B5EF4-FFF2-40B4-BE49-F238E27FC236}">
+                  <a16:creationId xmlns:a16="http://schemas.microsoft.com/office/drawing/2014/main" id="{77584BCC-043C-4A0E-A5B0-B9488354C58D}"/>
+                </a:ext>
+              </a:extLst>
+            </p:cNvPr>
+            <p:cNvGrpSpPr/>
+            <p:nvPr/>
+          </p:nvGrpSpPr>
+          <p:grpSpPr>
+            <a:xfrm>
+              <a:off x="1477772" y="3226668"/>
+              <a:ext cx="3214672" cy="2017245"/>
+              <a:chOff x="801664" y="2293231"/>
+              <a:chExt cx="4100528" cy="2573130"/>
+            </a:xfrm>
+          </p:grpSpPr>
+          <p:pic>
+            <p:nvPicPr>
+              <p:cNvPr id="75" name="Picture 2" descr="Resultado de imagen para brazo silueta">
+                <a:extLst>
+                  <a:ext uri="{FF2B5EF4-FFF2-40B4-BE49-F238E27FC236}">
+                    <a16:creationId xmlns:a16="http://schemas.microsoft.com/office/drawing/2014/main" id="{0F9854CB-2F57-4C34-B071-D34F327D1F5E}"/>
+                  </a:ext>
+                </a:extLst>
+              </p:cNvPr>
+              <p:cNvPicPr>
+                <a:picLocks noChangeAspect="1" noChangeArrowheads="1"/>
+              </p:cNvPicPr>
+              <p:nvPr/>
+            </p:nvPicPr>
+            <p:blipFill>
+              <a:blip r:embed="rId2">
+                <a:extLst>
+                  <a:ext uri="{28A0092B-C50C-407E-A947-70E740481C1C}">
+                    <a14:useLocalDpi xmlns:a14="http://schemas.microsoft.com/office/drawing/2010/main" val="0"/>
+                  </a:ext>
+                </a:extLst>
+              </a:blip>
+              <a:srcRect/>
+              <a:stretch>
+                <a:fillRect/>
+              </a:stretch>
+            </p:blipFill>
+            <p:spPr bwMode="auto">
+              <a:xfrm flipH="1">
+                <a:off x="801664" y="2586624"/>
+                <a:ext cx="2279737" cy="2279737"/>
+              </a:xfrm>
+              <a:prstGeom prst="rect">
+                <a:avLst/>
+              </a:prstGeom>
+              <a:noFill/>
+              <a:ln>
+                <a:noFill/>
+              </a:ln>
+              <a:extLst>
+                <a:ext uri="{909E8E84-426E-40DD-AFC4-6F175D3DCCD1}">
+                  <a14:hiddenFill xmlns:a14="http://schemas.microsoft.com/office/drawing/2010/main">
+                    <a:solidFill>
+                      <a:srgbClr val="FFFFFF"/>
+                    </a:solidFill>
+                  </a14:hiddenFill>
+                </a:ext>
+              </a:extLst>
+            </p:spPr>
+          </p:pic>
+          <p:pic>
+            <p:nvPicPr>
+              <p:cNvPr id="76" name="Picture 2" descr="Resultado de imagen para brazo silueta">
+                <a:extLst>
+                  <a:ext uri="{FF2B5EF4-FFF2-40B4-BE49-F238E27FC236}">
+                    <a16:creationId xmlns:a16="http://schemas.microsoft.com/office/drawing/2014/main" id="{3DE2A409-B264-4DC8-AB1F-8B14D9C23019}"/>
+                  </a:ext>
+                </a:extLst>
+              </p:cNvPr>
+              <p:cNvPicPr>
+                <a:picLocks noChangeAspect="1" noChangeArrowheads="1"/>
+              </p:cNvPicPr>
+              <p:nvPr/>
+            </p:nvPicPr>
+            <p:blipFill>
+              <a:blip r:embed="rId2">
+                <a:extLst>
+                  <a:ext uri="{28A0092B-C50C-407E-A947-70E740481C1C}">
+                    <a14:useLocalDpi xmlns:a14="http://schemas.microsoft.com/office/drawing/2010/main" val="0"/>
+                  </a:ext>
+                </a:extLst>
+              </a:blip>
+              <a:srcRect/>
+              <a:stretch>
+                <a:fillRect/>
+              </a:stretch>
+            </p:blipFill>
+            <p:spPr bwMode="auto">
+              <a:xfrm>
+                <a:off x="2622455" y="2586623"/>
+                <a:ext cx="2279737" cy="2279737"/>
+              </a:xfrm>
+              <a:prstGeom prst="rect">
+                <a:avLst/>
+              </a:prstGeom>
+              <a:noFill/>
+              <a:ln>
+                <a:noFill/>
+              </a:ln>
+              <a:extLst>
+                <a:ext uri="{909E8E84-426E-40DD-AFC4-6F175D3DCCD1}">
+                  <a14:hiddenFill xmlns:a14="http://schemas.microsoft.com/office/drawing/2010/main">
+                    <a:solidFill>
+                      <a:srgbClr val="FFFFFF"/>
+                    </a:solidFill>
+                  </a14:hiddenFill>
+                </a:ext>
+              </a:extLst>
+            </p:spPr>
+          </p:pic>
+          <p:sp>
+            <p:nvSpPr>
+              <p:cNvPr id="77" name="Cilindro 76">
+                <a:extLst>
+                  <a:ext uri="{FF2B5EF4-FFF2-40B4-BE49-F238E27FC236}">
+                    <a16:creationId xmlns:a16="http://schemas.microsoft.com/office/drawing/2014/main" id="{C6E18E90-1DFC-4232-B4EE-9227BFB491E1}"/>
+                  </a:ext>
+                </a:extLst>
+              </p:cNvPr>
+              <p:cNvSpPr/>
+              <p:nvPr/>
+            </p:nvSpPr>
+            <p:spPr>
+              <a:xfrm>
+                <a:off x="1751224" y="2293231"/>
+                <a:ext cx="296109" cy="839953"/>
+              </a:xfrm>
+              <a:prstGeom prst="can">
+                <a:avLst/>
+              </a:prstGeom>
+              <a:ln>
+                <a:noFill/>
+              </a:ln>
+            </p:spPr>
+            <p:style>
+              <a:lnRef idx="2">
+                <a:schemeClr val="accent1">
+                  <a:shade val="50000"/>
+                </a:schemeClr>
+              </a:lnRef>
+              <a:fillRef idx="1">
+                <a:schemeClr val="accent1"/>
+              </a:fillRef>
+              <a:effectRef idx="0">
+                <a:schemeClr val="accent1"/>
+              </a:effectRef>
+              <a:fontRef idx="minor">
+                <a:schemeClr val="lt1"/>
+              </a:fontRef>
+            </p:style>
+            <p:txBody>
+              <a:bodyPr rtlCol="0" anchor="ctr"/>
+              <a:lstStyle/>
+              <a:p>
+                <a:pPr algn="ctr"/>
+                <a:endParaRPr lang="es-MX" dirty="0"/>
+              </a:p>
+            </p:txBody>
+          </p:sp>
+          <p:sp>
+            <p:nvSpPr>
+              <p:cNvPr id="78" name="Cilindro 77">
+                <a:extLst>
+                  <a:ext uri="{FF2B5EF4-FFF2-40B4-BE49-F238E27FC236}">
+                    <a16:creationId xmlns:a16="http://schemas.microsoft.com/office/drawing/2014/main" id="{8434B95F-7602-41CE-92FA-93B0DB103D37}"/>
+                  </a:ext>
+                </a:extLst>
+              </p:cNvPr>
+              <p:cNvSpPr/>
+              <p:nvPr/>
+            </p:nvSpPr>
+            <p:spPr>
+              <a:xfrm>
+                <a:off x="3656523" y="2293231"/>
+                <a:ext cx="296109" cy="839953"/>
+              </a:xfrm>
+              <a:prstGeom prst="can">
+                <a:avLst/>
+              </a:prstGeom>
+              <a:ln>
+                <a:noFill/>
+              </a:ln>
+            </p:spPr>
+            <p:style>
+              <a:lnRef idx="2">
+                <a:schemeClr val="accent1">
+                  <a:shade val="50000"/>
+                </a:schemeClr>
+              </a:lnRef>
+              <a:fillRef idx="1">
+                <a:schemeClr val="accent1"/>
+              </a:fillRef>
+              <a:effectRef idx="0">
+                <a:schemeClr val="accent1"/>
+              </a:effectRef>
+              <a:fontRef idx="minor">
+                <a:schemeClr val="lt1"/>
+              </a:fontRef>
+            </p:style>
+            <p:txBody>
+              <a:bodyPr rtlCol="0" anchor="ctr"/>
+              <a:lstStyle/>
+              <a:p>
+                <a:pPr algn="ctr"/>
+                <a:endParaRPr lang="es-MX"/>
+              </a:p>
+            </p:txBody>
+          </p:sp>
+          <p:cxnSp>
+            <p:nvCxnSpPr>
+              <p:cNvPr id="79" name="Conector recto de flecha 78">
+                <a:extLst>
+                  <a:ext uri="{FF2B5EF4-FFF2-40B4-BE49-F238E27FC236}">
+                    <a16:creationId xmlns:a16="http://schemas.microsoft.com/office/drawing/2014/main" id="{B6492BD5-1BD9-4635-9D31-2C30390F8C24}"/>
+                  </a:ext>
+                </a:extLst>
+              </p:cNvPr>
+              <p:cNvCxnSpPr>
+                <a:cxnSpLocks/>
+              </p:cNvCxnSpPr>
+              <p:nvPr/>
+            </p:nvCxnSpPr>
+            <p:spPr>
+              <a:xfrm rot="10800000" flipH="1">
+                <a:off x="4094131" y="2419779"/>
+                <a:ext cx="526091" cy="0"/>
+              </a:xfrm>
+              <a:prstGeom prst="straightConnector1">
+                <a:avLst/>
+              </a:prstGeom>
+              <a:ln w="38100">
+                <a:solidFill>
+                  <a:schemeClr val="accent1"/>
+                </a:solidFill>
+                <a:tailEnd type="triangle"/>
+              </a:ln>
+            </p:spPr>
+            <p:style>
+              <a:lnRef idx="1">
+                <a:schemeClr val="accent1"/>
+              </a:lnRef>
+              <a:fillRef idx="0">
+                <a:schemeClr val="accent1"/>
+              </a:fillRef>
+              <a:effectRef idx="0">
+                <a:schemeClr val="accent1"/>
+              </a:effectRef>
+              <a:fontRef idx="minor">
+                <a:schemeClr val="tx1"/>
+              </a:fontRef>
+            </p:style>
+          </p:cxnSp>
+        </p:grpSp>
+        <p:grpSp>
+          <p:nvGrpSpPr>
+            <p:cNvPr id="86" name="Grupo 85">
+              <a:extLst>
+                <a:ext uri="{FF2B5EF4-FFF2-40B4-BE49-F238E27FC236}">
+                  <a16:creationId xmlns:a16="http://schemas.microsoft.com/office/drawing/2014/main" id="{428AF8FD-80E2-4209-92FD-2DC176ADA540}"/>
+                </a:ext>
+              </a:extLst>
+            </p:cNvPr>
+            <p:cNvGrpSpPr/>
+            <p:nvPr/>
+          </p:nvGrpSpPr>
+          <p:grpSpPr>
+            <a:xfrm>
+              <a:off x="6207733" y="3172279"/>
+              <a:ext cx="3214672" cy="2126023"/>
+              <a:chOff x="801664" y="2154477"/>
+              <a:chExt cx="4100528" cy="2711884"/>
+            </a:xfrm>
+          </p:grpSpPr>
+          <p:pic>
+            <p:nvPicPr>
+              <p:cNvPr id="87" name="Picture 2" descr="Resultado de imagen para brazo silueta">
+                <a:extLst>
+                  <a:ext uri="{FF2B5EF4-FFF2-40B4-BE49-F238E27FC236}">
+                    <a16:creationId xmlns:a16="http://schemas.microsoft.com/office/drawing/2014/main" id="{9104A481-F146-4AE0-9197-73711D6A608F}"/>
+                  </a:ext>
+                </a:extLst>
+              </p:cNvPr>
+              <p:cNvPicPr>
+                <a:picLocks noChangeAspect="1" noChangeArrowheads="1"/>
+              </p:cNvPicPr>
+              <p:nvPr/>
+            </p:nvPicPr>
+            <p:blipFill>
+              <a:blip r:embed="rId2">
+                <a:extLst>
+                  <a:ext uri="{28A0092B-C50C-407E-A947-70E740481C1C}">
+                    <a14:useLocalDpi xmlns:a14="http://schemas.microsoft.com/office/drawing/2010/main" val="0"/>
+                  </a:ext>
+                </a:extLst>
+              </a:blip>
+              <a:srcRect/>
+              <a:stretch>
+                <a:fillRect/>
+              </a:stretch>
+            </p:blipFill>
+            <p:spPr bwMode="auto">
+              <a:xfrm flipH="1">
+                <a:off x="801664" y="2586624"/>
+                <a:ext cx="2279737" cy="2279737"/>
+              </a:xfrm>
+              <a:prstGeom prst="rect">
+                <a:avLst/>
+              </a:prstGeom>
+              <a:noFill/>
+              <a:ln>
+                <a:noFill/>
+              </a:ln>
+              <a:extLst>
+                <a:ext uri="{909E8E84-426E-40DD-AFC4-6F175D3DCCD1}">
+                  <a14:hiddenFill xmlns:a14="http://schemas.microsoft.com/office/drawing/2010/main">
+                    <a:solidFill>
+                      <a:srgbClr val="FFFFFF"/>
+                    </a:solidFill>
+                  </a14:hiddenFill>
+                </a:ext>
+              </a:extLst>
+            </p:spPr>
+          </p:pic>
+          <p:pic>
+            <p:nvPicPr>
+              <p:cNvPr id="88" name="Picture 2" descr="Resultado de imagen para brazo silueta">
+                <a:extLst>
+                  <a:ext uri="{FF2B5EF4-FFF2-40B4-BE49-F238E27FC236}">
+                    <a16:creationId xmlns:a16="http://schemas.microsoft.com/office/drawing/2014/main" id="{38A4F2AD-97E0-4E09-9806-CAE32BE74704}"/>
+                  </a:ext>
+                </a:extLst>
+              </p:cNvPr>
+              <p:cNvPicPr>
+                <a:picLocks noChangeAspect="1" noChangeArrowheads="1"/>
+              </p:cNvPicPr>
+              <p:nvPr/>
+            </p:nvPicPr>
+            <p:blipFill>
+              <a:blip r:embed="rId2">
+                <a:extLst>
+                  <a:ext uri="{28A0092B-C50C-407E-A947-70E740481C1C}">
+                    <a14:useLocalDpi xmlns:a14="http://schemas.microsoft.com/office/drawing/2010/main" val="0"/>
+                  </a:ext>
+                </a:extLst>
+              </a:blip>
+              <a:srcRect/>
+              <a:stretch>
+                <a:fillRect/>
+              </a:stretch>
+            </p:blipFill>
+            <p:spPr bwMode="auto">
+              <a:xfrm>
+                <a:off x="2622455" y="2586623"/>
+                <a:ext cx="2279737" cy="2279737"/>
+              </a:xfrm>
+              <a:prstGeom prst="rect">
+                <a:avLst/>
+              </a:prstGeom>
+              <a:noFill/>
+              <a:ln>
+                <a:noFill/>
+              </a:ln>
+              <a:extLst>
+                <a:ext uri="{909E8E84-426E-40DD-AFC4-6F175D3DCCD1}">
+                  <a14:hiddenFill xmlns:a14="http://schemas.microsoft.com/office/drawing/2010/main">
+                    <a:solidFill>
+                      <a:srgbClr val="FFFFFF"/>
+                    </a:solidFill>
+                  </a14:hiddenFill>
+                </a:ext>
+              </a:extLst>
+            </p:spPr>
+          </p:pic>
+          <p:sp>
+            <p:nvSpPr>
+              <p:cNvPr id="89" name="Cilindro 88">
+                <a:extLst>
+                  <a:ext uri="{FF2B5EF4-FFF2-40B4-BE49-F238E27FC236}">
+                    <a16:creationId xmlns:a16="http://schemas.microsoft.com/office/drawing/2014/main" id="{604DF471-5C82-45DF-9E46-8E4F9CDE25A4}"/>
+                  </a:ext>
+                </a:extLst>
+              </p:cNvPr>
+              <p:cNvSpPr/>
+              <p:nvPr/>
+            </p:nvSpPr>
+            <p:spPr>
+              <a:xfrm>
+                <a:off x="2171518" y="2293232"/>
+                <a:ext cx="296109" cy="839953"/>
+              </a:xfrm>
+              <a:prstGeom prst="can">
+                <a:avLst/>
+              </a:prstGeom>
+              <a:ln>
+                <a:noFill/>
+              </a:ln>
+            </p:spPr>
+            <p:style>
+              <a:lnRef idx="2">
+                <a:schemeClr val="accent1">
+                  <a:shade val="50000"/>
+                </a:schemeClr>
+              </a:lnRef>
+              <a:fillRef idx="1">
+                <a:schemeClr val="accent1"/>
+              </a:fillRef>
+              <a:effectRef idx="0">
+                <a:schemeClr val="accent1"/>
+              </a:effectRef>
+              <a:fontRef idx="minor">
+                <a:schemeClr val="lt1"/>
+              </a:fontRef>
+            </p:style>
+            <p:txBody>
+              <a:bodyPr rtlCol="0" anchor="ctr"/>
+              <a:lstStyle/>
+              <a:p>
+                <a:pPr algn="ctr"/>
+                <a:endParaRPr lang="es-MX"/>
+              </a:p>
+            </p:txBody>
+          </p:sp>
+          <p:sp>
+            <p:nvSpPr>
+              <p:cNvPr id="90" name="Cilindro 89">
+                <a:extLst>
+                  <a:ext uri="{FF2B5EF4-FFF2-40B4-BE49-F238E27FC236}">
+                    <a16:creationId xmlns:a16="http://schemas.microsoft.com/office/drawing/2014/main" id="{C5B02196-4AC2-412F-A29C-304EE6C14D3F}"/>
+                  </a:ext>
+                </a:extLst>
+              </p:cNvPr>
+              <p:cNvSpPr/>
+              <p:nvPr/>
+            </p:nvSpPr>
+            <p:spPr>
+              <a:xfrm>
+                <a:off x="3236229" y="2293231"/>
+                <a:ext cx="296109" cy="839953"/>
+              </a:xfrm>
+              <a:prstGeom prst="can">
+                <a:avLst/>
+              </a:prstGeom>
+              <a:ln>
+                <a:noFill/>
+              </a:ln>
+            </p:spPr>
+            <p:style>
+              <a:lnRef idx="2">
+                <a:schemeClr val="accent1">
+                  <a:shade val="50000"/>
+                </a:schemeClr>
+              </a:lnRef>
+              <a:fillRef idx="1">
+                <a:schemeClr val="accent1"/>
+              </a:fillRef>
+              <a:effectRef idx="0">
+                <a:schemeClr val="accent1"/>
+              </a:effectRef>
+              <a:fontRef idx="minor">
+                <a:schemeClr val="lt1"/>
+              </a:fontRef>
+            </p:style>
+            <p:txBody>
+              <a:bodyPr rtlCol="0" anchor="ctr"/>
+              <a:lstStyle/>
+              <a:p>
+                <a:pPr algn="ctr"/>
+                <a:endParaRPr lang="es-MX"/>
+              </a:p>
+            </p:txBody>
+          </p:sp>
+          <p:cxnSp>
+            <p:nvCxnSpPr>
+              <p:cNvPr id="92" name="Conector recto de flecha 91">
+                <a:extLst>
+                  <a:ext uri="{FF2B5EF4-FFF2-40B4-BE49-F238E27FC236}">
+                    <a16:creationId xmlns:a16="http://schemas.microsoft.com/office/drawing/2014/main" id="{0C714EE8-2D87-44AB-BA25-CC374F88A617}"/>
+                  </a:ext>
+                </a:extLst>
+              </p:cNvPr>
+              <p:cNvCxnSpPr>
+                <a:cxnSpLocks/>
+              </p:cNvCxnSpPr>
+              <p:nvPr/>
+            </p:nvCxnSpPr>
+            <p:spPr>
+              <a:xfrm rot="16200000" flipH="1">
+                <a:off x="3762323" y="2417523"/>
+                <a:ext cx="526091" cy="0"/>
+              </a:xfrm>
+              <a:prstGeom prst="straightConnector1">
+                <a:avLst/>
+              </a:prstGeom>
+              <a:ln w="38100">
+                <a:solidFill>
+                  <a:srgbClr val="00B050"/>
+                </a:solidFill>
+                <a:tailEnd type="triangle"/>
+              </a:ln>
+            </p:spPr>
+            <p:style>
+              <a:lnRef idx="1">
+                <a:schemeClr val="accent1"/>
+              </a:lnRef>
+              <a:fillRef idx="0">
+                <a:schemeClr val="accent1"/>
+              </a:fillRef>
+              <a:effectRef idx="0">
+                <a:schemeClr val="accent1"/>
+              </a:effectRef>
+              <a:fontRef idx="minor">
+                <a:schemeClr val="tx1"/>
+              </a:fontRef>
+            </p:style>
+          </p:cxnSp>
+        </p:grpSp>
+      </p:grpSp>
+    </p:spTree>
+    <p:extLst>
+      <p:ext uri="{BB962C8B-B14F-4D97-AF65-F5344CB8AC3E}">
+        <p14:creationId xmlns:p14="http://schemas.microsoft.com/office/powerpoint/2010/main" val="988028596"/>
+      </p:ext>
+    </p:extLst>
+  </p:cSld>
+  <p:clrMapOvr>
+    <a:masterClrMapping/>
+  </p:clrMapOvr>
+</p:sld>
+</file>
+
 <file path=ppt/theme/theme1.xml><?xml version="1.0" encoding="utf-8"?>
 <a:theme xmlns:a="http://schemas.openxmlformats.org/drawingml/2006/main" name="Tema de Office">
   <a:themeElements>

--- a/Sistema propuesto.pptx
+++ b/Sistema propuesto.pptx
@@ -2,20 +2,21 @@
 <file path=ppt/presentation.xml><?xml version="1.0" encoding="utf-8"?>
 <p:presentation xmlns:a="http://schemas.openxmlformats.org/drawingml/2006/main" xmlns:r="http://schemas.openxmlformats.org/officeDocument/2006/relationships" xmlns:p="http://schemas.openxmlformats.org/presentationml/2006/main" saveSubsetFonts="1">
   <p:sldMasterIdLst>
-    <p:sldMasterId id="2147483648" r:id="rId1"/>
+    <p:sldMasterId id="2147483672" r:id="rId1"/>
   </p:sldMasterIdLst>
   <p:sldIdLst>
     <p:sldId id="256" r:id="rId2"/>
     <p:sldId id="257" r:id="rId3"/>
     <p:sldId id="258" r:id="rId4"/>
+    <p:sldId id="259" r:id="rId5"/>
   </p:sldIdLst>
-  <p:sldSz cx="12192000" cy="6858000"/>
+  <p:sldSz cx="18000663" cy="8999538"/>
   <p:notesSz cx="6858000" cy="9144000"/>
   <p:defaultTextStyle>
     <a:defPPr>
-      <a:defRPr lang="es-MX"/>
+      <a:defRPr lang="en-US"/>
     </a:defPPr>
-    <a:lvl1pPr marL="0" algn="l" defTabSz="914400" rtl="0" eaLnBrk="1" latinLnBrk="0" hangingPunct="1">
+    <a:lvl1pPr marL="0" algn="l" defTabSz="457200" rtl="0" eaLnBrk="1" latinLnBrk="0" hangingPunct="1">
       <a:defRPr sz="1800" kern="1200">
         <a:solidFill>
           <a:schemeClr val="tx1"/>
@@ -25,7 +26,7 @@
         <a:cs typeface="+mn-cs"/>
       </a:defRPr>
     </a:lvl1pPr>
-    <a:lvl2pPr marL="457200" algn="l" defTabSz="914400" rtl="0" eaLnBrk="1" latinLnBrk="0" hangingPunct="1">
+    <a:lvl2pPr marL="457200" algn="l" defTabSz="457200" rtl="0" eaLnBrk="1" latinLnBrk="0" hangingPunct="1">
       <a:defRPr sz="1800" kern="1200">
         <a:solidFill>
           <a:schemeClr val="tx1"/>
@@ -35,7 +36,7 @@
         <a:cs typeface="+mn-cs"/>
       </a:defRPr>
     </a:lvl2pPr>
-    <a:lvl3pPr marL="914400" algn="l" defTabSz="914400" rtl="0" eaLnBrk="1" latinLnBrk="0" hangingPunct="1">
+    <a:lvl3pPr marL="914400" algn="l" defTabSz="457200" rtl="0" eaLnBrk="1" latinLnBrk="0" hangingPunct="1">
       <a:defRPr sz="1800" kern="1200">
         <a:solidFill>
           <a:schemeClr val="tx1"/>
@@ -45,7 +46,7 @@
         <a:cs typeface="+mn-cs"/>
       </a:defRPr>
     </a:lvl3pPr>
-    <a:lvl4pPr marL="1371600" algn="l" defTabSz="914400" rtl="0" eaLnBrk="1" latinLnBrk="0" hangingPunct="1">
+    <a:lvl4pPr marL="1371600" algn="l" defTabSz="457200" rtl="0" eaLnBrk="1" latinLnBrk="0" hangingPunct="1">
       <a:defRPr sz="1800" kern="1200">
         <a:solidFill>
           <a:schemeClr val="tx1"/>
@@ -55,7 +56,7 @@
         <a:cs typeface="+mn-cs"/>
       </a:defRPr>
     </a:lvl4pPr>
-    <a:lvl5pPr marL="1828800" algn="l" defTabSz="914400" rtl="0" eaLnBrk="1" latinLnBrk="0" hangingPunct="1">
+    <a:lvl5pPr marL="1828800" algn="l" defTabSz="457200" rtl="0" eaLnBrk="1" latinLnBrk="0" hangingPunct="1">
       <a:defRPr sz="1800" kern="1200">
         <a:solidFill>
           <a:schemeClr val="tx1"/>
@@ -65,7 +66,7 @@
         <a:cs typeface="+mn-cs"/>
       </a:defRPr>
     </a:lvl5pPr>
-    <a:lvl6pPr marL="2286000" algn="l" defTabSz="914400" rtl="0" eaLnBrk="1" latinLnBrk="0" hangingPunct="1">
+    <a:lvl6pPr marL="2286000" algn="l" defTabSz="457200" rtl="0" eaLnBrk="1" latinLnBrk="0" hangingPunct="1">
       <a:defRPr sz="1800" kern="1200">
         <a:solidFill>
           <a:schemeClr val="tx1"/>
@@ -75,7 +76,7 @@
         <a:cs typeface="+mn-cs"/>
       </a:defRPr>
     </a:lvl6pPr>
-    <a:lvl7pPr marL="2743200" algn="l" defTabSz="914400" rtl="0" eaLnBrk="1" latinLnBrk="0" hangingPunct="1">
+    <a:lvl7pPr marL="2743200" algn="l" defTabSz="457200" rtl="0" eaLnBrk="1" latinLnBrk="0" hangingPunct="1">
       <a:defRPr sz="1800" kern="1200">
         <a:solidFill>
           <a:schemeClr val="tx1"/>
@@ -85,7 +86,7 @@
         <a:cs typeface="+mn-cs"/>
       </a:defRPr>
     </a:lvl7pPr>
-    <a:lvl8pPr marL="3200400" algn="l" defTabSz="914400" rtl="0" eaLnBrk="1" latinLnBrk="0" hangingPunct="1">
+    <a:lvl8pPr marL="3200400" algn="l" defTabSz="457200" rtl="0" eaLnBrk="1" latinLnBrk="0" hangingPunct="1">
       <a:defRPr sz="1800" kern="1200">
         <a:solidFill>
           <a:schemeClr val="tx1"/>
@@ -95,7 +96,7 @@
         <a:cs typeface="+mn-cs"/>
       </a:defRPr>
     </a:lvl8pPr>
-    <a:lvl9pPr marL="3657600" algn="l" defTabSz="914400" rtl="0" eaLnBrk="1" latinLnBrk="0" hangingPunct="1">
+    <a:lvl9pPr marL="3657600" algn="l" defTabSz="457200" rtl="0" eaLnBrk="1" latinLnBrk="0" hangingPunct="1">
       <a:defRPr sz="1800" kern="1200">
         <a:solidFill>
           <a:schemeClr val="tx1"/>
@@ -108,7 +109,18 @@
   </p:defaultTextStyle>
   <p:extLst>
     <p:ext uri="{EFAFB233-063F-42B5-8137-9DF3F51BA10A}">
-      <p15:sldGuideLst xmlns:p15="http://schemas.microsoft.com/office/powerpoint/2012/main"/>
+      <p15:sldGuideLst xmlns:p15="http://schemas.microsoft.com/office/powerpoint/2012/main">
+        <p15:guide id="1" orient="horz" pos="2835" userDrawn="1">
+          <p15:clr>
+            <a:srgbClr val="A4A3A4"/>
+          </p15:clr>
+        </p15:guide>
+        <p15:guide id="2" pos="5670" userDrawn="1">
+          <p15:clr>
+            <a:srgbClr val="A4A3A4"/>
+          </p15:clr>
+        </p15:guide>
+      </p15:sldGuideLst>
     </p:ext>
   </p:extLst>
 </p:presentation>
@@ -133,13 +145,7 @@
       </p:grpSpPr>
       <p:sp>
         <p:nvSpPr>
-          <p:cNvPr id="2" name="Título 1">
-            <a:extLst>
-              <a:ext uri="{FF2B5EF4-FFF2-40B4-BE49-F238E27FC236}">
-                <a16:creationId xmlns:a16="http://schemas.microsoft.com/office/drawing/2014/main" id="{A4C9CE61-9A18-459A-BB57-FB00E13EB7D6}"/>
-              </a:ext>
-            </a:extLst>
-          </p:cNvPr>
+          <p:cNvPr id="2" name="Title 1"/>
           <p:cNvSpPr>
             <a:spLocks noGrp="1"/>
           </p:cNvSpPr>
@@ -149,15 +155,15 @@
         </p:nvSpPr>
         <p:spPr>
           <a:xfrm>
-            <a:off x="1524000" y="1122363"/>
-            <a:ext cx="9144000" cy="2387600"/>
+            <a:off x="2250083" y="1472842"/>
+            <a:ext cx="13500497" cy="3133172"/>
           </a:xfrm>
         </p:spPr>
         <p:txBody>
           <a:bodyPr anchor="b"/>
           <a:lstStyle>
             <a:lvl1pPr algn="ctr">
-              <a:defRPr sz="6000"/>
+              <a:defRPr sz="7874"/>
             </a:lvl1pPr>
           </a:lstStyle>
           <a:p>
@@ -165,19 +171,13 @@
               <a:rPr lang="es-ES"/>
               <a:t>Haga clic para modificar el estilo de título del patrón</a:t>
             </a:r>
-            <a:endParaRPr lang="es-MX"/>
+            <a:endParaRPr lang="en-US" dirty="0"/>
           </a:p>
         </p:txBody>
       </p:sp>
       <p:sp>
         <p:nvSpPr>
-          <p:cNvPr id="3" name="Subtítulo 2">
-            <a:extLst>
-              <a:ext uri="{FF2B5EF4-FFF2-40B4-BE49-F238E27FC236}">
-                <a16:creationId xmlns:a16="http://schemas.microsoft.com/office/drawing/2014/main" id="{5EDFBCE4-528A-4D37-BBE6-4D659675977B}"/>
-              </a:ext>
-            </a:extLst>
-          </p:cNvPr>
+          <p:cNvPr id="3" name="Subtitle 2"/>
           <p:cNvSpPr>
             <a:spLocks noGrp="1"/>
           </p:cNvSpPr>
@@ -187,8 +187,8 @@
         </p:nvSpPr>
         <p:spPr>
           <a:xfrm>
-            <a:off x="1524000" y="3602038"/>
-            <a:ext cx="9144000" cy="1655762"/>
+            <a:off x="2250083" y="4726842"/>
+            <a:ext cx="13500497" cy="2172804"/>
           </a:xfrm>
         </p:spPr>
         <p:txBody>
@@ -196,39 +196,39 @@
           <a:lstStyle>
             <a:lvl1pPr marL="0" indent="0" algn="ctr">
               <a:buNone/>
-              <a:defRPr sz="2400"/>
+              <a:defRPr sz="3150"/>
             </a:lvl1pPr>
-            <a:lvl2pPr marL="457200" indent="0" algn="ctr">
+            <a:lvl2pPr marL="599984" indent="0" algn="ctr">
               <a:buNone/>
-              <a:defRPr sz="2000"/>
+              <a:defRPr sz="2625"/>
             </a:lvl2pPr>
-            <a:lvl3pPr marL="914400" indent="0" algn="ctr">
+            <a:lvl3pPr marL="1199967" indent="0" algn="ctr">
               <a:buNone/>
-              <a:defRPr sz="1800"/>
+              <a:defRPr sz="2362"/>
             </a:lvl3pPr>
-            <a:lvl4pPr marL="1371600" indent="0" algn="ctr">
+            <a:lvl4pPr marL="1799951" indent="0" algn="ctr">
               <a:buNone/>
-              <a:defRPr sz="1600"/>
+              <a:defRPr sz="2100"/>
             </a:lvl4pPr>
-            <a:lvl5pPr marL="1828800" indent="0" algn="ctr">
+            <a:lvl5pPr marL="2399934" indent="0" algn="ctr">
               <a:buNone/>
-              <a:defRPr sz="1600"/>
+              <a:defRPr sz="2100"/>
             </a:lvl5pPr>
-            <a:lvl6pPr marL="2286000" indent="0" algn="ctr">
+            <a:lvl6pPr marL="2999918" indent="0" algn="ctr">
               <a:buNone/>
-              <a:defRPr sz="1600"/>
+              <a:defRPr sz="2100"/>
             </a:lvl6pPr>
-            <a:lvl7pPr marL="2743200" indent="0" algn="ctr">
+            <a:lvl7pPr marL="3599901" indent="0" algn="ctr">
               <a:buNone/>
-              <a:defRPr sz="1600"/>
+              <a:defRPr sz="2100"/>
             </a:lvl7pPr>
-            <a:lvl8pPr marL="3200400" indent="0" algn="ctr">
+            <a:lvl8pPr marL="4199885" indent="0" algn="ctr">
               <a:buNone/>
-              <a:defRPr sz="1600"/>
+              <a:defRPr sz="2100"/>
             </a:lvl8pPr>
-            <a:lvl9pPr marL="3657600" indent="0" algn="ctr">
+            <a:lvl9pPr marL="4799868" indent="0" algn="ctr">
               <a:buNone/>
-              <a:defRPr sz="1600"/>
+              <a:defRPr sz="2100"/>
             </a:lvl9pPr>
           </a:lstStyle>
           <a:p>
@@ -236,19 +236,13 @@
               <a:rPr lang="es-ES"/>
               <a:t>Haga clic para modificar el estilo de subtítulo del patrón</a:t>
             </a:r>
-            <a:endParaRPr lang="es-MX"/>
+            <a:endParaRPr lang="en-US" dirty="0"/>
           </a:p>
         </p:txBody>
       </p:sp>
       <p:sp>
         <p:nvSpPr>
-          <p:cNvPr id="4" name="Marcador de fecha 3">
-            <a:extLst>
-              <a:ext uri="{FF2B5EF4-FFF2-40B4-BE49-F238E27FC236}">
-                <a16:creationId xmlns:a16="http://schemas.microsoft.com/office/drawing/2014/main" id="{37CBAE49-1321-40B2-83C9-5C1FDFD1E7F3}"/>
-              </a:ext>
-            </a:extLst>
-          </p:cNvPr>
+          <p:cNvPr id="4" name="Date Placeholder 3"/>
           <p:cNvSpPr>
             <a:spLocks noGrp="1"/>
           </p:cNvSpPr>
@@ -263,7 +257,7 @@
           <a:p>
             <a:fld id="{2F57117F-21EA-4F0F-8EAD-57836432C340}" type="datetimeFigureOut">
               <a:rPr lang="es-MX" smtClean="0"/>
-              <a:t>10/05/2020</a:t>
+              <a:t>11/06/2020</a:t>
             </a:fld>
             <a:endParaRPr lang="es-MX"/>
           </a:p>
@@ -271,13 +265,7 @@
       </p:sp>
       <p:sp>
         <p:nvSpPr>
-          <p:cNvPr id="5" name="Marcador de pie de página 4">
-            <a:extLst>
-              <a:ext uri="{FF2B5EF4-FFF2-40B4-BE49-F238E27FC236}">
-                <a16:creationId xmlns:a16="http://schemas.microsoft.com/office/drawing/2014/main" id="{F751A680-8A49-4282-BD6A-C6FBE9B25B6D}"/>
-              </a:ext>
-            </a:extLst>
-          </p:cNvPr>
+          <p:cNvPr id="5" name="Footer Placeholder 4"/>
           <p:cNvSpPr>
             <a:spLocks noGrp="1"/>
           </p:cNvSpPr>
@@ -296,13 +284,7 @@
       </p:sp>
       <p:sp>
         <p:nvSpPr>
-          <p:cNvPr id="6" name="Marcador de número de diapositiva 5">
-            <a:extLst>
-              <a:ext uri="{FF2B5EF4-FFF2-40B4-BE49-F238E27FC236}">
-                <a16:creationId xmlns:a16="http://schemas.microsoft.com/office/drawing/2014/main" id="{15EC42EF-90D9-4A93-B7D0-67C09DB2E716}"/>
-              </a:ext>
-            </a:extLst>
-          </p:cNvPr>
+          <p:cNvPr id="6" name="Slide Number Placeholder 5"/>
           <p:cNvSpPr>
             <a:spLocks noGrp="1"/>
           </p:cNvSpPr>
@@ -326,7 +308,7 @@
     </p:spTree>
     <p:extLst>
       <p:ext uri="{BB962C8B-B14F-4D97-AF65-F5344CB8AC3E}">
-        <p14:creationId xmlns:p14="http://schemas.microsoft.com/office/powerpoint/2010/main" val="435866149"/>
+        <p14:creationId xmlns:p14="http://schemas.microsoft.com/office/powerpoint/2010/main" val="1111232733"/>
       </p:ext>
     </p:extLst>
   </p:cSld>
@@ -355,13 +337,7 @@
       </p:grpSpPr>
       <p:sp>
         <p:nvSpPr>
-          <p:cNvPr id="2" name="Título 1">
-            <a:extLst>
-              <a:ext uri="{FF2B5EF4-FFF2-40B4-BE49-F238E27FC236}">
-                <a16:creationId xmlns:a16="http://schemas.microsoft.com/office/drawing/2014/main" id="{D4B44AB9-6628-4BBE-8417-F8D702B0EE9E}"/>
-              </a:ext>
-            </a:extLst>
-          </p:cNvPr>
+          <p:cNvPr id="2" name="Title 1"/>
           <p:cNvSpPr>
             <a:spLocks noGrp="1"/>
           </p:cNvSpPr>
@@ -378,19 +354,13 @@
               <a:rPr lang="es-ES"/>
               <a:t>Haga clic para modificar el estilo de título del patrón</a:t>
             </a:r>
-            <a:endParaRPr lang="es-MX"/>
+            <a:endParaRPr lang="en-US" dirty="0"/>
           </a:p>
         </p:txBody>
       </p:sp>
       <p:sp>
         <p:nvSpPr>
-          <p:cNvPr id="3" name="Marcador de texto vertical 2">
-            <a:extLst>
-              <a:ext uri="{FF2B5EF4-FFF2-40B4-BE49-F238E27FC236}">
-                <a16:creationId xmlns:a16="http://schemas.microsoft.com/office/drawing/2014/main" id="{616C7DF7-8C7D-4521-B744-3151069D7E82}"/>
-              </a:ext>
-            </a:extLst>
-          </p:cNvPr>
+          <p:cNvPr id="3" name="Vertical Text Placeholder 2"/>
           <p:cNvSpPr>
             <a:spLocks noGrp="1"/>
           </p:cNvSpPr>
@@ -436,19 +406,13 @@
               <a:rPr lang="es-ES"/>
               <a:t>Quinto nivel</a:t>
             </a:r>
-            <a:endParaRPr lang="es-MX"/>
+            <a:endParaRPr lang="en-US" dirty="0"/>
           </a:p>
         </p:txBody>
       </p:sp>
       <p:sp>
         <p:nvSpPr>
-          <p:cNvPr id="4" name="Marcador de fecha 3">
-            <a:extLst>
-              <a:ext uri="{FF2B5EF4-FFF2-40B4-BE49-F238E27FC236}">
-                <a16:creationId xmlns:a16="http://schemas.microsoft.com/office/drawing/2014/main" id="{EB556C0E-1336-4554-98EA-245D5E42B0D4}"/>
-              </a:ext>
-            </a:extLst>
-          </p:cNvPr>
+          <p:cNvPr id="4" name="Date Placeholder 3"/>
           <p:cNvSpPr>
             <a:spLocks noGrp="1"/>
           </p:cNvSpPr>
@@ -463,7 +427,7 @@
           <a:p>
             <a:fld id="{2F57117F-21EA-4F0F-8EAD-57836432C340}" type="datetimeFigureOut">
               <a:rPr lang="es-MX" smtClean="0"/>
-              <a:t>10/05/2020</a:t>
+              <a:t>11/06/2020</a:t>
             </a:fld>
             <a:endParaRPr lang="es-MX"/>
           </a:p>
@@ -471,13 +435,7 @@
       </p:sp>
       <p:sp>
         <p:nvSpPr>
-          <p:cNvPr id="5" name="Marcador de pie de página 4">
-            <a:extLst>
-              <a:ext uri="{FF2B5EF4-FFF2-40B4-BE49-F238E27FC236}">
-                <a16:creationId xmlns:a16="http://schemas.microsoft.com/office/drawing/2014/main" id="{78B3BC09-BC49-4EB5-BC6B-866DB21C45F2}"/>
-              </a:ext>
-            </a:extLst>
-          </p:cNvPr>
+          <p:cNvPr id="5" name="Footer Placeholder 4"/>
           <p:cNvSpPr>
             <a:spLocks noGrp="1"/>
           </p:cNvSpPr>
@@ -496,13 +454,7 @@
       </p:sp>
       <p:sp>
         <p:nvSpPr>
-          <p:cNvPr id="6" name="Marcador de número de diapositiva 5">
-            <a:extLst>
-              <a:ext uri="{FF2B5EF4-FFF2-40B4-BE49-F238E27FC236}">
-                <a16:creationId xmlns:a16="http://schemas.microsoft.com/office/drawing/2014/main" id="{4006FBE8-6244-4D15-A125-2436E0030C6F}"/>
-              </a:ext>
-            </a:extLst>
-          </p:cNvPr>
+          <p:cNvPr id="6" name="Slide Number Placeholder 5"/>
           <p:cNvSpPr>
             <a:spLocks noGrp="1"/>
           </p:cNvSpPr>
@@ -526,7 +478,7 @@
     </p:spTree>
     <p:extLst>
       <p:ext uri="{BB962C8B-B14F-4D97-AF65-F5344CB8AC3E}">
-        <p14:creationId xmlns:p14="http://schemas.microsoft.com/office/powerpoint/2010/main" val="3304803614"/>
+        <p14:creationId xmlns:p14="http://schemas.microsoft.com/office/powerpoint/2010/main" val="2735800546"/>
       </p:ext>
     </p:extLst>
   </p:cSld>
@@ -555,13 +507,7 @@
       </p:grpSpPr>
       <p:sp>
         <p:nvSpPr>
-          <p:cNvPr id="2" name="Título vertical 1">
-            <a:extLst>
-              <a:ext uri="{FF2B5EF4-FFF2-40B4-BE49-F238E27FC236}">
-                <a16:creationId xmlns:a16="http://schemas.microsoft.com/office/drawing/2014/main" id="{1343C840-6E53-4825-B7BC-83B9B28AB112}"/>
-              </a:ext>
-            </a:extLst>
-          </p:cNvPr>
+          <p:cNvPr id="2" name="Vertical Title 1"/>
           <p:cNvSpPr>
             <a:spLocks noGrp="1"/>
           </p:cNvSpPr>
@@ -571,8 +517,8 @@
         </p:nvSpPr>
         <p:spPr>
           <a:xfrm>
-            <a:off x="8724900" y="365125"/>
-            <a:ext cx="2628900" cy="5811838"/>
+            <a:off x="12881724" y="479142"/>
+            <a:ext cx="3881393" cy="7626692"/>
           </a:xfrm>
         </p:spPr>
         <p:txBody>
@@ -583,19 +529,13 @@
               <a:rPr lang="es-ES"/>
               <a:t>Haga clic para modificar el estilo de título del patrón</a:t>
             </a:r>
-            <a:endParaRPr lang="es-MX"/>
+            <a:endParaRPr lang="en-US" dirty="0"/>
           </a:p>
         </p:txBody>
       </p:sp>
       <p:sp>
         <p:nvSpPr>
-          <p:cNvPr id="3" name="Marcador de texto vertical 2">
-            <a:extLst>
-              <a:ext uri="{FF2B5EF4-FFF2-40B4-BE49-F238E27FC236}">
-                <a16:creationId xmlns:a16="http://schemas.microsoft.com/office/drawing/2014/main" id="{3A1D8502-F04A-4088-8AF6-62DFA7A55961}"/>
-              </a:ext>
-            </a:extLst>
-          </p:cNvPr>
+          <p:cNvPr id="3" name="Vertical Text Placeholder 2"/>
           <p:cNvSpPr>
             <a:spLocks noGrp="1"/>
           </p:cNvSpPr>
@@ -605,8 +545,8 @@
         </p:nvSpPr>
         <p:spPr>
           <a:xfrm>
-            <a:off x="838200" y="365125"/>
-            <a:ext cx="7734300" cy="5811838"/>
+            <a:off x="1237545" y="479142"/>
+            <a:ext cx="11419171" cy="7626692"/>
           </a:xfrm>
         </p:spPr>
         <p:txBody>
@@ -646,19 +586,13 @@
               <a:rPr lang="es-ES"/>
               <a:t>Quinto nivel</a:t>
             </a:r>
-            <a:endParaRPr lang="es-MX"/>
+            <a:endParaRPr lang="en-US" dirty="0"/>
           </a:p>
         </p:txBody>
       </p:sp>
       <p:sp>
         <p:nvSpPr>
-          <p:cNvPr id="4" name="Marcador de fecha 3">
-            <a:extLst>
-              <a:ext uri="{FF2B5EF4-FFF2-40B4-BE49-F238E27FC236}">
-                <a16:creationId xmlns:a16="http://schemas.microsoft.com/office/drawing/2014/main" id="{E2C1C3CC-6D8C-4A8E-AD9C-D2AE3032804A}"/>
-              </a:ext>
-            </a:extLst>
-          </p:cNvPr>
+          <p:cNvPr id="4" name="Date Placeholder 3"/>
           <p:cNvSpPr>
             <a:spLocks noGrp="1"/>
           </p:cNvSpPr>
@@ -673,7 +607,7 @@
           <a:p>
             <a:fld id="{2F57117F-21EA-4F0F-8EAD-57836432C340}" type="datetimeFigureOut">
               <a:rPr lang="es-MX" smtClean="0"/>
-              <a:t>10/05/2020</a:t>
+              <a:t>11/06/2020</a:t>
             </a:fld>
             <a:endParaRPr lang="es-MX"/>
           </a:p>
@@ -681,13 +615,7 @@
       </p:sp>
       <p:sp>
         <p:nvSpPr>
-          <p:cNvPr id="5" name="Marcador de pie de página 4">
-            <a:extLst>
-              <a:ext uri="{FF2B5EF4-FFF2-40B4-BE49-F238E27FC236}">
-                <a16:creationId xmlns:a16="http://schemas.microsoft.com/office/drawing/2014/main" id="{DADE6229-A375-41CC-8EBB-B07FCEFD3E83}"/>
-              </a:ext>
-            </a:extLst>
-          </p:cNvPr>
+          <p:cNvPr id="5" name="Footer Placeholder 4"/>
           <p:cNvSpPr>
             <a:spLocks noGrp="1"/>
           </p:cNvSpPr>
@@ -706,13 +634,7 @@
       </p:sp>
       <p:sp>
         <p:nvSpPr>
-          <p:cNvPr id="6" name="Marcador de número de diapositiva 5">
-            <a:extLst>
-              <a:ext uri="{FF2B5EF4-FFF2-40B4-BE49-F238E27FC236}">
-                <a16:creationId xmlns:a16="http://schemas.microsoft.com/office/drawing/2014/main" id="{E0934B27-4006-4726-B3EB-B48378A72814}"/>
-              </a:ext>
-            </a:extLst>
-          </p:cNvPr>
+          <p:cNvPr id="6" name="Slide Number Placeholder 5"/>
           <p:cNvSpPr>
             <a:spLocks noGrp="1"/>
           </p:cNvSpPr>
@@ -736,7 +658,7 @@
     </p:spTree>
     <p:extLst>
       <p:ext uri="{BB962C8B-B14F-4D97-AF65-F5344CB8AC3E}">
-        <p14:creationId xmlns:p14="http://schemas.microsoft.com/office/powerpoint/2010/main" val="3263589566"/>
+        <p14:creationId xmlns:p14="http://schemas.microsoft.com/office/powerpoint/2010/main" val="2978522742"/>
       </p:ext>
     </p:extLst>
   </p:cSld>
@@ -765,13 +687,7 @@
       </p:grpSpPr>
       <p:sp>
         <p:nvSpPr>
-          <p:cNvPr id="2" name="Título 1">
-            <a:extLst>
-              <a:ext uri="{FF2B5EF4-FFF2-40B4-BE49-F238E27FC236}">
-                <a16:creationId xmlns:a16="http://schemas.microsoft.com/office/drawing/2014/main" id="{05DF3495-8BF1-4302-8303-1C66C8635618}"/>
-              </a:ext>
-            </a:extLst>
-          </p:cNvPr>
+          <p:cNvPr id="2" name="Title 1"/>
           <p:cNvSpPr>
             <a:spLocks noGrp="1"/>
           </p:cNvSpPr>
@@ -788,19 +704,13 @@
               <a:rPr lang="es-ES"/>
               <a:t>Haga clic para modificar el estilo de título del patrón</a:t>
             </a:r>
-            <a:endParaRPr lang="es-MX"/>
+            <a:endParaRPr lang="en-US" dirty="0"/>
           </a:p>
         </p:txBody>
       </p:sp>
       <p:sp>
         <p:nvSpPr>
-          <p:cNvPr id="3" name="Marcador de contenido 2">
-            <a:extLst>
-              <a:ext uri="{FF2B5EF4-FFF2-40B4-BE49-F238E27FC236}">
-                <a16:creationId xmlns:a16="http://schemas.microsoft.com/office/drawing/2014/main" id="{3552F5B3-D06A-49E8-B9A6-CA00998338F9}"/>
-              </a:ext>
-            </a:extLst>
-          </p:cNvPr>
+          <p:cNvPr id="3" name="Content Placeholder 2"/>
           <p:cNvSpPr>
             <a:spLocks noGrp="1"/>
           </p:cNvSpPr>
@@ -846,19 +756,13 @@
               <a:rPr lang="es-ES"/>
               <a:t>Quinto nivel</a:t>
             </a:r>
-            <a:endParaRPr lang="es-MX"/>
+            <a:endParaRPr lang="en-US" dirty="0"/>
           </a:p>
         </p:txBody>
       </p:sp>
       <p:sp>
         <p:nvSpPr>
-          <p:cNvPr id="4" name="Marcador de fecha 3">
-            <a:extLst>
-              <a:ext uri="{FF2B5EF4-FFF2-40B4-BE49-F238E27FC236}">
-                <a16:creationId xmlns:a16="http://schemas.microsoft.com/office/drawing/2014/main" id="{AEC1A2DC-7C0F-4789-B278-F0B4D1564C80}"/>
-              </a:ext>
-            </a:extLst>
-          </p:cNvPr>
+          <p:cNvPr id="4" name="Date Placeholder 3"/>
           <p:cNvSpPr>
             <a:spLocks noGrp="1"/>
           </p:cNvSpPr>
@@ -873,7 +777,7 @@
           <a:p>
             <a:fld id="{2F57117F-21EA-4F0F-8EAD-57836432C340}" type="datetimeFigureOut">
               <a:rPr lang="es-MX" smtClean="0"/>
-              <a:t>10/05/2020</a:t>
+              <a:t>11/06/2020</a:t>
             </a:fld>
             <a:endParaRPr lang="es-MX"/>
           </a:p>
@@ -881,13 +785,7 @@
       </p:sp>
       <p:sp>
         <p:nvSpPr>
-          <p:cNvPr id="5" name="Marcador de pie de página 4">
-            <a:extLst>
-              <a:ext uri="{FF2B5EF4-FFF2-40B4-BE49-F238E27FC236}">
-                <a16:creationId xmlns:a16="http://schemas.microsoft.com/office/drawing/2014/main" id="{78721A99-7EE6-4CDD-9DD9-9C767BE81C0E}"/>
-              </a:ext>
-            </a:extLst>
-          </p:cNvPr>
+          <p:cNvPr id="5" name="Footer Placeholder 4"/>
           <p:cNvSpPr>
             <a:spLocks noGrp="1"/>
           </p:cNvSpPr>
@@ -906,13 +804,7 @@
       </p:sp>
       <p:sp>
         <p:nvSpPr>
-          <p:cNvPr id="6" name="Marcador de número de diapositiva 5">
-            <a:extLst>
-              <a:ext uri="{FF2B5EF4-FFF2-40B4-BE49-F238E27FC236}">
-                <a16:creationId xmlns:a16="http://schemas.microsoft.com/office/drawing/2014/main" id="{73E89130-7559-40B6-B1FA-625D0EB5E77B}"/>
-              </a:ext>
-            </a:extLst>
-          </p:cNvPr>
+          <p:cNvPr id="6" name="Slide Number Placeholder 5"/>
           <p:cNvSpPr>
             <a:spLocks noGrp="1"/>
           </p:cNvSpPr>
@@ -936,7 +828,7 @@
     </p:spTree>
     <p:extLst>
       <p:ext uri="{BB962C8B-B14F-4D97-AF65-F5344CB8AC3E}">
-        <p14:creationId xmlns:p14="http://schemas.microsoft.com/office/powerpoint/2010/main" val="1671216123"/>
+        <p14:creationId xmlns:p14="http://schemas.microsoft.com/office/powerpoint/2010/main" val="826522193"/>
       </p:ext>
     </p:extLst>
   </p:cSld>
@@ -965,13 +857,7 @@
       </p:grpSpPr>
       <p:sp>
         <p:nvSpPr>
-          <p:cNvPr id="2" name="Título 1">
-            <a:extLst>
-              <a:ext uri="{FF2B5EF4-FFF2-40B4-BE49-F238E27FC236}">
-                <a16:creationId xmlns:a16="http://schemas.microsoft.com/office/drawing/2014/main" id="{3801B740-BB49-460B-A00A-91900AED463C}"/>
-              </a:ext>
-            </a:extLst>
-          </p:cNvPr>
+          <p:cNvPr id="2" name="Title 1"/>
           <p:cNvSpPr>
             <a:spLocks noGrp="1"/>
           </p:cNvSpPr>
@@ -981,15 +867,15 @@
         </p:nvSpPr>
         <p:spPr>
           <a:xfrm>
-            <a:off x="831850" y="1709738"/>
-            <a:ext cx="10515600" cy="2852737"/>
+            <a:off x="1228170" y="2243636"/>
+            <a:ext cx="15525572" cy="3743557"/>
           </a:xfrm>
         </p:spPr>
         <p:txBody>
           <a:bodyPr anchor="b"/>
           <a:lstStyle>
             <a:lvl1pPr>
-              <a:defRPr sz="6000"/>
+              <a:defRPr sz="7874"/>
             </a:lvl1pPr>
           </a:lstStyle>
           <a:p>
@@ -997,19 +883,13 @@
               <a:rPr lang="es-ES"/>
               <a:t>Haga clic para modificar el estilo de título del patrón</a:t>
             </a:r>
-            <a:endParaRPr lang="es-MX"/>
+            <a:endParaRPr lang="en-US" dirty="0"/>
           </a:p>
         </p:txBody>
       </p:sp>
       <p:sp>
         <p:nvSpPr>
-          <p:cNvPr id="3" name="Marcador de texto 2">
-            <a:extLst>
-              <a:ext uri="{FF2B5EF4-FFF2-40B4-BE49-F238E27FC236}">
-                <a16:creationId xmlns:a16="http://schemas.microsoft.com/office/drawing/2014/main" id="{4789252B-52A1-4FFE-8B6D-7E89B466EF21}"/>
-              </a:ext>
-            </a:extLst>
-          </p:cNvPr>
+          <p:cNvPr id="3" name="Text Placeholder 2"/>
           <p:cNvSpPr>
             <a:spLocks noGrp="1"/>
           </p:cNvSpPr>
@@ -1019,8 +899,8 @@
         </p:nvSpPr>
         <p:spPr>
           <a:xfrm>
-            <a:off x="831850" y="4589463"/>
-            <a:ext cx="10515600" cy="1500187"/>
+            <a:off x="1228170" y="6022609"/>
+            <a:ext cx="15525572" cy="1968648"/>
           </a:xfrm>
         </p:spPr>
         <p:txBody>
@@ -1028,7 +908,7 @@
           <a:lstStyle>
             <a:lvl1pPr marL="0" indent="0">
               <a:buNone/>
-              <a:defRPr sz="2400">
+              <a:defRPr sz="3150">
                 <a:solidFill>
                   <a:schemeClr val="tx1">
                     <a:tint val="75000"/>
@@ -1036,9 +916,9 @@
                 </a:solidFill>
               </a:defRPr>
             </a:lvl1pPr>
-            <a:lvl2pPr marL="457200" indent="0">
+            <a:lvl2pPr marL="599984" indent="0">
               <a:buNone/>
-              <a:defRPr sz="2000">
+              <a:defRPr sz="2625">
                 <a:solidFill>
                   <a:schemeClr val="tx1">
                     <a:tint val="75000"/>
@@ -1046,9 +926,9 @@
                 </a:solidFill>
               </a:defRPr>
             </a:lvl2pPr>
-            <a:lvl3pPr marL="914400" indent="0">
+            <a:lvl3pPr marL="1199967" indent="0">
               <a:buNone/>
-              <a:defRPr sz="1800">
+              <a:defRPr sz="2362">
                 <a:solidFill>
                   <a:schemeClr val="tx1">
                     <a:tint val="75000"/>
@@ -1056,9 +936,9 @@
                 </a:solidFill>
               </a:defRPr>
             </a:lvl3pPr>
-            <a:lvl4pPr marL="1371600" indent="0">
+            <a:lvl4pPr marL="1799951" indent="0">
               <a:buNone/>
-              <a:defRPr sz="1600">
+              <a:defRPr sz="2100">
                 <a:solidFill>
                   <a:schemeClr val="tx1">
                     <a:tint val="75000"/>
@@ -1066,9 +946,9 @@
                 </a:solidFill>
               </a:defRPr>
             </a:lvl4pPr>
-            <a:lvl5pPr marL="1828800" indent="0">
+            <a:lvl5pPr marL="2399934" indent="0">
               <a:buNone/>
-              <a:defRPr sz="1600">
+              <a:defRPr sz="2100">
                 <a:solidFill>
                   <a:schemeClr val="tx1">
                     <a:tint val="75000"/>
@@ -1076,9 +956,9 @@
                 </a:solidFill>
               </a:defRPr>
             </a:lvl5pPr>
-            <a:lvl6pPr marL="2286000" indent="0">
+            <a:lvl6pPr marL="2999918" indent="0">
               <a:buNone/>
-              <a:defRPr sz="1600">
+              <a:defRPr sz="2100">
                 <a:solidFill>
                   <a:schemeClr val="tx1">
                     <a:tint val="75000"/>
@@ -1086,9 +966,9 @@
                 </a:solidFill>
               </a:defRPr>
             </a:lvl6pPr>
-            <a:lvl7pPr marL="2743200" indent="0">
+            <a:lvl7pPr marL="3599901" indent="0">
               <a:buNone/>
-              <a:defRPr sz="1600">
+              <a:defRPr sz="2100">
                 <a:solidFill>
                   <a:schemeClr val="tx1">
                     <a:tint val="75000"/>
@@ -1096,9 +976,9 @@
                 </a:solidFill>
               </a:defRPr>
             </a:lvl7pPr>
-            <a:lvl8pPr marL="3200400" indent="0">
+            <a:lvl8pPr marL="4199885" indent="0">
               <a:buNone/>
-              <a:defRPr sz="1600">
+              <a:defRPr sz="2100">
                 <a:solidFill>
                   <a:schemeClr val="tx1">
                     <a:tint val="75000"/>
@@ -1106,9 +986,9 @@
                 </a:solidFill>
               </a:defRPr>
             </a:lvl8pPr>
-            <a:lvl9pPr marL="3657600" indent="0">
+            <a:lvl9pPr marL="4799868" indent="0">
               <a:buNone/>
-              <a:defRPr sz="1600">
+              <a:defRPr sz="2100">
                 <a:solidFill>
                   <a:schemeClr val="tx1">
                     <a:tint val="75000"/>
@@ -1128,13 +1008,7 @@
       </p:sp>
       <p:sp>
         <p:nvSpPr>
-          <p:cNvPr id="4" name="Marcador de fecha 3">
-            <a:extLst>
-              <a:ext uri="{FF2B5EF4-FFF2-40B4-BE49-F238E27FC236}">
-                <a16:creationId xmlns:a16="http://schemas.microsoft.com/office/drawing/2014/main" id="{EDCA4B70-5981-4A3C-9283-4FE50F419F78}"/>
-              </a:ext>
-            </a:extLst>
-          </p:cNvPr>
+          <p:cNvPr id="4" name="Date Placeholder 3"/>
           <p:cNvSpPr>
             <a:spLocks noGrp="1"/>
           </p:cNvSpPr>
@@ -1149,7 +1023,7 @@
           <a:p>
             <a:fld id="{2F57117F-21EA-4F0F-8EAD-57836432C340}" type="datetimeFigureOut">
               <a:rPr lang="es-MX" smtClean="0"/>
-              <a:t>10/05/2020</a:t>
+              <a:t>11/06/2020</a:t>
             </a:fld>
             <a:endParaRPr lang="es-MX"/>
           </a:p>
@@ -1157,13 +1031,7 @@
       </p:sp>
       <p:sp>
         <p:nvSpPr>
-          <p:cNvPr id="5" name="Marcador de pie de página 4">
-            <a:extLst>
-              <a:ext uri="{FF2B5EF4-FFF2-40B4-BE49-F238E27FC236}">
-                <a16:creationId xmlns:a16="http://schemas.microsoft.com/office/drawing/2014/main" id="{D2DEF3AD-6EE3-4B5D-BA7C-472BDBC26E4E}"/>
-              </a:ext>
-            </a:extLst>
-          </p:cNvPr>
+          <p:cNvPr id="5" name="Footer Placeholder 4"/>
           <p:cNvSpPr>
             <a:spLocks noGrp="1"/>
           </p:cNvSpPr>
@@ -1182,13 +1050,7 @@
       </p:sp>
       <p:sp>
         <p:nvSpPr>
-          <p:cNvPr id="6" name="Marcador de número de diapositiva 5">
-            <a:extLst>
-              <a:ext uri="{FF2B5EF4-FFF2-40B4-BE49-F238E27FC236}">
-                <a16:creationId xmlns:a16="http://schemas.microsoft.com/office/drawing/2014/main" id="{367340A5-7E65-4AFD-BAE2-E489714DC6FA}"/>
-              </a:ext>
-            </a:extLst>
-          </p:cNvPr>
+          <p:cNvPr id="6" name="Slide Number Placeholder 5"/>
           <p:cNvSpPr>
             <a:spLocks noGrp="1"/>
           </p:cNvSpPr>
@@ -1212,7 +1074,7 @@
     </p:spTree>
     <p:extLst>
       <p:ext uri="{BB962C8B-B14F-4D97-AF65-F5344CB8AC3E}">
-        <p14:creationId xmlns:p14="http://schemas.microsoft.com/office/powerpoint/2010/main" val="2982497562"/>
+        <p14:creationId xmlns:p14="http://schemas.microsoft.com/office/powerpoint/2010/main" val="4159754646"/>
       </p:ext>
     </p:extLst>
   </p:cSld>
@@ -1241,13 +1103,7 @@
       </p:grpSpPr>
       <p:sp>
         <p:nvSpPr>
-          <p:cNvPr id="2" name="Título 1">
-            <a:extLst>
-              <a:ext uri="{FF2B5EF4-FFF2-40B4-BE49-F238E27FC236}">
-                <a16:creationId xmlns:a16="http://schemas.microsoft.com/office/drawing/2014/main" id="{C85BFDF0-C4DC-4701-9099-17516946D0B9}"/>
-              </a:ext>
-            </a:extLst>
-          </p:cNvPr>
+          <p:cNvPr id="2" name="Title 1"/>
           <p:cNvSpPr>
             <a:spLocks noGrp="1"/>
           </p:cNvSpPr>
@@ -1264,19 +1120,13 @@
               <a:rPr lang="es-ES"/>
               <a:t>Haga clic para modificar el estilo de título del patrón</a:t>
             </a:r>
-            <a:endParaRPr lang="es-MX"/>
+            <a:endParaRPr lang="en-US" dirty="0"/>
           </a:p>
         </p:txBody>
       </p:sp>
       <p:sp>
         <p:nvSpPr>
-          <p:cNvPr id="3" name="Marcador de contenido 2">
-            <a:extLst>
-              <a:ext uri="{FF2B5EF4-FFF2-40B4-BE49-F238E27FC236}">
-                <a16:creationId xmlns:a16="http://schemas.microsoft.com/office/drawing/2014/main" id="{81DFF2AC-F4C5-47D0-BF1D-4DED52979F1C}"/>
-              </a:ext>
-            </a:extLst>
-          </p:cNvPr>
+          <p:cNvPr id="3" name="Content Placeholder 2"/>
           <p:cNvSpPr>
             <a:spLocks noGrp="1"/>
           </p:cNvSpPr>
@@ -1286,8 +1136,8 @@
         </p:nvSpPr>
         <p:spPr>
           <a:xfrm>
-            <a:off x="838200" y="1825625"/>
-            <a:ext cx="5181600" cy="4351338"/>
+            <a:off x="1237545" y="2395710"/>
+            <a:ext cx="7650282" cy="5710124"/>
           </a:xfrm>
         </p:spPr>
         <p:txBody>
@@ -1327,19 +1177,13 @@
               <a:rPr lang="es-ES"/>
               <a:t>Quinto nivel</a:t>
             </a:r>
-            <a:endParaRPr lang="es-MX"/>
+            <a:endParaRPr lang="en-US" dirty="0"/>
           </a:p>
         </p:txBody>
       </p:sp>
       <p:sp>
         <p:nvSpPr>
-          <p:cNvPr id="4" name="Marcador de contenido 3">
-            <a:extLst>
-              <a:ext uri="{FF2B5EF4-FFF2-40B4-BE49-F238E27FC236}">
-                <a16:creationId xmlns:a16="http://schemas.microsoft.com/office/drawing/2014/main" id="{1EB461D9-C10E-46B0-97FE-80C1B2DEAA80}"/>
-              </a:ext>
-            </a:extLst>
-          </p:cNvPr>
+          <p:cNvPr id="4" name="Content Placeholder 3"/>
           <p:cNvSpPr>
             <a:spLocks noGrp="1"/>
           </p:cNvSpPr>
@@ -1349,8 +1193,8 @@
         </p:nvSpPr>
         <p:spPr>
           <a:xfrm>
-            <a:off x="6172200" y="1825625"/>
-            <a:ext cx="5181600" cy="4351338"/>
+            <a:off x="9112836" y="2395710"/>
+            <a:ext cx="7650282" cy="5710124"/>
           </a:xfrm>
         </p:spPr>
         <p:txBody>
@@ -1390,19 +1234,13 @@
               <a:rPr lang="es-ES"/>
               <a:t>Quinto nivel</a:t>
             </a:r>
-            <a:endParaRPr lang="es-MX"/>
+            <a:endParaRPr lang="en-US" dirty="0"/>
           </a:p>
         </p:txBody>
       </p:sp>
       <p:sp>
         <p:nvSpPr>
-          <p:cNvPr id="5" name="Marcador de fecha 4">
-            <a:extLst>
-              <a:ext uri="{FF2B5EF4-FFF2-40B4-BE49-F238E27FC236}">
-                <a16:creationId xmlns:a16="http://schemas.microsoft.com/office/drawing/2014/main" id="{D4B48712-7E02-4A0D-AF37-5D1720CC96B1}"/>
-              </a:ext>
-            </a:extLst>
-          </p:cNvPr>
+          <p:cNvPr id="5" name="Date Placeholder 4"/>
           <p:cNvSpPr>
             <a:spLocks noGrp="1"/>
           </p:cNvSpPr>
@@ -1417,7 +1255,7 @@
           <a:p>
             <a:fld id="{2F57117F-21EA-4F0F-8EAD-57836432C340}" type="datetimeFigureOut">
               <a:rPr lang="es-MX" smtClean="0"/>
-              <a:t>10/05/2020</a:t>
+              <a:t>11/06/2020</a:t>
             </a:fld>
             <a:endParaRPr lang="es-MX"/>
           </a:p>
@@ -1425,13 +1263,7 @@
       </p:sp>
       <p:sp>
         <p:nvSpPr>
-          <p:cNvPr id="6" name="Marcador de pie de página 5">
-            <a:extLst>
-              <a:ext uri="{FF2B5EF4-FFF2-40B4-BE49-F238E27FC236}">
-                <a16:creationId xmlns:a16="http://schemas.microsoft.com/office/drawing/2014/main" id="{572B543F-81F2-4312-9947-10CCB64D7104}"/>
-              </a:ext>
-            </a:extLst>
-          </p:cNvPr>
+          <p:cNvPr id="6" name="Footer Placeholder 5"/>
           <p:cNvSpPr>
             <a:spLocks noGrp="1"/>
           </p:cNvSpPr>
@@ -1450,13 +1282,7 @@
       </p:sp>
       <p:sp>
         <p:nvSpPr>
-          <p:cNvPr id="7" name="Marcador de número de diapositiva 6">
-            <a:extLst>
-              <a:ext uri="{FF2B5EF4-FFF2-40B4-BE49-F238E27FC236}">
-                <a16:creationId xmlns:a16="http://schemas.microsoft.com/office/drawing/2014/main" id="{A64B2153-A9CB-4474-BF10-1C7CF0622C66}"/>
-              </a:ext>
-            </a:extLst>
-          </p:cNvPr>
+          <p:cNvPr id="7" name="Slide Number Placeholder 6"/>
           <p:cNvSpPr>
             <a:spLocks noGrp="1"/>
           </p:cNvSpPr>
@@ -1480,7 +1306,7 @@
     </p:spTree>
     <p:extLst>
       <p:ext uri="{BB962C8B-B14F-4D97-AF65-F5344CB8AC3E}">
-        <p14:creationId xmlns:p14="http://schemas.microsoft.com/office/powerpoint/2010/main" val="1429178072"/>
+        <p14:creationId xmlns:p14="http://schemas.microsoft.com/office/powerpoint/2010/main" val="2974119819"/>
       </p:ext>
     </p:extLst>
   </p:cSld>
@@ -1509,13 +1335,7 @@
       </p:grpSpPr>
       <p:sp>
         <p:nvSpPr>
-          <p:cNvPr id="2" name="Título 1">
-            <a:extLst>
-              <a:ext uri="{FF2B5EF4-FFF2-40B4-BE49-F238E27FC236}">
-                <a16:creationId xmlns:a16="http://schemas.microsoft.com/office/drawing/2014/main" id="{5239F869-8581-4CE1-8228-85CCD9F66C34}"/>
-              </a:ext>
-            </a:extLst>
-          </p:cNvPr>
+          <p:cNvPr id="2" name="Title 1"/>
           <p:cNvSpPr>
             <a:spLocks noGrp="1"/>
           </p:cNvSpPr>
@@ -1525,8 +1345,8 @@
         </p:nvSpPr>
         <p:spPr>
           <a:xfrm>
-            <a:off x="839788" y="365125"/>
-            <a:ext cx="10515600" cy="1325563"/>
+            <a:off x="1239890" y="479143"/>
+            <a:ext cx="15525572" cy="1739495"/>
           </a:xfrm>
         </p:spPr>
         <p:txBody>
@@ -1537,19 +1357,13 @@
               <a:rPr lang="es-ES"/>
               <a:t>Haga clic para modificar el estilo de título del patrón</a:t>
             </a:r>
-            <a:endParaRPr lang="es-MX"/>
+            <a:endParaRPr lang="en-US" dirty="0"/>
           </a:p>
         </p:txBody>
       </p:sp>
       <p:sp>
         <p:nvSpPr>
-          <p:cNvPr id="3" name="Marcador de texto 2">
-            <a:extLst>
-              <a:ext uri="{FF2B5EF4-FFF2-40B4-BE49-F238E27FC236}">
-                <a16:creationId xmlns:a16="http://schemas.microsoft.com/office/drawing/2014/main" id="{37012505-99F0-4E86-9FFB-4F8FDF7525A4}"/>
-              </a:ext>
-            </a:extLst>
-          </p:cNvPr>
+          <p:cNvPr id="3" name="Text Placeholder 2"/>
           <p:cNvSpPr>
             <a:spLocks noGrp="1"/>
           </p:cNvSpPr>
@@ -1559,8 +1373,8 @@
         </p:nvSpPr>
         <p:spPr>
           <a:xfrm>
-            <a:off x="839788" y="1681163"/>
-            <a:ext cx="5157787" cy="823912"/>
+            <a:off x="1239891" y="2206137"/>
+            <a:ext cx="7615123" cy="1081194"/>
           </a:xfrm>
         </p:spPr>
         <p:txBody>
@@ -1568,39 +1382,39 @@
           <a:lstStyle>
             <a:lvl1pPr marL="0" indent="0">
               <a:buNone/>
-              <a:defRPr sz="2400" b="1"/>
+              <a:defRPr sz="3150" b="1"/>
             </a:lvl1pPr>
-            <a:lvl2pPr marL="457200" indent="0">
+            <a:lvl2pPr marL="599984" indent="0">
               <a:buNone/>
-              <a:defRPr sz="2000" b="1"/>
+              <a:defRPr sz="2625" b="1"/>
             </a:lvl2pPr>
-            <a:lvl3pPr marL="914400" indent="0">
+            <a:lvl3pPr marL="1199967" indent="0">
               <a:buNone/>
-              <a:defRPr sz="1800" b="1"/>
+              <a:defRPr sz="2362" b="1"/>
             </a:lvl3pPr>
-            <a:lvl4pPr marL="1371600" indent="0">
+            <a:lvl4pPr marL="1799951" indent="0">
               <a:buNone/>
-              <a:defRPr sz="1600" b="1"/>
+              <a:defRPr sz="2100" b="1"/>
             </a:lvl4pPr>
-            <a:lvl5pPr marL="1828800" indent="0">
+            <a:lvl5pPr marL="2399934" indent="0">
               <a:buNone/>
-              <a:defRPr sz="1600" b="1"/>
+              <a:defRPr sz="2100" b="1"/>
             </a:lvl5pPr>
-            <a:lvl6pPr marL="2286000" indent="0">
+            <a:lvl6pPr marL="2999918" indent="0">
               <a:buNone/>
-              <a:defRPr sz="1600" b="1"/>
+              <a:defRPr sz="2100" b="1"/>
             </a:lvl6pPr>
-            <a:lvl7pPr marL="2743200" indent="0">
+            <a:lvl7pPr marL="3599901" indent="0">
               <a:buNone/>
-              <a:defRPr sz="1600" b="1"/>
+              <a:defRPr sz="2100" b="1"/>
             </a:lvl7pPr>
-            <a:lvl8pPr marL="3200400" indent="0">
+            <a:lvl8pPr marL="4199885" indent="0">
               <a:buNone/>
-              <a:defRPr sz="1600" b="1"/>
+              <a:defRPr sz="2100" b="1"/>
             </a:lvl8pPr>
-            <a:lvl9pPr marL="3657600" indent="0">
+            <a:lvl9pPr marL="4799868" indent="0">
               <a:buNone/>
-              <a:defRPr sz="1600" b="1"/>
+              <a:defRPr sz="2100" b="1"/>
             </a:lvl9pPr>
           </a:lstStyle>
           <a:p>
@@ -1614,13 +1428,7 @@
       </p:sp>
       <p:sp>
         <p:nvSpPr>
-          <p:cNvPr id="4" name="Marcador de contenido 3">
-            <a:extLst>
-              <a:ext uri="{FF2B5EF4-FFF2-40B4-BE49-F238E27FC236}">
-                <a16:creationId xmlns:a16="http://schemas.microsoft.com/office/drawing/2014/main" id="{5BDA4E1E-F523-4526-BA17-B2417CCD5A0F}"/>
-              </a:ext>
-            </a:extLst>
-          </p:cNvPr>
+          <p:cNvPr id="4" name="Content Placeholder 3"/>
           <p:cNvSpPr>
             <a:spLocks noGrp="1"/>
           </p:cNvSpPr>
@@ -1630,8 +1438,8 @@
         </p:nvSpPr>
         <p:spPr>
           <a:xfrm>
-            <a:off x="839788" y="2505075"/>
-            <a:ext cx="5157787" cy="3684588"/>
+            <a:off x="1239891" y="3287331"/>
+            <a:ext cx="7615123" cy="4835169"/>
           </a:xfrm>
         </p:spPr>
         <p:txBody>
@@ -1671,19 +1479,13 @@
               <a:rPr lang="es-ES"/>
               <a:t>Quinto nivel</a:t>
             </a:r>
-            <a:endParaRPr lang="es-MX"/>
+            <a:endParaRPr lang="en-US" dirty="0"/>
           </a:p>
         </p:txBody>
       </p:sp>
       <p:sp>
         <p:nvSpPr>
-          <p:cNvPr id="5" name="Marcador de texto 4">
-            <a:extLst>
-              <a:ext uri="{FF2B5EF4-FFF2-40B4-BE49-F238E27FC236}">
-                <a16:creationId xmlns:a16="http://schemas.microsoft.com/office/drawing/2014/main" id="{CA631398-E0E9-4500-8190-AC96FE9C0894}"/>
-              </a:ext>
-            </a:extLst>
-          </p:cNvPr>
+          <p:cNvPr id="5" name="Text Placeholder 4"/>
           <p:cNvSpPr>
             <a:spLocks noGrp="1"/>
           </p:cNvSpPr>
@@ -1693,8 +1495,8 @@
         </p:nvSpPr>
         <p:spPr>
           <a:xfrm>
-            <a:off x="6172200" y="1681163"/>
-            <a:ext cx="5183188" cy="823912"/>
+            <a:off x="9112836" y="2206137"/>
+            <a:ext cx="7652626" cy="1081194"/>
           </a:xfrm>
         </p:spPr>
         <p:txBody>
@@ -1702,39 +1504,39 @@
           <a:lstStyle>
             <a:lvl1pPr marL="0" indent="0">
               <a:buNone/>
-              <a:defRPr sz="2400" b="1"/>
+              <a:defRPr sz="3150" b="1"/>
             </a:lvl1pPr>
-            <a:lvl2pPr marL="457200" indent="0">
+            <a:lvl2pPr marL="599984" indent="0">
               <a:buNone/>
-              <a:defRPr sz="2000" b="1"/>
+              <a:defRPr sz="2625" b="1"/>
             </a:lvl2pPr>
-            <a:lvl3pPr marL="914400" indent="0">
+            <a:lvl3pPr marL="1199967" indent="0">
               <a:buNone/>
-              <a:defRPr sz="1800" b="1"/>
+              <a:defRPr sz="2362" b="1"/>
             </a:lvl3pPr>
-            <a:lvl4pPr marL="1371600" indent="0">
+            <a:lvl4pPr marL="1799951" indent="0">
               <a:buNone/>
-              <a:defRPr sz="1600" b="1"/>
+              <a:defRPr sz="2100" b="1"/>
             </a:lvl4pPr>
-            <a:lvl5pPr marL="1828800" indent="0">
+            <a:lvl5pPr marL="2399934" indent="0">
               <a:buNone/>
-              <a:defRPr sz="1600" b="1"/>
+              <a:defRPr sz="2100" b="1"/>
             </a:lvl5pPr>
-            <a:lvl6pPr marL="2286000" indent="0">
+            <a:lvl6pPr marL="2999918" indent="0">
               <a:buNone/>
-              <a:defRPr sz="1600" b="1"/>
+              <a:defRPr sz="2100" b="1"/>
             </a:lvl6pPr>
-            <a:lvl7pPr marL="2743200" indent="0">
+            <a:lvl7pPr marL="3599901" indent="0">
               <a:buNone/>
-              <a:defRPr sz="1600" b="1"/>
+              <a:defRPr sz="2100" b="1"/>
             </a:lvl7pPr>
-            <a:lvl8pPr marL="3200400" indent="0">
+            <a:lvl8pPr marL="4199885" indent="0">
               <a:buNone/>
-              <a:defRPr sz="1600" b="1"/>
+              <a:defRPr sz="2100" b="1"/>
             </a:lvl8pPr>
-            <a:lvl9pPr marL="3657600" indent="0">
+            <a:lvl9pPr marL="4799868" indent="0">
               <a:buNone/>
-              <a:defRPr sz="1600" b="1"/>
+              <a:defRPr sz="2100" b="1"/>
             </a:lvl9pPr>
           </a:lstStyle>
           <a:p>
@@ -1748,13 +1550,7 @@
       </p:sp>
       <p:sp>
         <p:nvSpPr>
-          <p:cNvPr id="6" name="Marcador de contenido 5">
-            <a:extLst>
-              <a:ext uri="{FF2B5EF4-FFF2-40B4-BE49-F238E27FC236}">
-                <a16:creationId xmlns:a16="http://schemas.microsoft.com/office/drawing/2014/main" id="{757E6D00-0F2A-45BE-ABA4-AA4513E420F7}"/>
-              </a:ext>
-            </a:extLst>
-          </p:cNvPr>
+          <p:cNvPr id="6" name="Content Placeholder 5"/>
           <p:cNvSpPr>
             <a:spLocks noGrp="1"/>
           </p:cNvSpPr>
@@ -1764,8 +1560,8 @@
         </p:nvSpPr>
         <p:spPr>
           <a:xfrm>
-            <a:off x="6172200" y="2505075"/>
-            <a:ext cx="5183188" cy="3684588"/>
+            <a:off x="9112836" y="3287331"/>
+            <a:ext cx="7652626" cy="4835169"/>
           </a:xfrm>
         </p:spPr>
         <p:txBody>
@@ -1805,19 +1601,13 @@
               <a:rPr lang="es-ES"/>
               <a:t>Quinto nivel</a:t>
             </a:r>
-            <a:endParaRPr lang="es-MX"/>
+            <a:endParaRPr lang="en-US" dirty="0"/>
           </a:p>
         </p:txBody>
       </p:sp>
       <p:sp>
         <p:nvSpPr>
-          <p:cNvPr id="7" name="Marcador de fecha 6">
-            <a:extLst>
-              <a:ext uri="{FF2B5EF4-FFF2-40B4-BE49-F238E27FC236}">
-                <a16:creationId xmlns:a16="http://schemas.microsoft.com/office/drawing/2014/main" id="{B83B1C5D-2893-46D7-AA06-E9D950C938F3}"/>
-              </a:ext>
-            </a:extLst>
-          </p:cNvPr>
+          <p:cNvPr id="7" name="Date Placeholder 6"/>
           <p:cNvSpPr>
             <a:spLocks noGrp="1"/>
           </p:cNvSpPr>
@@ -1832,7 +1622,7 @@
           <a:p>
             <a:fld id="{2F57117F-21EA-4F0F-8EAD-57836432C340}" type="datetimeFigureOut">
               <a:rPr lang="es-MX" smtClean="0"/>
-              <a:t>10/05/2020</a:t>
+              <a:t>11/06/2020</a:t>
             </a:fld>
             <a:endParaRPr lang="es-MX"/>
           </a:p>
@@ -1840,13 +1630,7 @@
       </p:sp>
       <p:sp>
         <p:nvSpPr>
-          <p:cNvPr id="8" name="Marcador de pie de página 7">
-            <a:extLst>
-              <a:ext uri="{FF2B5EF4-FFF2-40B4-BE49-F238E27FC236}">
-                <a16:creationId xmlns:a16="http://schemas.microsoft.com/office/drawing/2014/main" id="{661D3C22-A6FB-4474-BAC8-A28B33BC280F}"/>
-              </a:ext>
-            </a:extLst>
-          </p:cNvPr>
+          <p:cNvPr id="8" name="Footer Placeholder 7"/>
           <p:cNvSpPr>
             <a:spLocks noGrp="1"/>
           </p:cNvSpPr>
@@ -1865,13 +1649,7 @@
       </p:sp>
       <p:sp>
         <p:nvSpPr>
-          <p:cNvPr id="9" name="Marcador de número de diapositiva 8">
-            <a:extLst>
-              <a:ext uri="{FF2B5EF4-FFF2-40B4-BE49-F238E27FC236}">
-                <a16:creationId xmlns:a16="http://schemas.microsoft.com/office/drawing/2014/main" id="{1C9E898D-690D-45CA-9299-A18533755E21}"/>
-              </a:ext>
-            </a:extLst>
-          </p:cNvPr>
+          <p:cNvPr id="9" name="Slide Number Placeholder 8"/>
           <p:cNvSpPr>
             <a:spLocks noGrp="1"/>
           </p:cNvSpPr>
@@ -1895,7 +1673,7 @@
     </p:spTree>
     <p:extLst>
       <p:ext uri="{BB962C8B-B14F-4D97-AF65-F5344CB8AC3E}">
-        <p14:creationId xmlns:p14="http://schemas.microsoft.com/office/powerpoint/2010/main" val="3121761476"/>
+        <p14:creationId xmlns:p14="http://schemas.microsoft.com/office/powerpoint/2010/main" val="2560175415"/>
       </p:ext>
     </p:extLst>
   </p:cSld>
@@ -1924,13 +1702,7 @@
       </p:grpSpPr>
       <p:sp>
         <p:nvSpPr>
-          <p:cNvPr id="2" name="Título 1">
-            <a:extLst>
-              <a:ext uri="{FF2B5EF4-FFF2-40B4-BE49-F238E27FC236}">
-                <a16:creationId xmlns:a16="http://schemas.microsoft.com/office/drawing/2014/main" id="{98150728-7F32-4929-9552-E25C2D07DF35}"/>
-              </a:ext>
-            </a:extLst>
-          </p:cNvPr>
+          <p:cNvPr id="2" name="Title 1"/>
           <p:cNvSpPr>
             <a:spLocks noGrp="1"/>
           </p:cNvSpPr>
@@ -1947,19 +1719,13 @@
               <a:rPr lang="es-ES"/>
               <a:t>Haga clic para modificar el estilo de título del patrón</a:t>
             </a:r>
-            <a:endParaRPr lang="es-MX"/>
+            <a:endParaRPr lang="en-US" dirty="0"/>
           </a:p>
         </p:txBody>
       </p:sp>
       <p:sp>
         <p:nvSpPr>
-          <p:cNvPr id="3" name="Marcador de fecha 2">
-            <a:extLst>
-              <a:ext uri="{FF2B5EF4-FFF2-40B4-BE49-F238E27FC236}">
-                <a16:creationId xmlns:a16="http://schemas.microsoft.com/office/drawing/2014/main" id="{4B0997FF-7EB8-4A05-82C5-C78975A178E2}"/>
-              </a:ext>
-            </a:extLst>
-          </p:cNvPr>
+          <p:cNvPr id="3" name="Date Placeholder 2"/>
           <p:cNvSpPr>
             <a:spLocks noGrp="1"/>
           </p:cNvSpPr>
@@ -1974,7 +1740,7 @@
           <a:p>
             <a:fld id="{2F57117F-21EA-4F0F-8EAD-57836432C340}" type="datetimeFigureOut">
               <a:rPr lang="es-MX" smtClean="0"/>
-              <a:t>10/05/2020</a:t>
+              <a:t>11/06/2020</a:t>
             </a:fld>
             <a:endParaRPr lang="es-MX"/>
           </a:p>
@@ -1982,13 +1748,7 @@
       </p:sp>
       <p:sp>
         <p:nvSpPr>
-          <p:cNvPr id="4" name="Marcador de pie de página 3">
-            <a:extLst>
-              <a:ext uri="{FF2B5EF4-FFF2-40B4-BE49-F238E27FC236}">
-                <a16:creationId xmlns:a16="http://schemas.microsoft.com/office/drawing/2014/main" id="{C1EBC4F6-F74B-477D-A519-E8B84E4D9056}"/>
-              </a:ext>
-            </a:extLst>
-          </p:cNvPr>
+          <p:cNvPr id="4" name="Footer Placeholder 3"/>
           <p:cNvSpPr>
             <a:spLocks noGrp="1"/>
           </p:cNvSpPr>
@@ -2007,13 +1767,7 @@
       </p:sp>
       <p:sp>
         <p:nvSpPr>
-          <p:cNvPr id="5" name="Marcador de número de diapositiva 4">
-            <a:extLst>
-              <a:ext uri="{FF2B5EF4-FFF2-40B4-BE49-F238E27FC236}">
-                <a16:creationId xmlns:a16="http://schemas.microsoft.com/office/drawing/2014/main" id="{F1F7A62A-4DD1-4F92-92B6-4E6BC8618DA5}"/>
-              </a:ext>
-            </a:extLst>
-          </p:cNvPr>
+          <p:cNvPr id="5" name="Slide Number Placeholder 4"/>
           <p:cNvSpPr>
             <a:spLocks noGrp="1"/>
           </p:cNvSpPr>
@@ -2037,7 +1791,7 @@
     </p:spTree>
     <p:extLst>
       <p:ext uri="{BB962C8B-B14F-4D97-AF65-F5344CB8AC3E}">
-        <p14:creationId xmlns:p14="http://schemas.microsoft.com/office/powerpoint/2010/main" val="2118019762"/>
+        <p14:creationId xmlns:p14="http://schemas.microsoft.com/office/powerpoint/2010/main" val="1495367255"/>
       </p:ext>
     </p:extLst>
   </p:cSld>
@@ -2066,13 +1820,7 @@
       </p:grpSpPr>
       <p:sp>
         <p:nvSpPr>
-          <p:cNvPr id="2" name="Marcador de fecha 1">
-            <a:extLst>
-              <a:ext uri="{FF2B5EF4-FFF2-40B4-BE49-F238E27FC236}">
-                <a16:creationId xmlns:a16="http://schemas.microsoft.com/office/drawing/2014/main" id="{C79548C4-1CF3-478E-894E-1775E167C138}"/>
-              </a:ext>
-            </a:extLst>
-          </p:cNvPr>
+          <p:cNvPr id="2" name="Date Placeholder 1"/>
           <p:cNvSpPr>
             <a:spLocks noGrp="1"/>
           </p:cNvSpPr>
@@ -2087,7 +1835,7 @@
           <a:p>
             <a:fld id="{2F57117F-21EA-4F0F-8EAD-57836432C340}" type="datetimeFigureOut">
               <a:rPr lang="es-MX" smtClean="0"/>
-              <a:t>10/05/2020</a:t>
+              <a:t>11/06/2020</a:t>
             </a:fld>
             <a:endParaRPr lang="es-MX"/>
           </a:p>
@@ -2095,13 +1843,7 @@
       </p:sp>
       <p:sp>
         <p:nvSpPr>
-          <p:cNvPr id="3" name="Marcador de pie de página 2">
-            <a:extLst>
-              <a:ext uri="{FF2B5EF4-FFF2-40B4-BE49-F238E27FC236}">
-                <a16:creationId xmlns:a16="http://schemas.microsoft.com/office/drawing/2014/main" id="{5AFA463C-5DB9-4203-89B6-0420E9140A65}"/>
-              </a:ext>
-            </a:extLst>
-          </p:cNvPr>
+          <p:cNvPr id="3" name="Footer Placeholder 2"/>
           <p:cNvSpPr>
             <a:spLocks noGrp="1"/>
           </p:cNvSpPr>
@@ -2120,13 +1862,7 @@
       </p:sp>
       <p:sp>
         <p:nvSpPr>
-          <p:cNvPr id="4" name="Marcador de número de diapositiva 3">
-            <a:extLst>
-              <a:ext uri="{FF2B5EF4-FFF2-40B4-BE49-F238E27FC236}">
-                <a16:creationId xmlns:a16="http://schemas.microsoft.com/office/drawing/2014/main" id="{DCA6054B-ECA1-42EE-B3AF-0FF3CB1EE29F}"/>
-              </a:ext>
-            </a:extLst>
-          </p:cNvPr>
+          <p:cNvPr id="4" name="Slide Number Placeholder 3"/>
           <p:cNvSpPr>
             <a:spLocks noGrp="1"/>
           </p:cNvSpPr>
@@ -2150,7 +1886,7 @@
     </p:spTree>
     <p:extLst>
       <p:ext uri="{BB962C8B-B14F-4D97-AF65-F5344CB8AC3E}">
-        <p14:creationId xmlns:p14="http://schemas.microsoft.com/office/powerpoint/2010/main" val="3794337384"/>
+        <p14:creationId xmlns:p14="http://schemas.microsoft.com/office/powerpoint/2010/main" val="826215800"/>
       </p:ext>
     </p:extLst>
   </p:cSld>
@@ -2179,13 +1915,7 @@
       </p:grpSpPr>
       <p:sp>
         <p:nvSpPr>
-          <p:cNvPr id="2" name="Título 1">
-            <a:extLst>
-              <a:ext uri="{FF2B5EF4-FFF2-40B4-BE49-F238E27FC236}">
-                <a16:creationId xmlns:a16="http://schemas.microsoft.com/office/drawing/2014/main" id="{B0F6289F-F6DA-4360-8BAE-25E27E9EA319}"/>
-              </a:ext>
-            </a:extLst>
-          </p:cNvPr>
+          <p:cNvPr id="2" name="Title 1"/>
           <p:cNvSpPr>
             <a:spLocks noGrp="1"/>
           </p:cNvSpPr>
@@ -2195,15 +1925,15 @@
         </p:nvSpPr>
         <p:spPr>
           <a:xfrm>
-            <a:off x="839788" y="457200"/>
-            <a:ext cx="3932237" cy="1600200"/>
+            <a:off x="1239891" y="599969"/>
+            <a:ext cx="5805682" cy="2099892"/>
           </a:xfrm>
         </p:spPr>
         <p:txBody>
           <a:bodyPr anchor="b"/>
           <a:lstStyle>
             <a:lvl1pPr>
-              <a:defRPr sz="3200"/>
+              <a:defRPr sz="4199"/>
             </a:lvl1pPr>
           </a:lstStyle>
           <a:p>
@@ -2211,19 +1941,13 @@
               <a:rPr lang="es-ES"/>
               <a:t>Haga clic para modificar el estilo de título del patrón</a:t>
             </a:r>
-            <a:endParaRPr lang="es-MX"/>
+            <a:endParaRPr lang="en-US" dirty="0"/>
           </a:p>
         </p:txBody>
       </p:sp>
       <p:sp>
         <p:nvSpPr>
-          <p:cNvPr id="3" name="Marcador de contenido 2">
-            <a:extLst>
-              <a:ext uri="{FF2B5EF4-FFF2-40B4-BE49-F238E27FC236}">
-                <a16:creationId xmlns:a16="http://schemas.microsoft.com/office/drawing/2014/main" id="{1C4865B3-1D06-45E7-8FE9-949898F0E3BB}"/>
-              </a:ext>
-            </a:extLst>
-          </p:cNvPr>
+          <p:cNvPr id="3" name="Content Placeholder 2"/>
           <p:cNvSpPr>
             <a:spLocks noGrp="1"/>
           </p:cNvSpPr>
@@ -2233,39 +1957,39 @@
         </p:nvSpPr>
         <p:spPr>
           <a:xfrm>
-            <a:off x="5183188" y="987425"/>
-            <a:ext cx="6172200" cy="4873625"/>
+            <a:off x="7652626" y="1295767"/>
+            <a:ext cx="9112836" cy="6395505"/>
           </a:xfrm>
         </p:spPr>
         <p:txBody>
           <a:bodyPr/>
           <a:lstStyle>
             <a:lvl1pPr>
-              <a:defRPr sz="3200"/>
+              <a:defRPr sz="4199"/>
             </a:lvl1pPr>
             <a:lvl2pPr>
-              <a:defRPr sz="2800"/>
+              <a:defRPr sz="3674"/>
             </a:lvl2pPr>
             <a:lvl3pPr>
-              <a:defRPr sz="2400"/>
+              <a:defRPr sz="3150"/>
             </a:lvl3pPr>
             <a:lvl4pPr>
-              <a:defRPr sz="2000"/>
+              <a:defRPr sz="2625"/>
             </a:lvl4pPr>
             <a:lvl5pPr>
-              <a:defRPr sz="2000"/>
+              <a:defRPr sz="2625"/>
             </a:lvl5pPr>
             <a:lvl6pPr>
-              <a:defRPr sz="2000"/>
+              <a:defRPr sz="2625"/>
             </a:lvl6pPr>
             <a:lvl7pPr>
-              <a:defRPr sz="2000"/>
+              <a:defRPr sz="2625"/>
             </a:lvl7pPr>
             <a:lvl8pPr>
-              <a:defRPr sz="2000"/>
+              <a:defRPr sz="2625"/>
             </a:lvl8pPr>
             <a:lvl9pPr>
-              <a:defRPr sz="2000"/>
+              <a:defRPr sz="2625"/>
             </a:lvl9pPr>
           </a:lstStyle>
           <a:p>
@@ -2302,19 +2026,13 @@
               <a:rPr lang="es-ES"/>
               <a:t>Quinto nivel</a:t>
             </a:r>
-            <a:endParaRPr lang="es-MX"/>
+            <a:endParaRPr lang="en-US" dirty="0"/>
           </a:p>
         </p:txBody>
       </p:sp>
       <p:sp>
         <p:nvSpPr>
-          <p:cNvPr id="4" name="Marcador de texto 3">
-            <a:extLst>
-              <a:ext uri="{FF2B5EF4-FFF2-40B4-BE49-F238E27FC236}">
-                <a16:creationId xmlns:a16="http://schemas.microsoft.com/office/drawing/2014/main" id="{84DC7472-0F1A-4AC0-9D3C-B284F8A30318}"/>
-              </a:ext>
-            </a:extLst>
-          </p:cNvPr>
+          <p:cNvPr id="4" name="Text Placeholder 3"/>
           <p:cNvSpPr>
             <a:spLocks noGrp="1"/>
           </p:cNvSpPr>
@@ -2324,8 +2042,8 @@
         </p:nvSpPr>
         <p:spPr>
           <a:xfrm>
-            <a:off x="839788" y="2057400"/>
-            <a:ext cx="3932237" cy="3811588"/>
+            <a:off x="1239891" y="2699862"/>
+            <a:ext cx="5805682" cy="5001827"/>
           </a:xfrm>
         </p:spPr>
         <p:txBody>
@@ -2333,39 +2051,39 @@
           <a:lstStyle>
             <a:lvl1pPr marL="0" indent="0">
               <a:buNone/>
-              <a:defRPr sz="1600"/>
+              <a:defRPr sz="2100"/>
             </a:lvl1pPr>
-            <a:lvl2pPr marL="457200" indent="0">
+            <a:lvl2pPr marL="599984" indent="0">
               <a:buNone/>
-              <a:defRPr sz="1400"/>
+              <a:defRPr sz="1837"/>
             </a:lvl2pPr>
-            <a:lvl3pPr marL="914400" indent="0">
+            <a:lvl3pPr marL="1199967" indent="0">
               <a:buNone/>
-              <a:defRPr sz="1200"/>
+              <a:defRPr sz="1575"/>
             </a:lvl3pPr>
-            <a:lvl4pPr marL="1371600" indent="0">
+            <a:lvl4pPr marL="1799951" indent="0">
               <a:buNone/>
-              <a:defRPr sz="1000"/>
+              <a:defRPr sz="1312"/>
             </a:lvl4pPr>
-            <a:lvl5pPr marL="1828800" indent="0">
+            <a:lvl5pPr marL="2399934" indent="0">
               <a:buNone/>
-              <a:defRPr sz="1000"/>
+              <a:defRPr sz="1312"/>
             </a:lvl5pPr>
-            <a:lvl6pPr marL="2286000" indent="0">
+            <a:lvl6pPr marL="2999918" indent="0">
               <a:buNone/>
-              <a:defRPr sz="1000"/>
+              <a:defRPr sz="1312"/>
             </a:lvl6pPr>
-            <a:lvl7pPr marL="2743200" indent="0">
+            <a:lvl7pPr marL="3599901" indent="0">
               <a:buNone/>
-              <a:defRPr sz="1000"/>
+              <a:defRPr sz="1312"/>
             </a:lvl7pPr>
-            <a:lvl8pPr marL="3200400" indent="0">
+            <a:lvl8pPr marL="4199885" indent="0">
               <a:buNone/>
-              <a:defRPr sz="1000"/>
+              <a:defRPr sz="1312"/>
             </a:lvl8pPr>
-            <a:lvl9pPr marL="3657600" indent="0">
+            <a:lvl9pPr marL="4799868" indent="0">
               <a:buNone/>
-              <a:defRPr sz="1000"/>
+              <a:defRPr sz="1312"/>
             </a:lvl9pPr>
           </a:lstStyle>
           <a:p>
@@ -2379,13 +2097,7 @@
       </p:sp>
       <p:sp>
         <p:nvSpPr>
-          <p:cNvPr id="5" name="Marcador de fecha 4">
-            <a:extLst>
-              <a:ext uri="{FF2B5EF4-FFF2-40B4-BE49-F238E27FC236}">
-                <a16:creationId xmlns:a16="http://schemas.microsoft.com/office/drawing/2014/main" id="{4A2FADA0-93BF-4086-9B65-B26713D7E9CF}"/>
-              </a:ext>
-            </a:extLst>
-          </p:cNvPr>
+          <p:cNvPr id="5" name="Date Placeholder 4"/>
           <p:cNvSpPr>
             <a:spLocks noGrp="1"/>
           </p:cNvSpPr>
@@ -2400,7 +2112,7 @@
           <a:p>
             <a:fld id="{2F57117F-21EA-4F0F-8EAD-57836432C340}" type="datetimeFigureOut">
               <a:rPr lang="es-MX" smtClean="0"/>
-              <a:t>10/05/2020</a:t>
+              <a:t>11/06/2020</a:t>
             </a:fld>
             <a:endParaRPr lang="es-MX"/>
           </a:p>
@@ -2408,13 +2120,7 @@
       </p:sp>
       <p:sp>
         <p:nvSpPr>
-          <p:cNvPr id="6" name="Marcador de pie de página 5">
-            <a:extLst>
-              <a:ext uri="{FF2B5EF4-FFF2-40B4-BE49-F238E27FC236}">
-                <a16:creationId xmlns:a16="http://schemas.microsoft.com/office/drawing/2014/main" id="{382FCBC6-A6B8-4857-BBE5-42517F79E487}"/>
-              </a:ext>
-            </a:extLst>
-          </p:cNvPr>
+          <p:cNvPr id="6" name="Footer Placeholder 5"/>
           <p:cNvSpPr>
             <a:spLocks noGrp="1"/>
           </p:cNvSpPr>
@@ -2433,13 +2139,7 @@
       </p:sp>
       <p:sp>
         <p:nvSpPr>
-          <p:cNvPr id="7" name="Marcador de número de diapositiva 6">
-            <a:extLst>
-              <a:ext uri="{FF2B5EF4-FFF2-40B4-BE49-F238E27FC236}">
-                <a16:creationId xmlns:a16="http://schemas.microsoft.com/office/drawing/2014/main" id="{500DDD72-64D4-4726-9768-D1A93A3428B5}"/>
-              </a:ext>
-            </a:extLst>
-          </p:cNvPr>
+          <p:cNvPr id="7" name="Slide Number Placeholder 6"/>
           <p:cNvSpPr>
             <a:spLocks noGrp="1"/>
           </p:cNvSpPr>
@@ -2463,7 +2163,7 @@
     </p:spTree>
     <p:extLst>
       <p:ext uri="{BB962C8B-B14F-4D97-AF65-F5344CB8AC3E}">
-        <p14:creationId xmlns:p14="http://schemas.microsoft.com/office/powerpoint/2010/main" val="1915124771"/>
+        <p14:creationId xmlns:p14="http://schemas.microsoft.com/office/powerpoint/2010/main" val="807289629"/>
       </p:ext>
     </p:extLst>
   </p:cSld>
@@ -2492,13 +2192,7 @@
       </p:grpSpPr>
       <p:sp>
         <p:nvSpPr>
-          <p:cNvPr id="2" name="Título 1">
-            <a:extLst>
-              <a:ext uri="{FF2B5EF4-FFF2-40B4-BE49-F238E27FC236}">
-                <a16:creationId xmlns:a16="http://schemas.microsoft.com/office/drawing/2014/main" id="{1FB40649-D31B-4C71-99A0-E13E5A4C117D}"/>
-              </a:ext>
-            </a:extLst>
-          </p:cNvPr>
+          <p:cNvPr id="2" name="Title 1"/>
           <p:cNvSpPr>
             <a:spLocks noGrp="1"/>
           </p:cNvSpPr>
@@ -2508,15 +2202,15 @@
         </p:nvSpPr>
         <p:spPr>
           <a:xfrm>
-            <a:off x="839788" y="457200"/>
-            <a:ext cx="3932237" cy="1600200"/>
+            <a:off x="1239891" y="599969"/>
+            <a:ext cx="5805682" cy="2099892"/>
           </a:xfrm>
         </p:spPr>
         <p:txBody>
           <a:bodyPr anchor="b"/>
           <a:lstStyle>
             <a:lvl1pPr>
-              <a:defRPr sz="3200"/>
+              <a:defRPr sz="4199"/>
             </a:lvl1pPr>
           </a:lstStyle>
           <a:p>
@@ -2524,21 +2218,15 @@
               <a:rPr lang="es-ES"/>
               <a:t>Haga clic para modificar el estilo de título del patrón</a:t>
             </a:r>
-            <a:endParaRPr lang="es-MX"/>
+            <a:endParaRPr lang="en-US" dirty="0"/>
           </a:p>
         </p:txBody>
       </p:sp>
       <p:sp>
         <p:nvSpPr>
-          <p:cNvPr id="3" name="Marcador de posición de imagen 2">
-            <a:extLst>
-              <a:ext uri="{FF2B5EF4-FFF2-40B4-BE49-F238E27FC236}">
-                <a16:creationId xmlns:a16="http://schemas.microsoft.com/office/drawing/2014/main" id="{5483720F-5884-49B6-9448-1A4CF988734D}"/>
-              </a:ext>
-            </a:extLst>
-          </p:cNvPr>
+          <p:cNvPr id="3" name="Picture Placeholder 2"/>
           <p:cNvSpPr>
-            <a:spLocks noGrp="1"/>
+            <a:spLocks noGrp="1" noChangeAspect="1"/>
           </p:cNvSpPr>
           <p:nvPr>
             <p:ph type="pic" idx="1"/>
@@ -2546,64 +2234,62 @@
         </p:nvSpPr>
         <p:spPr>
           <a:xfrm>
-            <a:off x="5183188" y="987425"/>
-            <a:ext cx="6172200" cy="4873625"/>
+            <a:off x="7652626" y="1295767"/>
+            <a:ext cx="9112836" cy="6395505"/>
           </a:xfrm>
         </p:spPr>
         <p:txBody>
-          <a:bodyPr/>
+          <a:bodyPr anchor="t"/>
           <a:lstStyle>
             <a:lvl1pPr marL="0" indent="0">
               <a:buNone/>
-              <a:defRPr sz="3200"/>
+              <a:defRPr sz="4199"/>
             </a:lvl1pPr>
-            <a:lvl2pPr marL="457200" indent="0">
+            <a:lvl2pPr marL="599984" indent="0">
               <a:buNone/>
-              <a:defRPr sz="2800"/>
+              <a:defRPr sz="3674"/>
             </a:lvl2pPr>
-            <a:lvl3pPr marL="914400" indent="0">
+            <a:lvl3pPr marL="1199967" indent="0">
               <a:buNone/>
-              <a:defRPr sz="2400"/>
+              <a:defRPr sz="3150"/>
             </a:lvl3pPr>
-            <a:lvl4pPr marL="1371600" indent="0">
+            <a:lvl4pPr marL="1799951" indent="0">
               <a:buNone/>
-              <a:defRPr sz="2000"/>
+              <a:defRPr sz="2625"/>
             </a:lvl4pPr>
-            <a:lvl5pPr marL="1828800" indent="0">
+            <a:lvl5pPr marL="2399934" indent="0">
               <a:buNone/>
-              <a:defRPr sz="2000"/>
+              <a:defRPr sz="2625"/>
             </a:lvl5pPr>
-            <a:lvl6pPr marL="2286000" indent="0">
+            <a:lvl6pPr marL="2999918" indent="0">
               <a:buNone/>
-              <a:defRPr sz="2000"/>
+              <a:defRPr sz="2625"/>
             </a:lvl6pPr>
-            <a:lvl7pPr marL="2743200" indent="0">
+            <a:lvl7pPr marL="3599901" indent="0">
               <a:buNone/>
-              <a:defRPr sz="2000"/>
+              <a:defRPr sz="2625"/>
             </a:lvl7pPr>
-            <a:lvl8pPr marL="3200400" indent="0">
+            <a:lvl8pPr marL="4199885" indent="0">
               <a:buNone/>
-              <a:defRPr sz="2000"/>
+              <a:defRPr sz="2625"/>
             </a:lvl8pPr>
-            <a:lvl9pPr marL="3657600" indent="0">
+            <a:lvl9pPr marL="4799868" indent="0">
               <a:buNone/>
-              <a:defRPr sz="2000"/>
+              <a:defRPr sz="2625"/>
             </a:lvl9pPr>
           </a:lstStyle>
           <a:p>
-            <a:endParaRPr lang="es-MX"/>
+            <a:r>
+              <a:rPr lang="es-ES"/>
+              <a:t>Haga clic en el icono para agregar una imagen</a:t>
+            </a:r>
+            <a:endParaRPr lang="en-US" dirty="0"/>
           </a:p>
         </p:txBody>
       </p:sp>
       <p:sp>
         <p:nvSpPr>
-          <p:cNvPr id="4" name="Marcador de texto 3">
-            <a:extLst>
-              <a:ext uri="{FF2B5EF4-FFF2-40B4-BE49-F238E27FC236}">
-                <a16:creationId xmlns:a16="http://schemas.microsoft.com/office/drawing/2014/main" id="{3D29FBD9-6492-474B-99EB-5CA8FF333D36}"/>
-              </a:ext>
-            </a:extLst>
-          </p:cNvPr>
+          <p:cNvPr id="4" name="Text Placeholder 3"/>
           <p:cNvSpPr>
             <a:spLocks noGrp="1"/>
           </p:cNvSpPr>
@@ -2613,8 +2299,8 @@
         </p:nvSpPr>
         <p:spPr>
           <a:xfrm>
-            <a:off x="839788" y="2057400"/>
-            <a:ext cx="3932237" cy="3811588"/>
+            <a:off x="1239891" y="2699862"/>
+            <a:ext cx="5805682" cy="5001827"/>
           </a:xfrm>
         </p:spPr>
         <p:txBody>
@@ -2622,39 +2308,39 @@
           <a:lstStyle>
             <a:lvl1pPr marL="0" indent="0">
               <a:buNone/>
-              <a:defRPr sz="1600"/>
+              <a:defRPr sz="2100"/>
             </a:lvl1pPr>
-            <a:lvl2pPr marL="457200" indent="0">
+            <a:lvl2pPr marL="599984" indent="0">
               <a:buNone/>
-              <a:defRPr sz="1400"/>
+              <a:defRPr sz="1837"/>
             </a:lvl2pPr>
-            <a:lvl3pPr marL="914400" indent="0">
+            <a:lvl3pPr marL="1199967" indent="0">
               <a:buNone/>
-              <a:defRPr sz="1200"/>
+              <a:defRPr sz="1575"/>
             </a:lvl3pPr>
-            <a:lvl4pPr marL="1371600" indent="0">
+            <a:lvl4pPr marL="1799951" indent="0">
               <a:buNone/>
-              <a:defRPr sz="1000"/>
+              <a:defRPr sz="1312"/>
             </a:lvl4pPr>
-            <a:lvl5pPr marL="1828800" indent="0">
+            <a:lvl5pPr marL="2399934" indent="0">
               <a:buNone/>
-              <a:defRPr sz="1000"/>
+              <a:defRPr sz="1312"/>
             </a:lvl5pPr>
-            <a:lvl6pPr marL="2286000" indent="0">
+            <a:lvl6pPr marL="2999918" indent="0">
               <a:buNone/>
-              <a:defRPr sz="1000"/>
+              <a:defRPr sz="1312"/>
             </a:lvl6pPr>
-            <a:lvl7pPr marL="2743200" indent="0">
+            <a:lvl7pPr marL="3599901" indent="0">
               <a:buNone/>
-              <a:defRPr sz="1000"/>
+              <a:defRPr sz="1312"/>
             </a:lvl7pPr>
-            <a:lvl8pPr marL="3200400" indent="0">
+            <a:lvl8pPr marL="4199885" indent="0">
               <a:buNone/>
-              <a:defRPr sz="1000"/>
+              <a:defRPr sz="1312"/>
             </a:lvl8pPr>
-            <a:lvl9pPr marL="3657600" indent="0">
+            <a:lvl9pPr marL="4799868" indent="0">
               <a:buNone/>
-              <a:defRPr sz="1000"/>
+              <a:defRPr sz="1312"/>
             </a:lvl9pPr>
           </a:lstStyle>
           <a:p>
@@ -2668,13 +2354,7 @@
       </p:sp>
       <p:sp>
         <p:nvSpPr>
-          <p:cNvPr id="5" name="Marcador de fecha 4">
-            <a:extLst>
-              <a:ext uri="{FF2B5EF4-FFF2-40B4-BE49-F238E27FC236}">
-                <a16:creationId xmlns:a16="http://schemas.microsoft.com/office/drawing/2014/main" id="{49445225-5D7B-45A6-9A9B-AA4BED14C500}"/>
-              </a:ext>
-            </a:extLst>
-          </p:cNvPr>
+          <p:cNvPr id="5" name="Date Placeholder 4"/>
           <p:cNvSpPr>
             <a:spLocks noGrp="1"/>
           </p:cNvSpPr>
@@ -2689,7 +2369,7 @@
           <a:p>
             <a:fld id="{2F57117F-21EA-4F0F-8EAD-57836432C340}" type="datetimeFigureOut">
               <a:rPr lang="es-MX" smtClean="0"/>
-              <a:t>10/05/2020</a:t>
+              <a:t>11/06/2020</a:t>
             </a:fld>
             <a:endParaRPr lang="es-MX"/>
           </a:p>
@@ -2697,13 +2377,7 @@
       </p:sp>
       <p:sp>
         <p:nvSpPr>
-          <p:cNvPr id="6" name="Marcador de pie de página 5">
-            <a:extLst>
-              <a:ext uri="{FF2B5EF4-FFF2-40B4-BE49-F238E27FC236}">
-                <a16:creationId xmlns:a16="http://schemas.microsoft.com/office/drawing/2014/main" id="{30836E2B-0315-4417-8185-94866B1C443C}"/>
-              </a:ext>
-            </a:extLst>
-          </p:cNvPr>
+          <p:cNvPr id="6" name="Footer Placeholder 5"/>
           <p:cNvSpPr>
             <a:spLocks noGrp="1"/>
           </p:cNvSpPr>
@@ -2722,13 +2396,7 @@
       </p:sp>
       <p:sp>
         <p:nvSpPr>
-          <p:cNvPr id="7" name="Marcador de número de diapositiva 6">
-            <a:extLst>
-              <a:ext uri="{FF2B5EF4-FFF2-40B4-BE49-F238E27FC236}">
-                <a16:creationId xmlns:a16="http://schemas.microsoft.com/office/drawing/2014/main" id="{D7861BAF-5B3C-49B6-9BC6-6B6D599E7A34}"/>
-              </a:ext>
-            </a:extLst>
-          </p:cNvPr>
+          <p:cNvPr id="7" name="Slide Number Placeholder 6"/>
           <p:cNvSpPr>
             <a:spLocks noGrp="1"/>
           </p:cNvSpPr>
@@ -2752,7 +2420,7 @@
     </p:spTree>
     <p:extLst>
       <p:ext uri="{BB962C8B-B14F-4D97-AF65-F5344CB8AC3E}">
-        <p14:creationId xmlns:p14="http://schemas.microsoft.com/office/powerpoint/2010/main" val="1116597400"/>
+        <p14:creationId xmlns:p14="http://schemas.microsoft.com/office/powerpoint/2010/main" val="1253410886"/>
       </p:ext>
     </p:extLst>
   </p:cSld>
@@ -2786,13 +2454,7 @@
       </p:grpSpPr>
       <p:sp>
         <p:nvSpPr>
-          <p:cNvPr id="2" name="Marcador de título 1">
-            <a:extLst>
-              <a:ext uri="{FF2B5EF4-FFF2-40B4-BE49-F238E27FC236}">
-                <a16:creationId xmlns:a16="http://schemas.microsoft.com/office/drawing/2014/main" id="{9A9E2060-2989-49C2-B753-01A8D827D0E2}"/>
-              </a:ext>
-            </a:extLst>
-          </p:cNvPr>
+          <p:cNvPr id="2" name="Title Placeholder 1"/>
           <p:cNvSpPr>
             <a:spLocks noGrp="1"/>
           </p:cNvSpPr>
@@ -2802,8 +2464,8 @@
         </p:nvSpPr>
         <p:spPr>
           <a:xfrm>
-            <a:off x="838200" y="365125"/>
-            <a:ext cx="10515600" cy="1325563"/>
+            <a:off x="1237546" y="479143"/>
+            <a:ext cx="15525572" cy="1739495"/>
           </a:xfrm>
           <a:prstGeom prst="rect">
             <a:avLst/>
@@ -2819,19 +2481,13 @@
               <a:rPr lang="es-ES"/>
               <a:t>Haga clic para modificar el estilo de título del patrón</a:t>
             </a:r>
-            <a:endParaRPr lang="es-MX"/>
+            <a:endParaRPr lang="en-US" dirty="0"/>
           </a:p>
         </p:txBody>
       </p:sp>
       <p:sp>
         <p:nvSpPr>
-          <p:cNvPr id="3" name="Marcador de texto 2">
-            <a:extLst>
-              <a:ext uri="{FF2B5EF4-FFF2-40B4-BE49-F238E27FC236}">
-                <a16:creationId xmlns:a16="http://schemas.microsoft.com/office/drawing/2014/main" id="{57CD171C-18D5-44F8-9A65-48B4BD355576}"/>
-              </a:ext>
-            </a:extLst>
-          </p:cNvPr>
+          <p:cNvPr id="3" name="Text Placeholder 2"/>
           <p:cNvSpPr>
             <a:spLocks noGrp="1"/>
           </p:cNvSpPr>
@@ -2841,8 +2497,8 @@
         </p:nvSpPr>
         <p:spPr>
           <a:xfrm>
-            <a:off x="838200" y="1825625"/>
-            <a:ext cx="10515600" cy="4351338"/>
+            <a:off x="1237546" y="2395710"/>
+            <a:ext cx="15525572" cy="5710124"/>
           </a:xfrm>
           <a:prstGeom prst="rect">
             <a:avLst/>
@@ -2887,19 +2543,13 @@
               <a:rPr lang="es-ES"/>
               <a:t>Quinto nivel</a:t>
             </a:r>
-            <a:endParaRPr lang="es-MX"/>
+            <a:endParaRPr lang="en-US" dirty="0"/>
           </a:p>
         </p:txBody>
       </p:sp>
       <p:sp>
         <p:nvSpPr>
-          <p:cNvPr id="4" name="Marcador de fecha 3">
-            <a:extLst>
-              <a:ext uri="{FF2B5EF4-FFF2-40B4-BE49-F238E27FC236}">
-                <a16:creationId xmlns:a16="http://schemas.microsoft.com/office/drawing/2014/main" id="{5BA218DD-E1DC-4DF0-94E3-53749E66C726}"/>
-              </a:ext>
-            </a:extLst>
-          </p:cNvPr>
+          <p:cNvPr id="4" name="Date Placeholder 3"/>
           <p:cNvSpPr>
             <a:spLocks noGrp="1"/>
           </p:cNvSpPr>
@@ -2909,8 +2559,8 @@
         </p:nvSpPr>
         <p:spPr>
           <a:xfrm>
-            <a:off x="838200" y="6356350"/>
-            <a:ext cx="2743200" cy="365125"/>
+            <a:off x="1237546" y="8341239"/>
+            <a:ext cx="4050149" cy="479142"/>
           </a:xfrm>
           <a:prstGeom prst="rect">
             <a:avLst/>
@@ -2920,7 +2570,7 @@
           <a:bodyPr vert="horz" lIns="91440" tIns="45720" rIns="91440" bIns="45720" rtlCol="0" anchor="ctr"/>
           <a:lstStyle>
             <a:lvl1pPr algn="l">
-              <a:defRPr sz="1200">
+              <a:defRPr sz="1575">
                 <a:solidFill>
                   <a:schemeClr val="tx1">
                     <a:tint val="75000"/>
@@ -2932,7 +2582,7 @@
           <a:p>
             <a:fld id="{2F57117F-21EA-4F0F-8EAD-57836432C340}" type="datetimeFigureOut">
               <a:rPr lang="es-MX" smtClean="0"/>
-              <a:t>10/05/2020</a:t>
+              <a:t>11/06/2020</a:t>
             </a:fld>
             <a:endParaRPr lang="es-MX"/>
           </a:p>
@@ -2940,13 +2590,7 @@
       </p:sp>
       <p:sp>
         <p:nvSpPr>
-          <p:cNvPr id="5" name="Marcador de pie de página 4">
-            <a:extLst>
-              <a:ext uri="{FF2B5EF4-FFF2-40B4-BE49-F238E27FC236}">
-                <a16:creationId xmlns:a16="http://schemas.microsoft.com/office/drawing/2014/main" id="{35458F29-FC61-47B4-A64C-1AC94B2A3C01}"/>
-              </a:ext>
-            </a:extLst>
-          </p:cNvPr>
+          <p:cNvPr id="5" name="Footer Placeholder 4"/>
           <p:cNvSpPr>
             <a:spLocks noGrp="1"/>
           </p:cNvSpPr>
@@ -2956,8 +2600,8 @@
         </p:nvSpPr>
         <p:spPr>
           <a:xfrm>
-            <a:off x="4038600" y="6356350"/>
-            <a:ext cx="4114800" cy="365125"/>
+            <a:off x="5962720" y="8341239"/>
+            <a:ext cx="6075224" cy="479142"/>
           </a:xfrm>
           <a:prstGeom prst="rect">
             <a:avLst/>
@@ -2967,7 +2611,7 @@
           <a:bodyPr vert="horz" lIns="91440" tIns="45720" rIns="91440" bIns="45720" rtlCol="0" anchor="ctr"/>
           <a:lstStyle>
             <a:lvl1pPr algn="ctr">
-              <a:defRPr sz="1200">
+              <a:defRPr sz="1575">
                 <a:solidFill>
                   <a:schemeClr val="tx1">
                     <a:tint val="75000"/>
@@ -2983,13 +2627,7 @@
       </p:sp>
       <p:sp>
         <p:nvSpPr>
-          <p:cNvPr id="6" name="Marcador de número de diapositiva 5">
-            <a:extLst>
-              <a:ext uri="{FF2B5EF4-FFF2-40B4-BE49-F238E27FC236}">
-                <a16:creationId xmlns:a16="http://schemas.microsoft.com/office/drawing/2014/main" id="{B5B46C91-37AE-4669-8EAD-3E098658A483}"/>
-              </a:ext>
-            </a:extLst>
-          </p:cNvPr>
+          <p:cNvPr id="6" name="Slide Number Placeholder 5"/>
           <p:cNvSpPr>
             <a:spLocks noGrp="1"/>
           </p:cNvSpPr>
@@ -2999,8 +2637,8 @@
         </p:nvSpPr>
         <p:spPr>
           <a:xfrm>
-            <a:off x="8610600" y="6356350"/>
-            <a:ext cx="2743200" cy="365125"/>
+            <a:off x="12712968" y="8341239"/>
+            <a:ext cx="4050149" cy="479142"/>
           </a:xfrm>
           <a:prstGeom prst="rect">
             <a:avLst/>
@@ -3010,7 +2648,7 @@
           <a:bodyPr vert="horz" lIns="91440" tIns="45720" rIns="91440" bIns="45720" rtlCol="0" anchor="ctr"/>
           <a:lstStyle>
             <a:lvl1pPr algn="r">
-              <a:defRPr sz="1200">
+              <a:defRPr sz="1575">
                 <a:solidFill>
                   <a:schemeClr val="tx1">
                     <a:tint val="75000"/>
@@ -3031,27 +2669,27 @@
     </p:spTree>
     <p:extLst>
       <p:ext uri="{BB962C8B-B14F-4D97-AF65-F5344CB8AC3E}">
-        <p14:creationId xmlns:p14="http://schemas.microsoft.com/office/powerpoint/2010/main" val="631436018"/>
+        <p14:creationId xmlns:p14="http://schemas.microsoft.com/office/powerpoint/2010/main" val="3985363936"/>
       </p:ext>
     </p:extLst>
   </p:cSld>
   <p:clrMap bg1="lt1" tx1="dk1" bg2="lt2" tx2="dk2" accent1="accent1" accent2="accent2" accent3="accent3" accent4="accent4" accent5="accent5" accent6="accent6" hlink="hlink" folHlink="folHlink"/>
   <p:sldLayoutIdLst>
-    <p:sldLayoutId id="2147483649" r:id="rId1"/>
-    <p:sldLayoutId id="2147483650" r:id="rId2"/>
-    <p:sldLayoutId id="2147483651" r:id="rId3"/>
-    <p:sldLayoutId id="2147483652" r:id="rId4"/>
-    <p:sldLayoutId id="2147483653" r:id="rId5"/>
-    <p:sldLayoutId id="2147483654" r:id="rId6"/>
-    <p:sldLayoutId id="2147483655" r:id="rId7"/>
-    <p:sldLayoutId id="2147483656" r:id="rId8"/>
-    <p:sldLayoutId id="2147483657" r:id="rId9"/>
-    <p:sldLayoutId id="2147483658" r:id="rId10"/>
-    <p:sldLayoutId id="2147483659" r:id="rId11"/>
+    <p:sldLayoutId id="2147483673" r:id="rId1"/>
+    <p:sldLayoutId id="2147483674" r:id="rId2"/>
+    <p:sldLayoutId id="2147483675" r:id="rId3"/>
+    <p:sldLayoutId id="2147483676" r:id="rId4"/>
+    <p:sldLayoutId id="2147483677" r:id="rId5"/>
+    <p:sldLayoutId id="2147483678" r:id="rId6"/>
+    <p:sldLayoutId id="2147483679" r:id="rId7"/>
+    <p:sldLayoutId id="2147483680" r:id="rId8"/>
+    <p:sldLayoutId id="2147483681" r:id="rId9"/>
+    <p:sldLayoutId id="2147483682" r:id="rId10"/>
+    <p:sldLayoutId id="2147483683" r:id="rId11"/>
   </p:sldLayoutIdLst>
   <p:txStyles>
     <p:titleStyle>
-      <a:lvl1pPr algn="l" defTabSz="914400" rtl="0" eaLnBrk="1" latinLnBrk="0" hangingPunct="1">
+      <a:lvl1pPr algn="l" defTabSz="1199967" rtl="0" eaLnBrk="1" latinLnBrk="0" hangingPunct="1">
         <a:lnSpc>
           <a:spcPct val="90000"/>
         </a:lnSpc>
@@ -3059,7 +2697,7 @@
           <a:spcPct val="0"/>
         </a:spcBef>
         <a:buNone/>
-        <a:defRPr sz="4400" kern="1200">
+        <a:defRPr sz="5774" kern="1200">
           <a:solidFill>
             <a:schemeClr val="tx1"/>
           </a:solidFill>
@@ -3070,16 +2708,16 @@
       </a:lvl1pPr>
     </p:titleStyle>
     <p:bodyStyle>
-      <a:lvl1pPr marL="228600" indent="-228600" algn="l" defTabSz="914400" rtl="0" eaLnBrk="1" latinLnBrk="0" hangingPunct="1">
+      <a:lvl1pPr marL="299992" indent="-299992" algn="l" defTabSz="1199967" rtl="0" eaLnBrk="1" latinLnBrk="0" hangingPunct="1">
         <a:lnSpc>
           <a:spcPct val="90000"/>
         </a:lnSpc>
         <a:spcBef>
-          <a:spcPts val="1000"/>
+          <a:spcPts val="1312"/>
         </a:spcBef>
         <a:buFont typeface="Arial" panose="020B0604020202020204" pitchFamily="34" charset="0"/>
         <a:buChar char="•"/>
-        <a:defRPr sz="2800" kern="1200">
+        <a:defRPr sz="3674" kern="1200">
           <a:solidFill>
             <a:schemeClr val="tx1"/>
           </a:solidFill>
@@ -3088,16 +2726,16 @@
           <a:cs typeface="+mn-cs"/>
         </a:defRPr>
       </a:lvl1pPr>
-      <a:lvl2pPr marL="685800" indent="-228600" algn="l" defTabSz="914400" rtl="0" eaLnBrk="1" latinLnBrk="0" hangingPunct="1">
+      <a:lvl2pPr marL="899975" indent="-299992" algn="l" defTabSz="1199967" rtl="0" eaLnBrk="1" latinLnBrk="0" hangingPunct="1">
         <a:lnSpc>
           <a:spcPct val="90000"/>
         </a:lnSpc>
         <a:spcBef>
-          <a:spcPts val="500"/>
+          <a:spcPts val="656"/>
         </a:spcBef>
         <a:buFont typeface="Arial" panose="020B0604020202020204" pitchFamily="34" charset="0"/>
         <a:buChar char="•"/>
-        <a:defRPr sz="2400" kern="1200">
+        <a:defRPr sz="3150" kern="1200">
           <a:solidFill>
             <a:schemeClr val="tx1"/>
           </a:solidFill>
@@ -3106,16 +2744,16 @@
           <a:cs typeface="+mn-cs"/>
         </a:defRPr>
       </a:lvl2pPr>
-      <a:lvl3pPr marL="1143000" indent="-228600" algn="l" defTabSz="914400" rtl="0" eaLnBrk="1" latinLnBrk="0" hangingPunct="1">
+      <a:lvl3pPr marL="1499959" indent="-299992" algn="l" defTabSz="1199967" rtl="0" eaLnBrk="1" latinLnBrk="0" hangingPunct="1">
         <a:lnSpc>
           <a:spcPct val="90000"/>
         </a:lnSpc>
         <a:spcBef>
-          <a:spcPts val="500"/>
+          <a:spcPts val="656"/>
         </a:spcBef>
         <a:buFont typeface="Arial" panose="020B0604020202020204" pitchFamily="34" charset="0"/>
         <a:buChar char="•"/>
-        <a:defRPr sz="2000" kern="1200">
+        <a:defRPr sz="2625" kern="1200">
           <a:solidFill>
             <a:schemeClr val="tx1"/>
           </a:solidFill>
@@ -3124,16 +2762,16 @@
           <a:cs typeface="+mn-cs"/>
         </a:defRPr>
       </a:lvl3pPr>
-      <a:lvl4pPr marL="1600200" indent="-228600" algn="l" defTabSz="914400" rtl="0" eaLnBrk="1" latinLnBrk="0" hangingPunct="1">
+      <a:lvl4pPr marL="2099942" indent="-299992" algn="l" defTabSz="1199967" rtl="0" eaLnBrk="1" latinLnBrk="0" hangingPunct="1">
         <a:lnSpc>
           <a:spcPct val="90000"/>
         </a:lnSpc>
         <a:spcBef>
-          <a:spcPts val="500"/>
+          <a:spcPts val="656"/>
         </a:spcBef>
         <a:buFont typeface="Arial" panose="020B0604020202020204" pitchFamily="34" charset="0"/>
         <a:buChar char="•"/>
-        <a:defRPr sz="1800" kern="1200">
+        <a:defRPr sz="2362" kern="1200">
           <a:solidFill>
             <a:schemeClr val="tx1"/>
           </a:solidFill>
@@ -3142,16 +2780,16 @@
           <a:cs typeface="+mn-cs"/>
         </a:defRPr>
       </a:lvl4pPr>
-      <a:lvl5pPr marL="2057400" indent="-228600" algn="l" defTabSz="914400" rtl="0" eaLnBrk="1" latinLnBrk="0" hangingPunct="1">
+      <a:lvl5pPr marL="2699926" indent="-299992" algn="l" defTabSz="1199967" rtl="0" eaLnBrk="1" latinLnBrk="0" hangingPunct="1">
         <a:lnSpc>
           <a:spcPct val="90000"/>
         </a:lnSpc>
         <a:spcBef>
-          <a:spcPts val="500"/>
+          <a:spcPts val="656"/>
         </a:spcBef>
         <a:buFont typeface="Arial" panose="020B0604020202020204" pitchFamily="34" charset="0"/>
         <a:buChar char="•"/>
-        <a:defRPr sz="1800" kern="1200">
+        <a:defRPr sz="2362" kern="1200">
           <a:solidFill>
             <a:schemeClr val="tx1"/>
           </a:solidFill>
@@ -3160,16 +2798,16 @@
           <a:cs typeface="+mn-cs"/>
         </a:defRPr>
       </a:lvl5pPr>
-      <a:lvl6pPr marL="2514600" indent="-228600" algn="l" defTabSz="914400" rtl="0" eaLnBrk="1" latinLnBrk="0" hangingPunct="1">
+      <a:lvl6pPr marL="3299910" indent="-299992" algn="l" defTabSz="1199967" rtl="0" eaLnBrk="1" latinLnBrk="0" hangingPunct="1">
         <a:lnSpc>
           <a:spcPct val="90000"/>
         </a:lnSpc>
         <a:spcBef>
-          <a:spcPts val="500"/>
+          <a:spcPts val="656"/>
         </a:spcBef>
         <a:buFont typeface="Arial" panose="020B0604020202020204" pitchFamily="34" charset="0"/>
         <a:buChar char="•"/>
-        <a:defRPr sz="1800" kern="1200">
+        <a:defRPr sz="2362" kern="1200">
           <a:solidFill>
             <a:schemeClr val="tx1"/>
           </a:solidFill>
@@ -3178,16 +2816,16 @@
           <a:cs typeface="+mn-cs"/>
         </a:defRPr>
       </a:lvl6pPr>
-      <a:lvl7pPr marL="2971800" indent="-228600" algn="l" defTabSz="914400" rtl="0" eaLnBrk="1" latinLnBrk="0" hangingPunct="1">
+      <a:lvl7pPr marL="3899893" indent="-299992" algn="l" defTabSz="1199967" rtl="0" eaLnBrk="1" latinLnBrk="0" hangingPunct="1">
         <a:lnSpc>
           <a:spcPct val="90000"/>
         </a:lnSpc>
         <a:spcBef>
-          <a:spcPts val="500"/>
+          <a:spcPts val="656"/>
         </a:spcBef>
         <a:buFont typeface="Arial" panose="020B0604020202020204" pitchFamily="34" charset="0"/>
         <a:buChar char="•"/>
-        <a:defRPr sz="1800" kern="1200">
+        <a:defRPr sz="2362" kern="1200">
           <a:solidFill>
             <a:schemeClr val="tx1"/>
           </a:solidFill>
@@ -3196,16 +2834,16 @@
           <a:cs typeface="+mn-cs"/>
         </a:defRPr>
       </a:lvl7pPr>
-      <a:lvl8pPr marL="3429000" indent="-228600" algn="l" defTabSz="914400" rtl="0" eaLnBrk="1" latinLnBrk="0" hangingPunct="1">
+      <a:lvl8pPr marL="4499877" indent="-299992" algn="l" defTabSz="1199967" rtl="0" eaLnBrk="1" latinLnBrk="0" hangingPunct="1">
         <a:lnSpc>
           <a:spcPct val="90000"/>
         </a:lnSpc>
         <a:spcBef>
-          <a:spcPts val="500"/>
+          <a:spcPts val="656"/>
         </a:spcBef>
         <a:buFont typeface="Arial" panose="020B0604020202020204" pitchFamily="34" charset="0"/>
         <a:buChar char="•"/>
-        <a:defRPr sz="1800" kern="1200">
+        <a:defRPr sz="2362" kern="1200">
           <a:solidFill>
             <a:schemeClr val="tx1"/>
           </a:solidFill>
@@ -3214,16 +2852,16 @@
           <a:cs typeface="+mn-cs"/>
         </a:defRPr>
       </a:lvl8pPr>
-      <a:lvl9pPr marL="3886200" indent="-228600" algn="l" defTabSz="914400" rtl="0" eaLnBrk="1" latinLnBrk="0" hangingPunct="1">
+      <a:lvl9pPr marL="5099860" indent="-299992" algn="l" defTabSz="1199967" rtl="0" eaLnBrk="1" latinLnBrk="0" hangingPunct="1">
         <a:lnSpc>
           <a:spcPct val="90000"/>
         </a:lnSpc>
         <a:spcBef>
-          <a:spcPts val="500"/>
+          <a:spcPts val="656"/>
         </a:spcBef>
         <a:buFont typeface="Arial" panose="020B0604020202020204" pitchFamily="34" charset="0"/>
         <a:buChar char="•"/>
-        <a:defRPr sz="1800" kern="1200">
+        <a:defRPr sz="2362" kern="1200">
           <a:solidFill>
             <a:schemeClr val="tx1"/>
           </a:solidFill>
@@ -3235,10 +2873,10 @@
     </p:bodyStyle>
     <p:otherStyle>
       <a:defPPr>
-        <a:defRPr lang="es-MX"/>
+        <a:defRPr lang="en-US"/>
       </a:defPPr>
-      <a:lvl1pPr marL="0" algn="l" defTabSz="914400" rtl="0" eaLnBrk="1" latinLnBrk="0" hangingPunct="1">
-        <a:defRPr sz="1800" kern="1200">
+      <a:lvl1pPr marL="0" algn="l" defTabSz="1199967" rtl="0" eaLnBrk="1" latinLnBrk="0" hangingPunct="1">
+        <a:defRPr sz="2362" kern="1200">
           <a:solidFill>
             <a:schemeClr val="tx1"/>
           </a:solidFill>
@@ -3247,8 +2885,8 @@
           <a:cs typeface="+mn-cs"/>
         </a:defRPr>
       </a:lvl1pPr>
-      <a:lvl2pPr marL="457200" algn="l" defTabSz="914400" rtl="0" eaLnBrk="1" latinLnBrk="0" hangingPunct="1">
-        <a:defRPr sz="1800" kern="1200">
+      <a:lvl2pPr marL="599984" algn="l" defTabSz="1199967" rtl="0" eaLnBrk="1" latinLnBrk="0" hangingPunct="1">
+        <a:defRPr sz="2362" kern="1200">
           <a:solidFill>
             <a:schemeClr val="tx1"/>
           </a:solidFill>
@@ -3257,8 +2895,8 @@
           <a:cs typeface="+mn-cs"/>
         </a:defRPr>
       </a:lvl2pPr>
-      <a:lvl3pPr marL="914400" algn="l" defTabSz="914400" rtl="0" eaLnBrk="1" latinLnBrk="0" hangingPunct="1">
-        <a:defRPr sz="1800" kern="1200">
+      <a:lvl3pPr marL="1199967" algn="l" defTabSz="1199967" rtl="0" eaLnBrk="1" latinLnBrk="0" hangingPunct="1">
+        <a:defRPr sz="2362" kern="1200">
           <a:solidFill>
             <a:schemeClr val="tx1"/>
           </a:solidFill>
@@ -3267,8 +2905,8 @@
           <a:cs typeface="+mn-cs"/>
         </a:defRPr>
       </a:lvl3pPr>
-      <a:lvl4pPr marL="1371600" algn="l" defTabSz="914400" rtl="0" eaLnBrk="1" latinLnBrk="0" hangingPunct="1">
-        <a:defRPr sz="1800" kern="1200">
+      <a:lvl4pPr marL="1799951" algn="l" defTabSz="1199967" rtl="0" eaLnBrk="1" latinLnBrk="0" hangingPunct="1">
+        <a:defRPr sz="2362" kern="1200">
           <a:solidFill>
             <a:schemeClr val="tx1"/>
           </a:solidFill>
@@ -3277,8 +2915,8 @@
           <a:cs typeface="+mn-cs"/>
         </a:defRPr>
       </a:lvl4pPr>
-      <a:lvl5pPr marL="1828800" algn="l" defTabSz="914400" rtl="0" eaLnBrk="1" latinLnBrk="0" hangingPunct="1">
-        <a:defRPr sz="1800" kern="1200">
+      <a:lvl5pPr marL="2399934" algn="l" defTabSz="1199967" rtl="0" eaLnBrk="1" latinLnBrk="0" hangingPunct="1">
+        <a:defRPr sz="2362" kern="1200">
           <a:solidFill>
             <a:schemeClr val="tx1"/>
           </a:solidFill>
@@ -3287,8 +2925,8 @@
           <a:cs typeface="+mn-cs"/>
         </a:defRPr>
       </a:lvl5pPr>
-      <a:lvl6pPr marL="2286000" algn="l" defTabSz="914400" rtl="0" eaLnBrk="1" latinLnBrk="0" hangingPunct="1">
-        <a:defRPr sz="1800" kern="1200">
+      <a:lvl6pPr marL="2999918" algn="l" defTabSz="1199967" rtl="0" eaLnBrk="1" latinLnBrk="0" hangingPunct="1">
+        <a:defRPr sz="2362" kern="1200">
           <a:solidFill>
             <a:schemeClr val="tx1"/>
           </a:solidFill>
@@ -3297,8 +2935,8 @@
           <a:cs typeface="+mn-cs"/>
         </a:defRPr>
       </a:lvl6pPr>
-      <a:lvl7pPr marL="2743200" algn="l" defTabSz="914400" rtl="0" eaLnBrk="1" latinLnBrk="0" hangingPunct="1">
-        <a:defRPr sz="1800" kern="1200">
+      <a:lvl7pPr marL="3599901" algn="l" defTabSz="1199967" rtl="0" eaLnBrk="1" latinLnBrk="0" hangingPunct="1">
+        <a:defRPr sz="2362" kern="1200">
           <a:solidFill>
             <a:schemeClr val="tx1"/>
           </a:solidFill>
@@ -3307,8 +2945,8 @@
           <a:cs typeface="+mn-cs"/>
         </a:defRPr>
       </a:lvl7pPr>
-      <a:lvl8pPr marL="3200400" algn="l" defTabSz="914400" rtl="0" eaLnBrk="1" latinLnBrk="0" hangingPunct="1">
-        <a:defRPr sz="1800" kern="1200">
+      <a:lvl8pPr marL="4199885" algn="l" defTabSz="1199967" rtl="0" eaLnBrk="1" latinLnBrk="0" hangingPunct="1">
+        <a:defRPr sz="2362" kern="1200">
           <a:solidFill>
             <a:schemeClr val="tx1"/>
           </a:solidFill>
@@ -3317,8 +2955,8 @@
           <a:cs typeface="+mn-cs"/>
         </a:defRPr>
       </a:lvl8pPr>
-      <a:lvl9pPr marL="3657600" algn="l" defTabSz="914400" rtl="0" eaLnBrk="1" latinLnBrk="0" hangingPunct="1">
-        <a:defRPr sz="1800" kern="1200">
+      <a:lvl9pPr marL="4799868" algn="l" defTabSz="1199967" rtl="0" eaLnBrk="1" latinLnBrk="0" hangingPunct="1">
+        <a:defRPr sz="2362" kern="1200">
           <a:solidFill>
             <a:schemeClr val="tx1"/>
           </a:solidFill>
@@ -3363,8 +3001,8 @@
         </p:nvGrpSpPr>
         <p:grpSpPr>
           <a:xfrm>
-            <a:off x="801664" y="871433"/>
-            <a:ext cx="9174273" cy="4251711"/>
+            <a:off x="3789639" y="1982609"/>
+            <a:ext cx="9029332" cy="4184540"/>
             <a:chOff x="801664" y="871433"/>
             <a:chExt cx="9174273" cy="4251711"/>
           </a:xfrm>
@@ -3517,7 +3155,7 @@
                   <a:lstStyle/>
                   <a:p>
                     <a:pPr algn="ctr"/>
-                    <a:endParaRPr lang="es-MX" dirty="0"/>
+                    <a:endParaRPr lang="es-MX" sz="1771" dirty="0"/>
                   </a:p>
                 </p:txBody>
               </p:sp>
@@ -3599,10 +3237,10 @@
                   <a:lstStyle/>
                   <a:p>
                     <a:r>
-                      <a:rPr lang="es-ES" sz="2400" b="1" dirty="0"/>
+                      <a:rPr lang="es-ES" sz="2363" b="1" dirty="0"/>
                       <a:t>Simulink</a:t>
                     </a:r>
-                    <a:endParaRPr lang="es-MX" sz="2400" b="1" dirty="0"/>
+                    <a:endParaRPr lang="es-MX" sz="2363" b="1" dirty="0"/>
                   </a:p>
                 </p:txBody>
               </p:sp>
@@ -3651,14 +3289,14 @@
                   <a:p>
                     <a:pPr algn="ctr"/>
                     <a:r>
-                      <a:rPr lang="es-ES" b="1" dirty="0">
+                      <a:rPr lang="es-ES" sz="1771" b="1" dirty="0">
                         <a:solidFill>
                           <a:schemeClr val="tx1"/>
                         </a:solidFill>
                       </a:rPr>
                       <a:t>Prototipo de adquisición</a:t>
                     </a:r>
-                    <a:endParaRPr lang="es-MX" b="1" dirty="0">
+                    <a:endParaRPr lang="es-MX" sz="1771" b="1" dirty="0">
                       <a:solidFill>
                         <a:schemeClr val="tx1"/>
                       </a:solidFill>
@@ -3711,7 +3349,7 @@
                   </a:fontRef>
                 </p:style>
                 <p:txBody>
-                  <a:bodyPr rot="0" spcFirstLastPara="0" vertOverflow="overflow" horzOverflow="overflow" vert="horz" wrap="square" lIns="91440" tIns="45720" rIns="91440" bIns="45720" numCol="1" spcCol="0" rtlCol="0" fromWordArt="0" anchor="ctr" anchorCtr="0" forceAA="0" compatLnSpc="1">
+                  <a:bodyPr rot="0" spcFirstLastPara="0" vertOverflow="overflow" horzOverflow="overflow" vert="horz" wrap="square" lIns="89996" tIns="44997" rIns="89996" bIns="44997" numCol="1" spcCol="0" rtlCol="0" fromWordArt="0" anchor="ctr" anchorCtr="0" forceAA="0" compatLnSpc="1">
                     <a:prstTxWarp prst="textNoShape">
                       <a:avLst/>
                     </a:prstTxWarp>
@@ -3721,14 +3359,14 @@
                   <a:p>
                     <a:pPr algn="ctr"/>
                     <a:r>
-                      <a:rPr lang="es-ES" b="1" dirty="0">
+                      <a:rPr lang="es-ES" sz="1771" b="1" dirty="0">
                         <a:solidFill>
                           <a:schemeClr val="tx1"/>
                         </a:solidFill>
                       </a:rPr>
                       <a:t>Procesamiento EMG</a:t>
                     </a:r>
-                    <a:endParaRPr lang="es-MX" b="1" dirty="0">
+                    <a:endParaRPr lang="es-MX" sz="1771" b="1" dirty="0">
                       <a:solidFill>
                         <a:schemeClr val="tx1"/>
                       </a:solidFill>
@@ -3781,7 +3419,7 @@
                   </a:fontRef>
                 </p:style>
                 <p:txBody>
-                  <a:bodyPr rot="0" spcFirstLastPara="0" vertOverflow="overflow" horzOverflow="overflow" vert="horz" wrap="square" lIns="91440" tIns="45720" rIns="91440" bIns="45720" numCol="1" spcCol="0" rtlCol="0" fromWordArt="0" anchor="ctr" anchorCtr="0" forceAA="0" compatLnSpc="1">
+                  <a:bodyPr rot="0" spcFirstLastPara="0" vertOverflow="overflow" horzOverflow="overflow" vert="horz" wrap="square" lIns="89996" tIns="44997" rIns="89996" bIns="44997" numCol="1" spcCol="0" rtlCol="0" fromWordArt="0" anchor="ctr" anchorCtr="0" forceAA="0" compatLnSpc="1">
                     <a:prstTxWarp prst="textNoShape">
                       <a:avLst/>
                     </a:prstTxWarp>
@@ -3791,14 +3429,14 @@
                   <a:p>
                     <a:pPr algn="ctr"/>
                     <a:r>
-                      <a:rPr lang="es-ES" b="1" dirty="0">
+                      <a:rPr lang="es-ES" sz="1771" b="1" dirty="0">
                         <a:solidFill>
                           <a:schemeClr val="tx1"/>
                         </a:solidFill>
                       </a:rPr>
                       <a:t>Esquema de control</a:t>
                     </a:r>
-                    <a:endParaRPr lang="es-MX" b="1" dirty="0">
+                    <a:endParaRPr lang="es-MX" sz="1771" b="1" dirty="0">
                       <a:solidFill>
                         <a:schemeClr val="tx1"/>
                       </a:solidFill>
@@ -3848,7 +3486,7 @@
                   </a:fontRef>
                 </p:style>
                 <p:txBody>
-                  <a:bodyPr rot="0" spcFirstLastPara="0" vertOverflow="overflow" horzOverflow="overflow" vert="horz" wrap="square" lIns="91440" tIns="45720" rIns="91440" bIns="45720" numCol="1" spcCol="0" rtlCol="0" fromWordArt="0" anchor="ctr" anchorCtr="0" forceAA="0" compatLnSpc="1">
+                  <a:bodyPr rot="0" spcFirstLastPara="0" vertOverflow="overflow" horzOverflow="overflow" vert="horz" wrap="square" lIns="89996" tIns="44997" rIns="89996" bIns="44997" numCol="1" spcCol="0" rtlCol="0" fromWordArt="0" anchor="ctr" anchorCtr="0" forceAA="0" compatLnSpc="1">
                     <a:prstTxWarp prst="textNoShape">
                       <a:avLst/>
                     </a:prstTxWarp>
@@ -3858,7 +3496,7 @@
                   <a:p>
                     <a:pPr algn="ctr"/>
                     <a:r>
-                      <a:rPr lang="es-ES" b="1" dirty="0">
+                      <a:rPr lang="es-ES" sz="1771" b="1" dirty="0">
                         <a:solidFill>
                           <a:schemeClr val="tx1"/>
                         </a:solidFill>
@@ -3869,7 +3507,7 @@
                   <a:p>
                     <a:pPr algn="ctr"/>
                     <a:r>
-                      <a:rPr lang="es-ES" b="1" dirty="0" err="1">
+                      <a:rPr lang="es-ES" sz="1771" b="1" dirty="0" err="1">
                         <a:solidFill>
                           <a:schemeClr val="tx1"/>
                         </a:solidFill>
@@ -3877,7 +3515,7 @@
                       <a:t>Reha</a:t>
                     </a:r>
                     <a:r>
-                      <a:rPr lang="es-ES" b="1" dirty="0">
+                      <a:rPr lang="es-ES" sz="1771" b="1" dirty="0">
                         <a:solidFill>
                           <a:schemeClr val="tx1"/>
                         </a:solidFill>
@@ -3885,7 +3523,7 @@
                       <a:t> </a:t>
                     </a:r>
                     <a:r>
-                      <a:rPr lang="es-ES" b="1" dirty="0" err="1">
+                      <a:rPr lang="es-ES" sz="1771" b="1" dirty="0" err="1">
                         <a:solidFill>
                           <a:schemeClr val="tx1"/>
                         </a:solidFill>
@@ -3893,14 +3531,14 @@
                       <a:t>Stim</a:t>
                     </a:r>
                     <a:r>
-                      <a:rPr lang="es-ES" b="1" dirty="0">
+                      <a:rPr lang="es-ES" sz="1771" b="1" dirty="0">
                         <a:solidFill>
                           <a:schemeClr val="tx1"/>
                         </a:solidFill>
                       </a:rPr>
                       <a:t> 2</a:t>
                     </a:r>
-                    <a:endParaRPr lang="es-MX" b="1" dirty="0">
+                    <a:endParaRPr lang="es-MX" sz="1771" b="1" dirty="0">
                       <a:solidFill>
                         <a:schemeClr val="tx1"/>
                       </a:solidFill>
@@ -4083,7 +3721,7 @@
                   <a:lstStyle/>
                   <a:p>
                     <a:pPr algn="ctr"/>
-                    <a:endParaRPr lang="es-MX"/>
+                    <a:endParaRPr lang="es-MX" sz="1771"/>
                   </a:p>
                 </p:txBody>
               </p:sp>
@@ -4129,7 +3767,7 @@
                   <a:lstStyle/>
                   <a:p>
                     <a:pPr algn="ctr"/>
-                    <a:endParaRPr lang="es-MX"/>
+                    <a:endParaRPr lang="es-MX" sz="1771"/>
                   </a:p>
                 </p:txBody>
               </p:sp>
@@ -4175,7 +3813,7 @@
                   <a:lstStyle/>
                   <a:p>
                     <a:pPr algn="ctr"/>
-                    <a:endParaRPr lang="es-MX"/>
+                    <a:endParaRPr lang="es-MX" sz="1771"/>
                   </a:p>
                 </p:txBody>
               </p:sp>
@@ -4221,7 +3859,7 @@
                   <a:lstStyle/>
                   <a:p>
                     <a:pPr algn="ctr"/>
-                    <a:endParaRPr lang="es-MX"/>
+                    <a:endParaRPr lang="es-MX" sz="1771"/>
                   </a:p>
                 </p:txBody>
               </p:sp>
@@ -4432,10 +4070,10 @@
                   <a:p>
                     <a:pPr algn="ctr"/>
                     <a:r>
-                      <a:rPr lang="es-ES" dirty="0"/>
+                      <a:rPr lang="es-ES" sz="1771" dirty="0"/>
                       <a:t>Electrodos de registro</a:t>
                     </a:r>
-                    <a:endParaRPr lang="es-MX" dirty="0"/>
+                    <a:endParaRPr lang="es-MX" sz="1771" dirty="0"/>
                   </a:p>
                 </p:txBody>
               </p:sp>
@@ -4469,10 +4107,10 @@
                   <a:p>
                     <a:pPr algn="ctr"/>
                     <a:r>
-                      <a:rPr lang="es-ES" dirty="0"/>
+                      <a:rPr lang="es-ES" sz="1771" dirty="0"/>
                       <a:t>Electrodos de estimulación</a:t>
                     </a:r>
-                    <a:endParaRPr lang="es-MX" dirty="0"/>
+                    <a:endParaRPr lang="es-MX" sz="1771" dirty="0"/>
                   </a:p>
                 </p:txBody>
               </p:sp>
@@ -4516,7 +4154,7 @@
                   </a:fontRef>
                 </p:style>
                 <p:txBody>
-                  <a:bodyPr rot="0" spcFirstLastPara="0" vertOverflow="overflow" horzOverflow="overflow" vert="horz" wrap="square" lIns="91440" tIns="45720" rIns="91440" bIns="45720" numCol="1" spcCol="0" rtlCol="0" fromWordArt="0" anchor="ctr" anchorCtr="0" forceAA="0" compatLnSpc="1">
+                  <a:bodyPr rot="0" spcFirstLastPara="0" vertOverflow="overflow" horzOverflow="overflow" vert="horz" wrap="square" lIns="89996" tIns="44997" rIns="89996" bIns="44997" numCol="1" spcCol="0" rtlCol="0" fromWordArt="0" anchor="ctr" anchorCtr="0" forceAA="0" compatLnSpc="1">
                     <a:prstTxWarp prst="textNoShape">
                       <a:avLst/>
                     </a:prstTxWarp>
@@ -4526,14 +4164,14 @@
                   <a:p>
                     <a:pPr algn="ctr"/>
                     <a:r>
-                      <a:rPr lang="es-ES" b="1" dirty="0">
+                      <a:rPr lang="es-ES" sz="1771" b="1" dirty="0">
                         <a:solidFill>
                           <a:schemeClr val="tx1"/>
                         </a:solidFill>
                       </a:rPr>
                       <a:t>Sensor de fuerza</a:t>
                     </a:r>
-                    <a:endParaRPr lang="es-MX" b="1" dirty="0">
+                    <a:endParaRPr lang="es-MX" sz="1771" b="1" dirty="0">
                       <a:solidFill>
                         <a:schemeClr val="tx1"/>
                       </a:solidFill>
@@ -4670,7 +4308,7 @@
                   <a:lstStyle/>
                   <a:p>
                     <a:pPr algn="ctr"/>
-                    <a:endParaRPr lang="es-MX"/>
+                    <a:endParaRPr lang="es-MX" sz="1771"/>
                   </a:p>
                 </p:txBody>
               </p:sp>
@@ -4704,10 +4342,10 @@
                   <a:p>
                     <a:pPr algn="ctr"/>
                     <a:r>
-                      <a:rPr lang="es-ES" dirty="0"/>
+                      <a:rPr lang="es-ES" sz="1771" dirty="0"/>
                       <a:t>Objeto cilíndrico</a:t>
                     </a:r>
-                    <a:endParaRPr lang="es-MX" dirty="0"/>
+                    <a:endParaRPr lang="es-MX" sz="1771" dirty="0"/>
                   </a:p>
                 </p:txBody>
               </p:sp>
@@ -4753,7 +4391,7 @@
               </a:fontRef>
             </p:style>
             <p:txBody>
-              <a:bodyPr rot="0" spcFirstLastPara="0" vertOverflow="overflow" horzOverflow="overflow" vert="horz" wrap="square" lIns="91440" tIns="45720" rIns="91440" bIns="45720" numCol="1" spcCol="0" rtlCol="0" fromWordArt="0" anchor="ctr" anchorCtr="0" forceAA="0" compatLnSpc="1">
+              <a:bodyPr rot="0" spcFirstLastPara="0" vertOverflow="overflow" horzOverflow="overflow" vert="horz" wrap="square" lIns="89996" tIns="44997" rIns="89996" bIns="44997" numCol="1" spcCol="0" rtlCol="0" fromWordArt="0" anchor="ctr" anchorCtr="0" forceAA="0" compatLnSpc="1">
                 <a:prstTxWarp prst="textNoShape">
                   <a:avLst/>
                 </a:prstTxWarp>
@@ -4763,7 +4401,7 @@
               <a:p>
                 <a:pPr algn="ctr"/>
                 <a:r>
-                  <a:rPr lang="es-ES" b="1">
+                  <a:rPr lang="es-ES" sz="1771" b="1">
                     <a:solidFill>
                       <a:schemeClr val="tx1"/>
                     </a:solidFill>
@@ -4771,14 +4409,14 @@
                   <a:t>Reha Stim</a:t>
                 </a:r>
                 <a:r>
-                  <a:rPr lang="es-ES" b="1" dirty="0">
+                  <a:rPr lang="es-ES" sz="1771" b="1" dirty="0">
                     <a:solidFill>
                       <a:schemeClr val="tx1"/>
                     </a:solidFill>
                   </a:rPr>
                   <a:t> 2</a:t>
                 </a:r>
-                <a:endParaRPr lang="es-MX" b="1" dirty="0">
+                <a:endParaRPr lang="es-MX" sz="1771" b="1" dirty="0">
                   <a:solidFill>
                     <a:schemeClr val="tx1"/>
                   </a:solidFill>
@@ -4888,8 +4526,8 @@
         </p:blipFill>
         <p:spPr>
           <a:xfrm flipH="1">
-            <a:off x="799782" y="2584724"/>
-            <a:ext cx="2279904" cy="2279904"/>
+            <a:off x="3787786" y="3668832"/>
+            <a:ext cx="2243885" cy="2243885"/>
           </a:xfrm>
           <a:prstGeom prst="rect">
             <a:avLst/>
@@ -4924,8 +4562,8 @@
         </p:blipFill>
         <p:spPr>
           <a:xfrm>
-            <a:off x="2216062" y="2588035"/>
-            <a:ext cx="2279904" cy="2279904"/>
+            <a:off x="5181691" y="3672091"/>
+            <a:ext cx="2243885" cy="2243885"/>
           </a:xfrm>
           <a:prstGeom prst="rect">
             <a:avLst/>
@@ -4946,8 +4584,8 @@
         </p:nvSpPr>
         <p:spPr>
           <a:xfrm>
-            <a:off x="6479898" y="967755"/>
-            <a:ext cx="2564295" cy="3995803"/>
+            <a:off x="9378166" y="2077410"/>
+            <a:ext cx="2523783" cy="3932675"/>
           </a:xfrm>
           <a:prstGeom prst="roundRect">
             <a:avLst/>
@@ -4973,7 +4611,7 @@
           <a:lstStyle/>
           <a:p>
             <a:pPr algn="ctr"/>
-            <a:endParaRPr lang="es-MX" dirty="0"/>
+            <a:endParaRPr lang="es-MX" sz="1771" dirty="0"/>
           </a:p>
         </p:txBody>
       </p:sp>
@@ -4991,8 +4629,8 @@
         </p:nvSpPr>
         <p:spPr>
           <a:xfrm>
-            <a:off x="7054037" y="699444"/>
-            <a:ext cx="1284326" cy="461665"/>
+            <a:off x="9943232" y="1813338"/>
+            <a:ext cx="1264035" cy="454371"/>
           </a:xfrm>
           <a:prstGeom prst="rect">
             <a:avLst/>
@@ -5008,10 +4646,10 @@
           <a:lstStyle/>
           <a:p>
             <a:r>
-              <a:rPr lang="es-ES" sz="2400" b="1" dirty="0"/>
+              <a:rPr lang="es-ES" sz="2363" b="1" dirty="0"/>
               <a:t>Simulink</a:t>
             </a:r>
-            <a:endParaRPr lang="es-MX" sz="2400" b="1" dirty="0"/>
+            <a:endParaRPr lang="es-MX" sz="2363" b="1" dirty="0"/>
           </a:p>
         </p:txBody>
       </p:sp>
@@ -5029,8 +4667,8 @@
         </p:nvSpPr>
         <p:spPr>
           <a:xfrm>
-            <a:off x="4358964" y="1487635"/>
-            <a:ext cx="1591200" cy="613776"/>
+            <a:off x="7290738" y="2589075"/>
+            <a:ext cx="1566062" cy="604080"/>
           </a:xfrm>
           <a:prstGeom prst="rect">
             <a:avLst/>
@@ -5060,14 +4698,14 @@
           <a:p>
             <a:pPr algn="ctr"/>
             <a:r>
-              <a:rPr lang="es-ES" b="1" dirty="0">
+              <a:rPr lang="es-ES" sz="1771" b="1" dirty="0">
                 <a:solidFill>
                   <a:schemeClr val="tx1"/>
                 </a:solidFill>
               </a:rPr>
               <a:t>Sistema de adquisición</a:t>
             </a:r>
-            <a:endParaRPr lang="es-MX" b="1" dirty="0">
+            <a:endParaRPr lang="es-MX" sz="1771" b="1" dirty="0">
               <a:solidFill>
                 <a:schemeClr val="tx1"/>
               </a:solidFill>
@@ -5089,8 +4727,8 @@
         </p:nvSpPr>
         <p:spPr>
           <a:xfrm>
-            <a:off x="6782513" y="1487635"/>
-            <a:ext cx="1714824" cy="613776"/>
+            <a:off x="9675998" y="2589075"/>
+            <a:ext cx="1687732" cy="604080"/>
           </a:xfrm>
           <a:prstGeom prst="rect">
             <a:avLst/>
@@ -5120,7 +4758,7 @@
           </a:fontRef>
         </p:style>
         <p:txBody>
-          <a:bodyPr rot="0" spcFirstLastPara="0" vertOverflow="overflow" horzOverflow="overflow" vert="horz" wrap="square" lIns="91440" tIns="45720" rIns="91440" bIns="45720" numCol="1" spcCol="0" rtlCol="0" fromWordArt="0" anchor="ctr" anchorCtr="0" forceAA="0" compatLnSpc="1">
+          <a:bodyPr rot="0" spcFirstLastPara="0" vertOverflow="overflow" horzOverflow="overflow" vert="horz" wrap="square" lIns="89996" tIns="44997" rIns="89996" bIns="44997" numCol="1" spcCol="0" rtlCol="0" fromWordArt="0" anchor="ctr" anchorCtr="0" forceAA="0" compatLnSpc="1">
             <a:prstTxWarp prst="textNoShape">
               <a:avLst/>
             </a:prstTxWarp>
@@ -5130,14 +4768,14 @@
           <a:p>
             <a:pPr algn="ctr"/>
             <a:r>
-              <a:rPr lang="es-ES" b="1" dirty="0">
+              <a:rPr lang="es-ES" sz="1771" b="1" dirty="0">
                 <a:solidFill>
                   <a:schemeClr val="tx1"/>
                 </a:solidFill>
               </a:rPr>
               <a:t>Procesamiento EMG</a:t>
             </a:r>
-            <a:endParaRPr lang="es-MX" b="1" dirty="0">
+            <a:endParaRPr lang="es-MX" sz="1771" b="1" dirty="0">
               <a:solidFill>
                 <a:schemeClr val="tx1"/>
               </a:solidFill>
@@ -5159,8 +4797,8 @@
         </p:nvSpPr>
         <p:spPr>
           <a:xfrm>
-            <a:off x="6906532" y="2658769"/>
-            <a:ext cx="1590805" cy="613776"/>
+            <a:off x="9798058" y="3741707"/>
+            <a:ext cx="1565673" cy="604080"/>
           </a:xfrm>
           <a:prstGeom prst="rect">
             <a:avLst/>
@@ -5190,7 +4828,7 @@
           </a:fontRef>
         </p:style>
         <p:txBody>
-          <a:bodyPr rot="0" spcFirstLastPara="0" vertOverflow="overflow" horzOverflow="overflow" vert="horz" wrap="square" lIns="91440" tIns="45720" rIns="91440" bIns="45720" numCol="1" spcCol="0" rtlCol="0" fromWordArt="0" anchor="ctr" anchorCtr="0" forceAA="0" compatLnSpc="1">
+          <a:bodyPr rot="0" spcFirstLastPara="0" vertOverflow="overflow" horzOverflow="overflow" vert="horz" wrap="square" lIns="89996" tIns="44997" rIns="89996" bIns="44997" numCol="1" spcCol="0" rtlCol="0" fromWordArt="0" anchor="ctr" anchorCtr="0" forceAA="0" compatLnSpc="1">
             <a:prstTxWarp prst="textNoShape">
               <a:avLst/>
             </a:prstTxWarp>
@@ -5200,14 +4838,14 @@
           <a:p>
             <a:pPr algn="ctr"/>
             <a:r>
-              <a:rPr lang="es-ES" b="1" dirty="0">
+              <a:rPr lang="es-ES" sz="1771" b="1" dirty="0">
                 <a:solidFill>
                   <a:schemeClr val="tx1"/>
                 </a:solidFill>
               </a:rPr>
               <a:t>Esquema de control</a:t>
             </a:r>
-            <a:endParaRPr lang="es-MX" b="1" dirty="0">
+            <a:endParaRPr lang="es-MX" sz="1771" b="1" dirty="0">
               <a:solidFill>
                 <a:schemeClr val="tx1"/>
               </a:solidFill>
@@ -5229,8 +4867,8 @@
         </p:nvSpPr>
         <p:spPr>
           <a:xfrm>
-            <a:off x="6900798" y="3858662"/>
-            <a:ext cx="1590805" cy="613776"/>
+            <a:off x="9792415" y="4922643"/>
+            <a:ext cx="1565673" cy="604080"/>
           </a:xfrm>
           <a:prstGeom prst="rect">
             <a:avLst/>
@@ -5257,7 +4895,7 @@
           </a:fontRef>
         </p:style>
         <p:txBody>
-          <a:bodyPr rot="0" spcFirstLastPara="0" vertOverflow="overflow" horzOverflow="overflow" vert="horz" wrap="square" lIns="91440" tIns="45720" rIns="91440" bIns="45720" numCol="1" spcCol="0" rtlCol="0" fromWordArt="0" anchor="ctr" anchorCtr="0" forceAA="0" compatLnSpc="1">
+          <a:bodyPr rot="0" spcFirstLastPara="0" vertOverflow="overflow" horzOverflow="overflow" vert="horz" wrap="square" lIns="89996" tIns="44997" rIns="89996" bIns="44997" numCol="1" spcCol="0" rtlCol="0" fromWordArt="0" anchor="ctr" anchorCtr="0" forceAA="0" compatLnSpc="1">
             <a:prstTxWarp prst="textNoShape">
               <a:avLst/>
             </a:prstTxWarp>
@@ -5267,7 +4905,7 @@
           <a:p>
             <a:pPr algn="ctr"/>
             <a:r>
-              <a:rPr lang="es-ES" b="1" dirty="0">
+              <a:rPr lang="es-ES" sz="1771" b="1" dirty="0">
                 <a:solidFill>
                   <a:schemeClr val="tx1"/>
                 </a:solidFill>
@@ -5278,14 +4916,14 @@
           <a:p>
             <a:pPr algn="ctr"/>
             <a:r>
-              <a:rPr lang="es-ES" b="1" dirty="0">
+              <a:rPr lang="es-ES" sz="1771" b="1" dirty="0">
                 <a:solidFill>
                   <a:schemeClr val="tx1"/>
                 </a:solidFill>
               </a:rPr>
               <a:t>RehaStim 2</a:t>
             </a:r>
-            <a:endParaRPr lang="es-MX" b="1" dirty="0">
+            <a:endParaRPr lang="es-MX" sz="1771" b="1" dirty="0">
               <a:solidFill>
                 <a:schemeClr val="tx1"/>
               </a:solidFill>
@@ -5310,8 +4948,8 @@
         </p:nvCxnSpPr>
         <p:spPr>
           <a:xfrm rot="16200000" flipH="1">
-            <a:off x="7428982" y="2385816"/>
-            <a:ext cx="545904" cy="2"/>
+            <a:off x="10312255" y="3473067"/>
+            <a:ext cx="537279" cy="2"/>
           </a:xfrm>
           <a:prstGeom prst="bentConnector3">
             <a:avLst>
@@ -5359,8 +4997,8 @@
         </p:nvCxnSpPr>
         <p:spPr>
           <a:xfrm>
-            <a:off x="5950164" y="1794523"/>
-            <a:ext cx="832349" cy="0"/>
+            <a:off x="8856800" y="2891115"/>
+            <a:ext cx="819199" cy="0"/>
           </a:xfrm>
           <a:prstGeom prst="straightConnector1">
             <a:avLst/>
@@ -5404,8 +5042,8 @@
         </p:nvCxnSpPr>
         <p:spPr>
           <a:xfrm flipH="1">
-            <a:off x="7696201" y="3272545"/>
-            <a:ext cx="5734" cy="586117"/>
+            <a:off x="10575251" y="4345788"/>
+            <a:ext cx="5643" cy="576857"/>
           </a:xfrm>
           <a:prstGeom prst="straightConnector1">
             <a:avLst/>
@@ -5444,8 +5082,8 @@
         </p:nvSpPr>
         <p:spPr>
           <a:xfrm>
-            <a:off x="3355931" y="4016286"/>
-            <a:ext cx="339246" cy="103366"/>
+            <a:off x="6303551" y="5077776"/>
+            <a:ext cx="333887" cy="101733"/>
           </a:xfrm>
           <a:prstGeom prst="roundRect">
             <a:avLst/>
@@ -5472,7 +5110,7 @@
           <a:lstStyle/>
           <a:p>
             <a:pPr algn="ctr"/>
-            <a:endParaRPr lang="es-MX"/>
+            <a:endParaRPr lang="es-MX" sz="1771"/>
           </a:p>
         </p:txBody>
       </p:sp>
@@ -5490,8 +5128,8 @@
         </p:nvSpPr>
         <p:spPr>
           <a:xfrm>
-            <a:off x="3346112" y="3526021"/>
-            <a:ext cx="339246" cy="103366"/>
+            <a:off x="6293887" y="4595257"/>
+            <a:ext cx="333887" cy="101733"/>
           </a:xfrm>
           <a:prstGeom prst="roundRect">
             <a:avLst/>
@@ -5518,7 +5156,7 @@
           <a:lstStyle/>
           <a:p>
             <a:pPr algn="ctr"/>
-            <a:endParaRPr lang="es-MX"/>
+            <a:endParaRPr lang="es-MX" sz="1771"/>
           </a:p>
         </p:txBody>
       </p:sp>
@@ -5536,8 +5174,8 @@
         </p:nvSpPr>
         <p:spPr>
           <a:xfrm>
-            <a:off x="1576191" y="3892437"/>
-            <a:ext cx="339246" cy="103366"/>
+            <a:off x="4551929" y="4955884"/>
+            <a:ext cx="333887" cy="101733"/>
           </a:xfrm>
           <a:prstGeom prst="ellipse">
             <a:avLst/>
@@ -5564,7 +5202,7 @@
           <a:lstStyle/>
           <a:p>
             <a:pPr algn="ctr"/>
-            <a:endParaRPr lang="es-MX"/>
+            <a:endParaRPr lang="es-MX" sz="1771"/>
           </a:p>
         </p:txBody>
       </p:sp>
@@ -5582,8 +5220,8 @@
         </p:nvSpPr>
         <p:spPr>
           <a:xfrm>
-            <a:off x="1576191" y="3623125"/>
-            <a:ext cx="339246" cy="103366"/>
+            <a:off x="4551929" y="4690827"/>
+            <a:ext cx="333887" cy="101733"/>
           </a:xfrm>
           <a:prstGeom prst="ellipse">
             <a:avLst/>
@@ -5610,7 +5248,7 @@
           <a:lstStyle/>
           <a:p>
             <a:pPr algn="ctr"/>
-            <a:endParaRPr lang="es-MX"/>
+            <a:endParaRPr lang="es-MX" sz="1771"/>
           </a:p>
         </p:txBody>
       </p:sp>
@@ -5631,8 +5269,8 @@
         </p:nvCxnSpPr>
         <p:spPr>
           <a:xfrm rot="5400000" flipH="1" flipV="1">
-            <a:off x="2138088" y="1402249"/>
-            <a:ext cx="1828602" cy="2613150"/>
+            <a:off x="5104949" y="2505038"/>
+            <a:ext cx="1799712" cy="2571866"/>
           </a:xfrm>
           <a:prstGeom prst="bentConnector2">
             <a:avLst/>
@@ -5674,8 +5312,8 @@
         </p:nvCxnSpPr>
         <p:spPr>
           <a:xfrm flipV="1">
-            <a:off x="1915437" y="1794523"/>
-            <a:ext cx="2443527" cy="2149597"/>
+            <a:off x="4885815" y="2891116"/>
+            <a:ext cx="2404923" cy="2115637"/>
           </a:xfrm>
           <a:prstGeom prst="bentConnector3">
             <a:avLst>
@@ -5719,8 +5357,8 @@
         </p:nvCxnSpPr>
         <p:spPr>
           <a:xfrm rot="10800000">
-            <a:off x="3685358" y="3577705"/>
-            <a:ext cx="678406" cy="592191"/>
+            <a:off x="6627775" y="4646126"/>
+            <a:ext cx="667688" cy="582835"/>
           </a:xfrm>
           <a:prstGeom prst="bentConnector3">
             <a:avLst>
@@ -5764,8 +5402,8 @@
         </p:nvCxnSpPr>
         <p:spPr>
           <a:xfrm rot="10800000">
-            <a:off x="3695178" y="4067969"/>
-            <a:ext cx="668587" cy="101926"/>
+            <a:off x="6637440" y="5128643"/>
+            <a:ext cx="658025" cy="100316"/>
           </a:xfrm>
           <a:prstGeom prst="bentConnector3">
             <a:avLst>
@@ -5805,8 +5443,8 @@
         </p:nvSpPr>
         <p:spPr>
           <a:xfrm>
-            <a:off x="1264802" y="1455080"/>
-            <a:ext cx="1736385" cy="646331"/>
+            <a:off x="4245460" y="2557035"/>
+            <a:ext cx="1708952" cy="636120"/>
           </a:xfrm>
           <a:prstGeom prst="rect">
             <a:avLst/>
@@ -5821,10 +5459,10 @@
           <a:p>
             <a:pPr algn="ctr"/>
             <a:r>
-              <a:rPr lang="es-ES" dirty="0"/>
+              <a:rPr lang="es-ES" sz="1771" dirty="0"/>
               <a:t>Electrodos de registro</a:t>
             </a:r>
-            <a:endParaRPr lang="es-MX" dirty="0"/>
+            <a:endParaRPr lang="es-MX" sz="1771" dirty="0"/>
           </a:p>
         </p:txBody>
       </p:sp>
@@ -5842,8 +5480,8 @@
         </p:nvSpPr>
         <p:spPr>
           <a:xfrm>
-            <a:off x="3685357" y="2994254"/>
-            <a:ext cx="1571608" cy="646331"/>
+            <a:off x="6627773" y="4071893"/>
+            <a:ext cx="1546779" cy="636120"/>
           </a:xfrm>
           <a:prstGeom prst="rect">
             <a:avLst/>
@@ -5858,10 +5496,10 @@
           <a:p>
             <a:pPr algn="ctr"/>
             <a:r>
-              <a:rPr lang="es-ES" dirty="0"/>
+              <a:rPr lang="es-ES" sz="1771" dirty="0"/>
               <a:t>Electrodos de estimulación</a:t>
             </a:r>
-            <a:endParaRPr lang="es-MX" dirty="0"/>
+            <a:endParaRPr lang="es-MX" sz="1771" dirty="0"/>
           </a:p>
         </p:txBody>
       </p:sp>
@@ -5879,8 +5517,8 @@
         </p:nvSpPr>
         <p:spPr>
           <a:xfrm>
-            <a:off x="4363764" y="3863007"/>
-            <a:ext cx="1590805" cy="613776"/>
+            <a:off x="7295462" y="4926920"/>
+            <a:ext cx="1565673" cy="604080"/>
           </a:xfrm>
           <a:prstGeom prst="rect">
             <a:avLst/>
@@ -5905,7 +5543,7 @@
           </a:fontRef>
         </p:style>
         <p:txBody>
-          <a:bodyPr rot="0" spcFirstLastPara="0" vertOverflow="overflow" horzOverflow="overflow" vert="horz" wrap="square" lIns="91440" tIns="45720" rIns="91440" bIns="45720" numCol="1" spcCol="0" rtlCol="0" fromWordArt="0" anchor="ctr" anchorCtr="0" forceAA="0" compatLnSpc="1">
+          <a:bodyPr rot="0" spcFirstLastPara="0" vertOverflow="overflow" horzOverflow="overflow" vert="horz" wrap="square" lIns="89996" tIns="44997" rIns="89996" bIns="44997" numCol="1" spcCol="0" rtlCol="0" fromWordArt="0" anchor="ctr" anchorCtr="0" forceAA="0" compatLnSpc="1">
             <a:prstTxWarp prst="textNoShape">
               <a:avLst/>
             </a:prstTxWarp>
@@ -5915,14 +5553,14 @@
           <a:p>
             <a:pPr algn="ctr"/>
             <a:r>
-              <a:rPr lang="es-ES" b="1" dirty="0">
+              <a:rPr lang="es-ES" sz="1771" b="1" dirty="0">
                 <a:solidFill>
                   <a:schemeClr val="tx1"/>
                 </a:solidFill>
               </a:rPr>
               <a:t>RehaStim 2</a:t>
             </a:r>
-            <a:endParaRPr lang="es-MX" b="1" dirty="0">
+            <a:endParaRPr lang="es-MX" sz="1771" b="1" dirty="0">
               <a:solidFill>
                 <a:schemeClr val="tx1"/>
               </a:solidFill>
@@ -5947,8 +5585,8 @@
         </p:nvCxnSpPr>
         <p:spPr>
           <a:xfrm flipH="1">
-            <a:off x="5954569" y="4165550"/>
-            <a:ext cx="946229" cy="4345"/>
+            <a:off x="8861136" y="5224684"/>
+            <a:ext cx="931280" cy="4276"/>
           </a:xfrm>
           <a:prstGeom prst="straightConnector1">
             <a:avLst/>
@@ -6001,8 +5639,8 @@
         </p:blipFill>
         <p:spPr bwMode="auto">
           <a:xfrm>
-            <a:off x="5991835" y="1327448"/>
-            <a:ext cx="450797" cy="450797"/>
+            <a:off x="8897813" y="2431421"/>
+            <a:ext cx="443675" cy="443675"/>
           </a:xfrm>
           <a:prstGeom prst="rect">
             <a:avLst/>
@@ -6069,8 +5707,8 @@
         </p:blipFill>
         <p:spPr bwMode="auto">
           <a:xfrm>
-            <a:off x="6050098" y="3710314"/>
-            <a:ext cx="334271" cy="450000"/>
+            <a:off x="8955156" y="4776640"/>
+            <a:ext cx="328990" cy="442890"/>
           </a:xfrm>
           <a:prstGeom prst="rect">
             <a:avLst/>
@@ -6131,8 +5769,8 @@
         </p:nvGrpSpPr>
         <p:grpSpPr>
           <a:xfrm>
-            <a:off x="1903657" y="775330"/>
-            <a:ext cx="7944633" cy="4923805"/>
+            <a:off x="4874224" y="1888025"/>
+            <a:ext cx="7819118" cy="4846016"/>
             <a:chOff x="1477772" y="374497"/>
             <a:chExt cx="7944633" cy="4923805"/>
           </a:xfrm>
@@ -6152,9 +5790,9 @@
           <p:grpSpPr>
             <a:xfrm>
               <a:off x="4780296" y="1623921"/>
-              <a:ext cx="1588621" cy="1777542"/>
+              <a:ext cx="1591759" cy="1778910"/>
               <a:chOff x="5457850" y="809081"/>
-              <a:chExt cx="1588621" cy="1777542"/>
+              <a:chExt cx="1591759" cy="1778910"/>
             </a:xfrm>
           </p:grpSpPr>
           <p:grpSp>
@@ -6320,7 +5958,7 @@
             <p:spPr>
               <a:xfrm>
                 <a:off x="5962492" y="809081"/>
-                <a:ext cx="292068" cy="369332"/>
+                <a:ext cx="295127" cy="370700"/>
               </a:xfrm>
               <a:prstGeom prst="rect">
                 <a:avLst/>
@@ -6334,7 +5972,7 @@
               <a:lstStyle/>
               <a:p>
                 <a:r>
-                  <a:rPr lang="es-MX" dirty="0"/>
+                  <a:rPr lang="es-MX" sz="1771" dirty="0"/>
                   <a:t>Z</a:t>
                 </a:r>
               </a:p>
@@ -6355,7 +5993,7 @@
             <p:spPr>
               <a:xfrm>
                 <a:off x="6749595" y="1720258"/>
-                <a:ext cx="296876" cy="369332"/>
+                <a:ext cx="300014" cy="370700"/>
               </a:xfrm>
               <a:prstGeom prst="rect">
                 <a:avLst/>
@@ -6369,7 +6007,7 @@
               <a:lstStyle/>
               <a:p>
                 <a:r>
-                  <a:rPr lang="es-MX" dirty="0"/>
+                  <a:rPr lang="es-MX" sz="1771" dirty="0"/>
                   <a:t>Y</a:t>
                 </a:r>
               </a:p>
@@ -6390,7 +6028,7 @@
             <p:spPr>
               <a:xfrm>
                 <a:off x="5457850" y="2217291"/>
-                <a:ext cx="304892" cy="369332"/>
+                <a:ext cx="308157" cy="370700"/>
               </a:xfrm>
               <a:prstGeom prst="rect">
                 <a:avLst/>
@@ -6404,7 +6042,7 @@
               <a:lstStyle/>
               <a:p>
                 <a:r>
-                  <a:rPr lang="es-MX" dirty="0"/>
+                  <a:rPr lang="es-MX" sz="1771" dirty="0"/>
                   <a:t>X</a:t>
                 </a:r>
               </a:p>
@@ -6576,7 +6214,7 @@
               <a:lstStyle/>
               <a:p>
                 <a:pPr algn="ctr"/>
-                <a:endParaRPr lang="es-MX"/>
+                <a:endParaRPr lang="es-MX" sz="1771"/>
               </a:p>
             </p:txBody>
           </p:sp>
@@ -6625,7 +6263,7 @@
               <a:lstStyle/>
               <a:p>
                 <a:pPr algn="ctr"/>
-                <a:endParaRPr lang="es-MX"/>
+                <a:endParaRPr lang="es-MX" sz="1771"/>
               </a:p>
             </p:txBody>
           </p:sp>
@@ -6881,7 +6519,7 @@
               <a:lstStyle/>
               <a:p>
                 <a:pPr algn="ctr"/>
-                <a:endParaRPr lang="es-MX" dirty="0"/>
+                <a:endParaRPr lang="es-MX" sz="1771" dirty="0"/>
               </a:p>
             </p:txBody>
           </p:sp>
@@ -6930,7 +6568,7 @@
               <a:lstStyle/>
               <a:p>
                 <a:pPr algn="ctr"/>
-                <a:endParaRPr lang="es-MX"/>
+                <a:endParaRPr lang="es-MX" sz="1771"/>
               </a:p>
             </p:txBody>
           </p:sp>
@@ -7144,7 +6782,7 @@
               <a:lstStyle/>
               <a:p>
                 <a:pPr algn="ctr"/>
-                <a:endParaRPr lang="es-MX" dirty="0"/>
+                <a:endParaRPr lang="es-MX" sz="1771" dirty="0"/>
               </a:p>
             </p:txBody>
           </p:sp>
@@ -7193,7 +6831,7 @@
               <a:lstStyle/>
               <a:p>
                 <a:pPr algn="ctr"/>
-                <a:endParaRPr lang="es-MX"/>
+                <a:endParaRPr lang="es-MX" sz="1771"/>
               </a:p>
             </p:txBody>
           </p:sp>
@@ -7407,7 +7045,7 @@
               <a:lstStyle/>
               <a:p>
                 <a:pPr algn="ctr"/>
-                <a:endParaRPr lang="es-MX"/>
+                <a:endParaRPr lang="es-MX" sz="1771"/>
               </a:p>
             </p:txBody>
           </p:sp>
@@ -7456,7 +7094,7 @@
               <a:lstStyle/>
               <a:p>
                 <a:pPr algn="ctr"/>
-                <a:endParaRPr lang="es-MX"/>
+                <a:endParaRPr lang="es-MX" sz="1771"/>
               </a:p>
             </p:txBody>
           </p:sp>
@@ -7519,10 +7157,2152 @@
 </p:sld>
 </file>
 
+<file path=ppt/slides/slide4.xml><?xml version="1.0" encoding="utf-8"?>
+<p:sld xmlns:a="http://schemas.openxmlformats.org/drawingml/2006/main" xmlns:r="http://schemas.openxmlformats.org/officeDocument/2006/relationships" xmlns:p="http://schemas.openxmlformats.org/presentationml/2006/main">
+  <p:cSld>
+    <p:spTree>
+      <p:nvGrpSpPr>
+        <p:cNvPr id="1" name=""/>
+        <p:cNvGrpSpPr/>
+        <p:nvPr/>
+      </p:nvGrpSpPr>
+      <p:grpSpPr>
+        <a:xfrm>
+          <a:off x="0" y="0"/>
+          <a:ext cx="0" cy="0"/>
+          <a:chOff x="0" y="0"/>
+          <a:chExt cx="0" cy="0"/>
+        </a:xfrm>
+      </p:grpSpPr>
+      <p:pic>
+        <p:nvPicPr>
+          <p:cNvPr id="7" name="Imagen 6" descr="Imagen que contiene negro, mujer, oscuro, blanco&#10;&#10;Descripción generada automáticamente">
+            <a:extLst>
+              <a:ext uri="{FF2B5EF4-FFF2-40B4-BE49-F238E27FC236}">
+                <a16:creationId xmlns:a16="http://schemas.microsoft.com/office/drawing/2014/main" id="{B34A856E-B1FB-4A83-813B-94237F5ECFDE}"/>
+              </a:ext>
+            </a:extLst>
+          </p:cNvPr>
+          <p:cNvPicPr>
+            <a:picLocks noChangeAspect="1"/>
+          </p:cNvPicPr>
+          <p:nvPr/>
+        </p:nvPicPr>
+        <p:blipFill>
+          <a:blip r:embed="rId2">
+            <a:extLst>
+              <a:ext uri="{28A0092B-C50C-407E-A947-70E740481C1C}">
+                <a14:useLocalDpi xmlns:a14="http://schemas.microsoft.com/office/drawing/2010/main" val="0"/>
+              </a:ext>
+            </a:extLst>
+          </a:blip>
+          <a:stretch>
+            <a:fillRect/>
+          </a:stretch>
+        </p:blipFill>
+        <p:spPr>
+          <a:xfrm flipV="1">
+            <a:off x="2745872" y="1014551"/>
+            <a:ext cx="1328672" cy="1771563"/>
+          </a:xfrm>
+          <a:prstGeom prst="rect">
+            <a:avLst/>
+          </a:prstGeom>
+          <a:ln>
+            <a:noFill/>
+          </a:ln>
+        </p:spPr>
+      </p:pic>
+      <p:pic>
+        <p:nvPicPr>
+          <p:cNvPr id="43" name="Imagen 42" descr="Imagen que contiene negro, mujer, oscuro, blanco&#10;&#10;Descripción generada automáticamente">
+            <a:extLst>
+              <a:ext uri="{FF2B5EF4-FFF2-40B4-BE49-F238E27FC236}">
+                <a16:creationId xmlns:a16="http://schemas.microsoft.com/office/drawing/2014/main" id="{3F261460-B19B-4C29-9735-8B28F730C850}"/>
+              </a:ext>
+            </a:extLst>
+          </p:cNvPr>
+          <p:cNvPicPr>
+            <a:picLocks noChangeAspect="1"/>
+          </p:cNvPicPr>
+          <p:nvPr/>
+        </p:nvPicPr>
+        <p:blipFill>
+          <a:blip r:embed="rId2">
+            <a:extLst>
+              <a:ext uri="{28A0092B-C50C-407E-A947-70E740481C1C}">
+                <a14:useLocalDpi xmlns:a14="http://schemas.microsoft.com/office/drawing/2010/main" val="0"/>
+              </a:ext>
+            </a:extLst>
+          </a:blip>
+          <a:stretch>
+            <a:fillRect/>
+          </a:stretch>
+        </p:blipFill>
+        <p:spPr>
+          <a:xfrm flipH="1" flipV="1">
+            <a:off x="575786" y="1014551"/>
+            <a:ext cx="1328672" cy="1771563"/>
+          </a:xfrm>
+          <a:prstGeom prst="rect">
+            <a:avLst/>
+          </a:prstGeom>
+          <a:ln>
+            <a:noFill/>
+          </a:ln>
+        </p:spPr>
+      </p:pic>
+      <p:pic>
+        <p:nvPicPr>
+          <p:cNvPr id="5" name="Imagen 4" descr="Imagen que contiene cama, blanco, camiseta, negro&#10;&#10;Descripción generada automáticamente">
+            <a:extLst>
+              <a:ext uri="{FF2B5EF4-FFF2-40B4-BE49-F238E27FC236}">
+                <a16:creationId xmlns:a16="http://schemas.microsoft.com/office/drawing/2014/main" id="{1C58FF76-EE0E-4677-8EC6-7CC5B96ACF76}"/>
+              </a:ext>
+            </a:extLst>
+          </p:cNvPr>
+          <p:cNvPicPr>
+            <a:picLocks noChangeAspect="1"/>
+          </p:cNvPicPr>
+          <p:nvPr/>
+        </p:nvPicPr>
+        <p:blipFill>
+          <a:blip r:embed="rId3">
+            <a:extLst>
+              <a:ext uri="{28A0092B-C50C-407E-A947-70E740481C1C}">
+                <a14:useLocalDpi xmlns:a14="http://schemas.microsoft.com/office/drawing/2010/main" val="0"/>
+              </a:ext>
+            </a:extLst>
+          </a:blip>
+          <a:stretch>
+            <a:fillRect/>
+          </a:stretch>
+        </p:blipFill>
+        <p:spPr>
+          <a:xfrm flipV="1">
+            <a:off x="11125009" y="1014551"/>
+            <a:ext cx="1328210" cy="1771563"/>
+          </a:xfrm>
+          <a:prstGeom prst="rect">
+            <a:avLst/>
+          </a:prstGeom>
+          <a:ln>
+            <a:noFill/>
+          </a:ln>
+        </p:spPr>
+      </p:pic>
+      <p:grpSp>
+        <p:nvGrpSpPr>
+          <p:cNvPr id="49" name="Grupo 48">
+            <a:extLst>
+              <a:ext uri="{FF2B5EF4-FFF2-40B4-BE49-F238E27FC236}">
+                <a16:creationId xmlns:a16="http://schemas.microsoft.com/office/drawing/2014/main" id="{E7E5043F-9D9A-4473-988D-AB3DABD47329}"/>
+              </a:ext>
+            </a:extLst>
+          </p:cNvPr>
+          <p:cNvGrpSpPr/>
+          <p:nvPr/>
+        </p:nvGrpSpPr>
+        <p:grpSpPr>
+          <a:xfrm>
+            <a:off x="5935175" y="3234631"/>
+            <a:ext cx="1566611" cy="1750805"/>
+            <a:chOff x="5457850" y="809081"/>
+            <a:chExt cx="1591759" cy="1778910"/>
+          </a:xfrm>
+        </p:grpSpPr>
+        <p:grpSp>
+          <p:nvGrpSpPr>
+            <p:cNvPr id="46" name="Grupo 45">
+              <a:extLst>
+                <a:ext uri="{FF2B5EF4-FFF2-40B4-BE49-F238E27FC236}">
+                  <a16:creationId xmlns:a16="http://schemas.microsoft.com/office/drawing/2014/main" id="{935ABC7C-F13A-4A27-8D2D-F2B625FDAE24}"/>
+                </a:ext>
+              </a:extLst>
+            </p:cNvPr>
+            <p:cNvGrpSpPr/>
+            <p:nvPr/>
+          </p:nvGrpSpPr>
+          <p:grpSpPr>
+            <a:xfrm>
+              <a:off x="5661764" y="1178414"/>
+              <a:ext cx="1156570" cy="1152395"/>
+              <a:chOff x="5649238" y="551145"/>
+              <a:chExt cx="1156570" cy="1152395"/>
+            </a:xfrm>
+          </p:grpSpPr>
+          <p:cxnSp>
+            <p:nvCxnSpPr>
+              <p:cNvPr id="25" name="Conector recto de flecha 24">
+                <a:extLst>
+                  <a:ext uri="{FF2B5EF4-FFF2-40B4-BE49-F238E27FC236}">
+                    <a16:creationId xmlns:a16="http://schemas.microsoft.com/office/drawing/2014/main" id="{D932F97E-3C98-4923-BACB-14C57AE8E68C}"/>
+                  </a:ext>
+                </a:extLst>
+              </p:cNvPr>
+              <p:cNvCxnSpPr>
+                <a:cxnSpLocks/>
+              </p:cNvCxnSpPr>
+              <p:nvPr/>
+            </p:nvCxnSpPr>
+            <p:spPr>
+              <a:xfrm flipH="1">
+                <a:off x="5649238" y="1277655"/>
+                <a:ext cx="446762" cy="425885"/>
+              </a:xfrm>
+              <a:prstGeom prst="straightConnector1">
+                <a:avLst/>
+              </a:prstGeom>
+              <a:ln w="38100">
+                <a:solidFill>
+                  <a:srgbClr val="FF0000"/>
+                </a:solidFill>
+                <a:tailEnd type="triangle"/>
+              </a:ln>
+            </p:spPr>
+            <p:style>
+              <a:lnRef idx="1">
+                <a:schemeClr val="accent1"/>
+              </a:lnRef>
+              <a:fillRef idx="0">
+                <a:schemeClr val="accent1"/>
+              </a:fillRef>
+              <a:effectRef idx="0">
+                <a:schemeClr val="accent1"/>
+              </a:effectRef>
+              <a:fontRef idx="minor">
+                <a:schemeClr val="tx1"/>
+              </a:fontRef>
+            </p:style>
+          </p:cxnSp>
+          <p:cxnSp>
+            <p:nvCxnSpPr>
+              <p:cNvPr id="32" name="Conector recto de flecha 31">
+                <a:extLst>
+                  <a:ext uri="{FF2B5EF4-FFF2-40B4-BE49-F238E27FC236}">
+                    <a16:creationId xmlns:a16="http://schemas.microsoft.com/office/drawing/2014/main" id="{22AD95A0-12B6-4AFB-A9A0-2CDF9A067730}"/>
+                  </a:ext>
+                </a:extLst>
+              </p:cNvPr>
+              <p:cNvCxnSpPr>
+                <a:cxnSpLocks/>
+              </p:cNvCxnSpPr>
+              <p:nvPr/>
+            </p:nvCxnSpPr>
+            <p:spPr>
+              <a:xfrm>
+                <a:off x="6096000" y="1277655"/>
+                <a:ext cx="709808" cy="0"/>
+              </a:xfrm>
+              <a:prstGeom prst="straightConnector1">
+                <a:avLst/>
+              </a:prstGeom>
+              <a:ln w="38100">
+                <a:tailEnd type="triangle"/>
+              </a:ln>
+            </p:spPr>
+            <p:style>
+              <a:lnRef idx="1">
+                <a:schemeClr val="accent1"/>
+              </a:lnRef>
+              <a:fillRef idx="0">
+                <a:schemeClr val="accent1"/>
+              </a:fillRef>
+              <a:effectRef idx="0">
+                <a:schemeClr val="accent1"/>
+              </a:effectRef>
+              <a:fontRef idx="minor">
+                <a:schemeClr val="tx1"/>
+              </a:fontRef>
+            </p:style>
+          </p:cxnSp>
+          <p:cxnSp>
+            <p:nvCxnSpPr>
+              <p:cNvPr id="40" name="Conector recto de flecha 39">
+                <a:extLst>
+                  <a:ext uri="{FF2B5EF4-FFF2-40B4-BE49-F238E27FC236}">
+                    <a16:creationId xmlns:a16="http://schemas.microsoft.com/office/drawing/2014/main" id="{86D30C9B-4270-49EA-91DD-DEB6E7A5CD80}"/>
+                  </a:ext>
+                </a:extLst>
+              </p:cNvPr>
+              <p:cNvCxnSpPr/>
+              <p:nvPr/>
+            </p:nvCxnSpPr>
+            <p:spPr>
+              <a:xfrm flipV="1">
+                <a:off x="6096000" y="551145"/>
+                <a:ext cx="0" cy="726510"/>
+              </a:xfrm>
+              <a:prstGeom prst="straightConnector1">
+                <a:avLst/>
+              </a:prstGeom>
+              <a:ln w="38100">
+                <a:solidFill>
+                  <a:srgbClr val="00B050"/>
+                </a:solidFill>
+                <a:tailEnd type="triangle"/>
+              </a:ln>
+            </p:spPr>
+            <p:style>
+              <a:lnRef idx="1">
+                <a:schemeClr val="accent1"/>
+              </a:lnRef>
+              <a:fillRef idx="0">
+                <a:schemeClr val="accent1"/>
+              </a:fillRef>
+              <a:effectRef idx="0">
+                <a:schemeClr val="accent1"/>
+              </a:effectRef>
+              <a:fontRef idx="minor">
+                <a:schemeClr val="tx1"/>
+              </a:fontRef>
+            </p:style>
+          </p:cxnSp>
+        </p:grpSp>
+        <p:sp>
+          <p:nvSpPr>
+            <p:cNvPr id="48" name="CuadroTexto 47">
+              <a:extLst>
+                <a:ext uri="{FF2B5EF4-FFF2-40B4-BE49-F238E27FC236}">
+                  <a16:creationId xmlns:a16="http://schemas.microsoft.com/office/drawing/2014/main" id="{A34305AF-CEFD-44DC-B356-CC89B7A51B4D}"/>
+                </a:ext>
+              </a:extLst>
+            </p:cNvPr>
+            <p:cNvSpPr txBox="1"/>
+            <p:nvPr/>
+          </p:nvSpPr>
+          <p:spPr>
+            <a:xfrm>
+              <a:off x="5962492" y="809081"/>
+              <a:ext cx="295127" cy="370700"/>
+            </a:xfrm>
+            <a:prstGeom prst="rect">
+              <a:avLst/>
+            </a:prstGeom>
+            <a:noFill/>
+          </p:spPr>
+          <p:txBody>
+            <a:bodyPr wrap="none" rtlCol="0">
+              <a:spAutoFit/>
+            </a:bodyPr>
+            <a:lstStyle/>
+            <a:p>
+              <a:r>
+                <a:rPr lang="es-MX" sz="1771" dirty="0"/>
+                <a:t>Z</a:t>
+              </a:r>
+            </a:p>
+          </p:txBody>
+        </p:sp>
+        <p:sp>
+          <p:nvSpPr>
+            <p:cNvPr id="53" name="CuadroTexto 52">
+              <a:extLst>
+                <a:ext uri="{FF2B5EF4-FFF2-40B4-BE49-F238E27FC236}">
+                  <a16:creationId xmlns:a16="http://schemas.microsoft.com/office/drawing/2014/main" id="{E50AF4BE-ACB3-45AA-B341-B8280C60DA44}"/>
+                </a:ext>
+              </a:extLst>
+            </p:cNvPr>
+            <p:cNvSpPr txBox="1"/>
+            <p:nvPr/>
+          </p:nvSpPr>
+          <p:spPr>
+            <a:xfrm>
+              <a:off x="6749595" y="1720258"/>
+              <a:ext cx="300014" cy="370700"/>
+            </a:xfrm>
+            <a:prstGeom prst="rect">
+              <a:avLst/>
+            </a:prstGeom>
+            <a:noFill/>
+          </p:spPr>
+          <p:txBody>
+            <a:bodyPr wrap="none" rtlCol="0">
+              <a:spAutoFit/>
+            </a:bodyPr>
+            <a:lstStyle/>
+            <a:p>
+              <a:r>
+                <a:rPr lang="es-MX" sz="1771" dirty="0"/>
+                <a:t>Y</a:t>
+              </a:r>
+            </a:p>
+          </p:txBody>
+        </p:sp>
+        <p:sp>
+          <p:nvSpPr>
+            <p:cNvPr id="54" name="CuadroTexto 53">
+              <a:extLst>
+                <a:ext uri="{FF2B5EF4-FFF2-40B4-BE49-F238E27FC236}">
+                  <a16:creationId xmlns:a16="http://schemas.microsoft.com/office/drawing/2014/main" id="{8B5B0A7F-2970-4B76-B338-A96A6A84A738}"/>
+                </a:ext>
+              </a:extLst>
+            </p:cNvPr>
+            <p:cNvSpPr txBox="1"/>
+            <p:nvPr/>
+          </p:nvSpPr>
+          <p:spPr>
+            <a:xfrm>
+              <a:off x="5457850" y="2217291"/>
+              <a:ext cx="308157" cy="370700"/>
+            </a:xfrm>
+            <a:prstGeom prst="rect">
+              <a:avLst/>
+            </a:prstGeom>
+            <a:noFill/>
+          </p:spPr>
+          <p:txBody>
+            <a:bodyPr wrap="none" rtlCol="0">
+              <a:spAutoFit/>
+            </a:bodyPr>
+            <a:lstStyle/>
+            <a:p>
+              <a:r>
+                <a:rPr lang="es-MX" sz="1771" dirty="0"/>
+                <a:t>X</a:t>
+              </a:r>
+            </a:p>
+          </p:txBody>
+        </p:sp>
+      </p:grpSp>
+      <p:sp>
+        <p:nvSpPr>
+          <p:cNvPr id="63" name="Cilindro 62">
+            <a:extLst>
+              <a:ext uri="{FF2B5EF4-FFF2-40B4-BE49-F238E27FC236}">
+                <a16:creationId xmlns:a16="http://schemas.microsoft.com/office/drawing/2014/main" id="{A3EB843C-70D4-4D87-A78F-0D51FCCC0C57}"/>
+              </a:ext>
+            </a:extLst>
+          </p:cNvPr>
+          <p:cNvSpPr/>
+          <p:nvPr/>
+        </p:nvSpPr>
+        <p:spPr>
+          <a:xfrm>
+            <a:off x="1675987" y="315615"/>
+            <a:ext cx="228471" cy="648091"/>
+          </a:xfrm>
+          <a:prstGeom prst="can">
+            <a:avLst/>
+          </a:prstGeom>
+          <a:solidFill>
+            <a:schemeClr val="tx1">
+              <a:lumMod val="50000"/>
+              <a:lumOff val="50000"/>
+            </a:schemeClr>
+          </a:solidFill>
+          <a:ln>
+            <a:solidFill>
+              <a:schemeClr val="tx1">
+                <a:lumMod val="50000"/>
+                <a:lumOff val="50000"/>
+              </a:schemeClr>
+            </a:solidFill>
+          </a:ln>
+        </p:spPr>
+        <p:style>
+          <a:lnRef idx="2">
+            <a:schemeClr val="accent1">
+              <a:shade val="50000"/>
+            </a:schemeClr>
+          </a:lnRef>
+          <a:fillRef idx="1">
+            <a:schemeClr val="accent1"/>
+          </a:fillRef>
+          <a:effectRef idx="0">
+            <a:schemeClr val="accent1"/>
+          </a:effectRef>
+          <a:fontRef idx="minor">
+            <a:schemeClr val="lt1"/>
+          </a:fontRef>
+        </p:style>
+        <p:txBody>
+          <a:bodyPr rtlCol="0" anchor="ctr"/>
+          <a:lstStyle/>
+          <a:p>
+            <a:pPr algn="ctr"/>
+            <a:endParaRPr lang="es-MX" sz="1771"/>
+          </a:p>
+        </p:txBody>
+      </p:sp>
+      <p:sp>
+        <p:nvSpPr>
+          <p:cNvPr id="64" name="Cilindro 63">
+            <a:extLst>
+              <a:ext uri="{FF2B5EF4-FFF2-40B4-BE49-F238E27FC236}">
+                <a16:creationId xmlns:a16="http://schemas.microsoft.com/office/drawing/2014/main" id="{F5F3D317-672B-49F7-9EF3-98F6C079CA0B}"/>
+              </a:ext>
+            </a:extLst>
+          </p:cNvPr>
+          <p:cNvSpPr/>
+          <p:nvPr/>
+        </p:nvSpPr>
+        <p:spPr>
+          <a:xfrm>
+            <a:off x="2745872" y="315615"/>
+            <a:ext cx="228471" cy="648091"/>
+          </a:xfrm>
+          <a:prstGeom prst="can">
+            <a:avLst/>
+          </a:prstGeom>
+          <a:solidFill>
+            <a:schemeClr val="tx1">
+              <a:lumMod val="50000"/>
+              <a:lumOff val="50000"/>
+            </a:schemeClr>
+          </a:solidFill>
+          <a:ln>
+            <a:solidFill>
+              <a:schemeClr val="tx1">
+                <a:lumMod val="50000"/>
+                <a:lumOff val="50000"/>
+              </a:schemeClr>
+            </a:solidFill>
+          </a:ln>
+        </p:spPr>
+        <p:style>
+          <a:lnRef idx="2">
+            <a:schemeClr val="accent1">
+              <a:shade val="50000"/>
+            </a:schemeClr>
+          </a:lnRef>
+          <a:fillRef idx="1">
+            <a:schemeClr val="accent1"/>
+          </a:fillRef>
+          <a:effectRef idx="0">
+            <a:schemeClr val="accent1"/>
+          </a:effectRef>
+          <a:fontRef idx="minor">
+            <a:schemeClr val="lt1"/>
+          </a:fontRef>
+        </p:style>
+        <p:txBody>
+          <a:bodyPr rtlCol="0" anchor="ctr"/>
+          <a:lstStyle/>
+          <a:p>
+            <a:pPr algn="ctr"/>
+            <a:endParaRPr lang="es-MX" sz="1771"/>
+          </a:p>
+        </p:txBody>
+      </p:sp>
+      <p:pic>
+        <p:nvPicPr>
+          <p:cNvPr id="3" name="Imagen 2" descr="Imagen que contiene negro, blanco, oscuro, mujer&#10;&#10;Descripción generada automáticamente">
+            <a:extLst>
+              <a:ext uri="{FF2B5EF4-FFF2-40B4-BE49-F238E27FC236}">
+                <a16:creationId xmlns:a16="http://schemas.microsoft.com/office/drawing/2014/main" id="{088BD1DC-7517-4DF2-99B3-7BAA43FB7C80}"/>
+              </a:ext>
+            </a:extLst>
+          </p:cNvPr>
+          <p:cNvPicPr>
+            <a:picLocks noChangeAspect="1"/>
+          </p:cNvPicPr>
+          <p:nvPr/>
+        </p:nvPicPr>
+        <p:blipFill>
+          <a:blip r:embed="rId4">
+            <a:extLst>
+              <a:ext uri="{28A0092B-C50C-407E-A947-70E740481C1C}">
+                <a14:useLocalDpi xmlns:a14="http://schemas.microsoft.com/office/drawing/2010/main" val="0"/>
+              </a:ext>
+            </a:extLst>
+          </a:blip>
+          <a:stretch>
+            <a:fillRect/>
+          </a:stretch>
+        </p:blipFill>
+        <p:spPr>
+          <a:xfrm flipH="1" flipV="1">
+            <a:off x="4842715" y="1005025"/>
+            <a:ext cx="1328221" cy="1771563"/>
+          </a:xfrm>
+          <a:prstGeom prst="rect">
+            <a:avLst/>
+          </a:prstGeom>
+          <a:ln>
+            <a:noFill/>
+          </a:ln>
+        </p:spPr>
+      </p:pic>
+      <p:pic>
+        <p:nvPicPr>
+          <p:cNvPr id="42" name="Imagen 41" descr="Imagen que contiene cama, blanco, camiseta, negro&#10;&#10;Descripción generada automáticamente">
+            <a:extLst>
+              <a:ext uri="{FF2B5EF4-FFF2-40B4-BE49-F238E27FC236}">
+                <a16:creationId xmlns:a16="http://schemas.microsoft.com/office/drawing/2014/main" id="{028B21B2-34C3-46BE-A23F-CC0F3994AE35}"/>
+              </a:ext>
+            </a:extLst>
+          </p:cNvPr>
+          <p:cNvPicPr>
+            <a:picLocks noChangeAspect="1"/>
+          </p:cNvPicPr>
+          <p:nvPr/>
+        </p:nvPicPr>
+        <p:blipFill>
+          <a:blip r:embed="rId3">
+            <a:extLst>
+              <a:ext uri="{28A0092B-C50C-407E-A947-70E740481C1C}">
+                <a14:useLocalDpi xmlns:a14="http://schemas.microsoft.com/office/drawing/2010/main" val="0"/>
+              </a:ext>
+            </a:extLst>
+          </a:blip>
+          <a:stretch>
+            <a:fillRect/>
+          </a:stretch>
+        </p:blipFill>
+        <p:spPr>
+          <a:xfrm flipH="1" flipV="1">
+            <a:off x="9001125" y="1014551"/>
+            <a:ext cx="1328210" cy="1771563"/>
+          </a:xfrm>
+          <a:prstGeom prst="rect">
+            <a:avLst/>
+          </a:prstGeom>
+          <a:ln>
+            <a:noFill/>
+          </a:ln>
+        </p:spPr>
+      </p:pic>
+      <p:pic>
+        <p:nvPicPr>
+          <p:cNvPr id="44" name="Imagen 43" descr="Imagen que contiene negro, blanco, oscuro, mujer&#10;&#10;Descripción generada automáticamente">
+            <a:extLst>
+              <a:ext uri="{FF2B5EF4-FFF2-40B4-BE49-F238E27FC236}">
+                <a16:creationId xmlns:a16="http://schemas.microsoft.com/office/drawing/2014/main" id="{E7128403-F148-4952-9CD0-F5C68E4623BE}"/>
+              </a:ext>
+            </a:extLst>
+          </p:cNvPr>
+          <p:cNvPicPr>
+            <a:picLocks noChangeAspect="1"/>
+          </p:cNvPicPr>
+          <p:nvPr/>
+        </p:nvPicPr>
+        <p:blipFill>
+          <a:blip r:embed="rId4">
+            <a:extLst>
+              <a:ext uri="{28A0092B-C50C-407E-A947-70E740481C1C}">
+                <a14:useLocalDpi xmlns:a14="http://schemas.microsoft.com/office/drawing/2010/main" val="0"/>
+              </a:ext>
+            </a:extLst>
+          </a:blip>
+          <a:stretch>
+            <a:fillRect/>
+          </a:stretch>
+        </p:blipFill>
+        <p:spPr>
+          <a:xfrm flipV="1">
+            <a:off x="6997038" y="1005025"/>
+            <a:ext cx="1328221" cy="1771563"/>
+          </a:xfrm>
+          <a:prstGeom prst="rect">
+            <a:avLst/>
+          </a:prstGeom>
+          <a:ln>
+            <a:noFill/>
+          </a:ln>
+        </p:spPr>
+      </p:pic>
+      <p:cxnSp>
+        <p:nvCxnSpPr>
+          <p:cNvPr id="52" name="Conector recto de flecha 51">
+            <a:extLst>
+              <a:ext uri="{FF2B5EF4-FFF2-40B4-BE49-F238E27FC236}">
+                <a16:creationId xmlns:a16="http://schemas.microsoft.com/office/drawing/2014/main" id="{128D6958-B0B0-429C-9A4A-28EBA6990BBC}"/>
+              </a:ext>
+            </a:extLst>
+          </p:cNvPr>
+          <p:cNvCxnSpPr>
+            <a:cxnSpLocks/>
+          </p:cNvCxnSpPr>
+          <p:nvPr/>
+        </p:nvCxnSpPr>
+        <p:spPr>
+          <a:xfrm rot="5400000" flipH="1">
+            <a:off x="3883717" y="1207986"/>
+            <a:ext cx="405921" cy="0"/>
+          </a:xfrm>
+          <a:prstGeom prst="straightConnector1">
+            <a:avLst/>
+          </a:prstGeom>
+          <a:ln w="38100">
+            <a:solidFill>
+              <a:srgbClr val="FF0000"/>
+            </a:solidFill>
+            <a:tailEnd type="triangle"/>
+          </a:ln>
+        </p:spPr>
+        <p:style>
+          <a:lnRef idx="1">
+            <a:schemeClr val="accent1"/>
+          </a:lnRef>
+          <a:fillRef idx="0">
+            <a:schemeClr val="accent1"/>
+          </a:fillRef>
+          <a:effectRef idx="0">
+            <a:schemeClr val="accent1"/>
+          </a:effectRef>
+          <a:fontRef idx="minor">
+            <a:schemeClr val="tx1"/>
+          </a:fontRef>
+        </p:style>
+      </p:cxnSp>
+      <p:cxnSp>
+        <p:nvCxnSpPr>
+          <p:cNvPr id="56" name="Conector recto de flecha 55">
+            <a:extLst>
+              <a:ext uri="{FF2B5EF4-FFF2-40B4-BE49-F238E27FC236}">
+                <a16:creationId xmlns:a16="http://schemas.microsoft.com/office/drawing/2014/main" id="{692ADA89-A256-477E-BF0A-74714AC1906C}"/>
+              </a:ext>
+            </a:extLst>
+          </p:cNvPr>
+          <p:cNvCxnSpPr>
+            <a:cxnSpLocks/>
+          </p:cNvCxnSpPr>
+          <p:nvPr/>
+        </p:nvCxnSpPr>
+        <p:spPr>
+          <a:xfrm rot="5400000" flipH="1">
+            <a:off x="372826" y="1207986"/>
+            <a:ext cx="405921" cy="0"/>
+          </a:xfrm>
+          <a:prstGeom prst="straightConnector1">
+            <a:avLst/>
+          </a:prstGeom>
+          <a:ln w="38100">
+            <a:solidFill>
+              <a:srgbClr val="FF0000"/>
+            </a:solidFill>
+            <a:tailEnd type="triangle"/>
+          </a:ln>
+        </p:spPr>
+        <p:style>
+          <a:lnRef idx="1">
+            <a:schemeClr val="accent1"/>
+          </a:lnRef>
+          <a:fillRef idx="0">
+            <a:schemeClr val="accent1"/>
+          </a:fillRef>
+          <a:effectRef idx="0">
+            <a:schemeClr val="accent1"/>
+          </a:effectRef>
+          <a:fontRef idx="minor">
+            <a:schemeClr val="tx1"/>
+          </a:fontRef>
+        </p:style>
+      </p:cxnSp>
+      <p:sp>
+        <p:nvSpPr>
+          <p:cNvPr id="57" name="Cilindro 56">
+            <a:extLst>
+              <a:ext uri="{FF2B5EF4-FFF2-40B4-BE49-F238E27FC236}">
+                <a16:creationId xmlns:a16="http://schemas.microsoft.com/office/drawing/2014/main" id="{C606AC1B-7CBE-4B86-8856-0914ADEEF0A2}"/>
+              </a:ext>
+            </a:extLst>
+          </p:cNvPr>
+          <p:cNvSpPr/>
+          <p:nvPr/>
+        </p:nvSpPr>
+        <p:spPr>
+          <a:xfrm>
+            <a:off x="6997038" y="899662"/>
+            <a:ext cx="228471" cy="648091"/>
+          </a:xfrm>
+          <a:prstGeom prst="can">
+            <a:avLst/>
+          </a:prstGeom>
+          <a:solidFill>
+            <a:schemeClr val="tx1">
+              <a:lumMod val="50000"/>
+              <a:lumOff val="50000"/>
+            </a:schemeClr>
+          </a:solidFill>
+          <a:ln>
+            <a:solidFill>
+              <a:schemeClr val="tx1">
+                <a:lumMod val="50000"/>
+                <a:lumOff val="50000"/>
+              </a:schemeClr>
+            </a:solidFill>
+          </a:ln>
+        </p:spPr>
+        <p:style>
+          <a:lnRef idx="2">
+            <a:schemeClr val="accent1">
+              <a:shade val="50000"/>
+            </a:schemeClr>
+          </a:lnRef>
+          <a:fillRef idx="1">
+            <a:schemeClr val="accent1"/>
+          </a:fillRef>
+          <a:effectRef idx="0">
+            <a:schemeClr val="accent1"/>
+          </a:effectRef>
+          <a:fontRef idx="minor">
+            <a:schemeClr val="lt1"/>
+          </a:fontRef>
+        </p:style>
+        <p:txBody>
+          <a:bodyPr rtlCol="0" anchor="ctr"/>
+          <a:lstStyle/>
+          <a:p>
+            <a:pPr algn="ctr"/>
+            <a:endParaRPr lang="es-MX" sz="1771"/>
+          </a:p>
+        </p:txBody>
+      </p:sp>
+      <p:sp>
+        <p:nvSpPr>
+          <p:cNvPr id="58" name="Cilindro 57">
+            <a:extLst>
+              <a:ext uri="{FF2B5EF4-FFF2-40B4-BE49-F238E27FC236}">
+                <a16:creationId xmlns:a16="http://schemas.microsoft.com/office/drawing/2014/main" id="{B65CFB69-F02B-4470-B9F1-D27F8B9D5851}"/>
+              </a:ext>
+            </a:extLst>
+          </p:cNvPr>
+          <p:cNvSpPr/>
+          <p:nvPr/>
+        </p:nvSpPr>
+        <p:spPr>
+          <a:xfrm>
+            <a:off x="5942465" y="899662"/>
+            <a:ext cx="228471" cy="648091"/>
+          </a:xfrm>
+          <a:prstGeom prst="can">
+            <a:avLst/>
+          </a:prstGeom>
+          <a:solidFill>
+            <a:schemeClr val="tx1">
+              <a:lumMod val="50000"/>
+              <a:lumOff val="50000"/>
+            </a:schemeClr>
+          </a:solidFill>
+          <a:ln>
+            <a:solidFill>
+              <a:schemeClr val="tx1">
+                <a:lumMod val="50000"/>
+                <a:lumOff val="50000"/>
+              </a:schemeClr>
+            </a:solidFill>
+          </a:ln>
+        </p:spPr>
+        <p:style>
+          <a:lnRef idx="2">
+            <a:schemeClr val="accent1">
+              <a:shade val="50000"/>
+            </a:schemeClr>
+          </a:lnRef>
+          <a:fillRef idx="1">
+            <a:schemeClr val="accent1"/>
+          </a:fillRef>
+          <a:effectRef idx="0">
+            <a:schemeClr val="accent1"/>
+          </a:effectRef>
+          <a:fontRef idx="minor">
+            <a:schemeClr val="lt1"/>
+          </a:fontRef>
+        </p:style>
+        <p:txBody>
+          <a:bodyPr rtlCol="0" anchor="ctr"/>
+          <a:lstStyle/>
+          <a:p>
+            <a:pPr algn="ctr"/>
+            <a:endParaRPr lang="es-MX" sz="1771"/>
+          </a:p>
+        </p:txBody>
+      </p:sp>
+      <p:cxnSp>
+        <p:nvCxnSpPr>
+          <p:cNvPr id="59" name="Conector recto de flecha 58">
+            <a:extLst>
+              <a:ext uri="{FF2B5EF4-FFF2-40B4-BE49-F238E27FC236}">
+                <a16:creationId xmlns:a16="http://schemas.microsoft.com/office/drawing/2014/main" id="{FAE5E322-E109-47A9-80E2-3876B7D637A9}"/>
+              </a:ext>
+            </a:extLst>
+          </p:cNvPr>
+          <p:cNvCxnSpPr>
+            <a:cxnSpLocks/>
+          </p:cNvCxnSpPr>
+          <p:nvPr/>
+        </p:nvCxnSpPr>
+        <p:spPr>
+          <a:xfrm flipH="1">
+            <a:off x="7399043" y="1004210"/>
+            <a:ext cx="405921" cy="0"/>
+          </a:xfrm>
+          <a:prstGeom prst="straightConnector1">
+            <a:avLst/>
+          </a:prstGeom>
+          <a:ln w="38100">
+            <a:solidFill>
+              <a:schemeClr val="accent1"/>
+            </a:solidFill>
+            <a:tailEnd type="triangle"/>
+          </a:ln>
+        </p:spPr>
+        <p:style>
+          <a:lnRef idx="1">
+            <a:schemeClr val="accent1"/>
+          </a:lnRef>
+          <a:fillRef idx="0">
+            <a:schemeClr val="accent1"/>
+          </a:fillRef>
+          <a:effectRef idx="0">
+            <a:schemeClr val="accent1"/>
+          </a:effectRef>
+          <a:fontRef idx="minor">
+            <a:schemeClr val="tx1"/>
+          </a:fontRef>
+        </p:style>
+      </p:cxnSp>
+      <p:cxnSp>
+        <p:nvCxnSpPr>
+          <p:cNvPr id="72" name="Conector recto de flecha 71">
+            <a:extLst>
+              <a:ext uri="{FF2B5EF4-FFF2-40B4-BE49-F238E27FC236}">
+                <a16:creationId xmlns:a16="http://schemas.microsoft.com/office/drawing/2014/main" id="{50ADC044-754F-47C2-9307-1E61B8ADBC64}"/>
+              </a:ext>
+            </a:extLst>
+          </p:cNvPr>
+          <p:cNvCxnSpPr>
+            <a:cxnSpLocks/>
+          </p:cNvCxnSpPr>
+          <p:nvPr/>
+        </p:nvCxnSpPr>
+        <p:spPr>
+          <a:xfrm>
+            <a:off x="5333527" y="1004210"/>
+            <a:ext cx="405921" cy="0"/>
+          </a:xfrm>
+          <a:prstGeom prst="straightConnector1">
+            <a:avLst/>
+          </a:prstGeom>
+          <a:ln w="38100">
+            <a:solidFill>
+              <a:schemeClr val="accent1"/>
+            </a:solidFill>
+            <a:tailEnd type="triangle"/>
+          </a:ln>
+        </p:spPr>
+        <p:style>
+          <a:lnRef idx="1">
+            <a:schemeClr val="accent1"/>
+          </a:lnRef>
+          <a:fillRef idx="0">
+            <a:schemeClr val="accent1"/>
+          </a:fillRef>
+          <a:effectRef idx="0">
+            <a:schemeClr val="accent1"/>
+          </a:effectRef>
+          <a:fontRef idx="minor">
+            <a:schemeClr val="tx1"/>
+          </a:fontRef>
+        </p:style>
+      </p:cxnSp>
+      <p:sp>
+        <p:nvSpPr>
+          <p:cNvPr id="80" name="Cilindro 79">
+            <a:extLst>
+              <a:ext uri="{FF2B5EF4-FFF2-40B4-BE49-F238E27FC236}">
+                <a16:creationId xmlns:a16="http://schemas.microsoft.com/office/drawing/2014/main" id="{DC2CA59E-7CFF-497B-BCE2-00B6BDFFE63B}"/>
+              </a:ext>
+            </a:extLst>
+          </p:cNvPr>
+          <p:cNvSpPr/>
+          <p:nvPr/>
+        </p:nvSpPr>
+        <p:spPr>
+          <a:xfrm>
+            <a:off x="9665230" y="934785"/>
+            <a:ext cx="228471" cy="648091"/>
+          </a:xfrm>
+          <a:prstGeom prst="can">
+            <a:avLst/>
+          </a:prstGeom>
+          <a:solidFill>
+            <a:schemeClr val="tx1">
+              <a:lumMod val="50000"/>
+              <a:lumOff val="50000"/>
+            </a:schemeClr>
+          </a:solidFill>
+          <a:ln>
+            <a:solidFill>
+              <a:schemeClr val="tx1">
+                <a:lumMod val="50000"/>
+                <a:lumOff val="50000"/>
+              </a:schemeClr>
+            </a:solidFill>
+          </a:ln>
+        </p:spPr>
+        <p:style>
+          <a:lnRef idx="2">
+            <a:schemeClr val="accent1">
+              <a:shade val="50000"/>
+            </a:schemeClr>
+          </a:lnRef>
+          <a:fillRef idx="1">
+            <a:schemeClr val="accent1"/>
+          </a:fillRef>
+          <a:effectRef idx="0">
+            <a:schemeClr val="accent1"/>
+          </a:effectRef>
+          <a:fontRef idx="minor">
+            <a:schemeClr val="lt1"/>
+          </a:fontRef>
+        </p:style>
+        <p:txBody>
+          <a:bodyPr rtlCol="0" anchor="ctr"/>
+          <a:lstStyle/>
+          <a:p>
+            <a:pPr algn="ctr"/>
+            <a:endParaRPr lang="es-MX" sz="1771"/>
+          </a:p>
+        </p:txBody>
+      </p:sp>
+      <p:sp>
+        <p:nvSpPr>
+          <p:cNvPr id="81" name="Cilindro 80">
+            <a:extLst>
+              <a:ext uri="{FF2B5EF4-FFF2-40B4-BE49-F238E27FC236}">
+                <a16:creationId xmlns:a16="http://schemas.microsoft.com/office/drawing/2014/main" id="{4435F6F3-4FE6-4911-8A06-142B80118E20}"/>
+              </a:ext>
+            </a:extLst>
+          </p:cNvPr>
+          <p:cNvSpPr/>
+          <p:nvPr/>
+        </p:nvSpPr>
+        <p:spPr>
+          <a:xfrm>
+            <a:off x="11560643" y="934785"/>
+            <a:ext cx="228471" cy="648091"/>
+          </a:xfrm>
+          <a:prstGeom prst="can">
+            <a:avLst/>
+          </a:prstGeom>
+          <a:solidFill>
+            <a:schemeClr val="tx1">
+              <a:lumMod val="50000"/>
+              <a:lumOff val="50000"/>
+            </a:schemeClr>
+          </a:solidFill>
+          <a:ln>
+            <a:solidFill>
+              <a:schemeClr val="tx1">
+                <a:lumMod val="50000"/>
+                <a:lumOff val="50000"/>
+              </a:schemeClr>
+            </a:solidFill>
+          </a:ln>
+        </p:spPr>
+        <p:style>
+          <a:lnRef idx="2">
+            <a:schemeClr val="accent1">
+              <a:shade val="50000"/>
+            </a:schemeClr>
+          </a:lnRef>
+          <a:fillRef idx="1">
+            <a:schemeClr val="accent1"/>
+          </a:fillRef>
+          <a:effectRef idx="0">
+            <a:schemeClr val="accent1"/>
+          </a:effectRef>
+          <a:fontRef idx="minor">
+            <a:schemeClr val="lt1"/>
+          </a:fontRef>
+        </p:style>
+        <p:txBody>
+          <a:bodyPr rtlCol="0" anchor="ctr"/>
+          <a:lstStyle/>
+          <a:p>
+            <a:pPr algn="ctr"/>
+            <a:endParaRPr lang="es-MX" sz="1771"/>
+          </a:p>
+        </p:txBody>
+      </p:sp>
+      <p:pic>
+        <p:nvPicPr>
+          <p:cNvPr id="82" name="Imagen 81" descr="Imagen que contiene cama, blanco, camiseta, negro&#10;&#10;Descripción generada automáticamente">
+            <a:extLst>
+              <a:ext uri="{FF2B5EF4-FFF2-40B4-BE49-F238E27FC236}">
+                <a16:creationId xmlns:a16="http://schemas.microsoft.com/office/drawing/2014/main" id="{6F235471-2399-4790-9782-2A25F01940C6}"/>
+              </a:ext>
+            </a:extLst>
+          </p:cNvPr>
+          <p:cNvPicPr>
+            <a:picLocks noChangeAspect="1"/>
+          </p:cNvPicPr>
+          <p:nvPr/>
+        </p:nvPicPr>
+        <p:blipFill>
+          <a:blip r:embed="rId3">
+            <a:extLst>
+              <a:ext uri="{28A0092B-C50C-407E-A947-70E740481C1C}">
+                <a14:useLocalDpi xmlns:a14="http://schemas.microsoft.com/office/drawing/2010/main" val="0"/>
+              </a:ext>
+            </a:extLst>
+          </a:blip>
+          <a:stretch>
+            <a:fillRect/>
+          </a:stretch>
+        </p:blipFill>
+        <p:spPr>
+          <a:xfrm flipV="1">
+            <a:off x="2699670" y="5242194"/>
+            <a:ext cx="1328210" cy="1771563"/>
+          </a:xfrm>
+          <a:prstGeom prst="rect">
+            <a:avLst/>
+          </a:prstGeom>
+          <a:ln>
+            <a:noFill/>
+          </a:ln>
+        </p:spPr>
+      </p:pic>
+      <p:pic>
+        <p:nvPicPr>
+          <p:cNvPr id="83" name="Imagen 82" descr="Imagen que contiene cama, blanco, camiseta, negro&#10;&#10;Descripción generada automáticamente">
+            <a:extLst>
+              <a:ext uri="{FF2B5EF4-FFF2-40B4-BE49-F238E27FC236}">
+                <a16:creationId xmlns:a16="http://schemas.microsoft.com/office/drawing/2014/main" id="{D79E541D-CAC4-4609-B9BC-1EF9DDBF6FC7}"/>
+              </a:ext>
+            </a:extLst>
+          </p:cNvPr>
+          <p:cNvPicPr>
+            <a:picLocks noChangeAspect="1"/>
+          </p:cNvPicPr>
+          <p:nvPr/>
+        </p:nvPicPr>
+        <p:blipFill>
+          <a:blip r:embed="rId3">
+            <a:extLst>
+              <a:ext uri="{28A0092B-C50C-407E-A947-70E740481C1C}">
+                <a14:useLocalDpi xmlns:a14="http://schemas.microsoft.com/office/drawing/2010/main" val="0"/>
+              </a:ext>
+            </a:extLst>
+          </a:blip>
+          <a:stretch>
+            <a:fillRect/>
+          </a:stretch>
+        </p:blipFill>
+        <p:spPr>
+          <a:xfrm flipH="1" flipV="1">
+            <a:off x="575786" y="5242194"/>
+            <a:ext cx="1328210" cy="1771563"/>
+          </a:xfrm>
+          <a:prstGeom prst="rect">
+            <a:avLst/>
+          </a:prstGeom>
+          <a:ln>
+            <a:noFill/>
+          </a:ln>
+        </p:spPr>
+      </p:pic>
+      <p:sp>
+        <p:nvSpPr>
+          <p:cNvPr id="84" name="Cilindro 83">
+            <a:extLst>
+              <a:ext uri="{FF2B5EF4-FFF2-40B4-BE49-F238E27FC236}">
+                <a16:creationId xmlns:a16="http://schemas.microsoft.com/office/drawing/2014/main" id="{84D70CFA-5CB4-4672-8F0A-8C47C4CD250F}"/>
+              </a:ext>
+            </a:extLst>
+          </p:cNvPr>
+          <p:cNvSpPr/>
+          <p:nvPr/>
+        </p:nvSpPr>
+        <p:spPr>
+          <a:xfrm>
+            <a:off x="1239891" y="5162428"/>
+            <a:ext cx="228471" cy="648091"/>
+          </a:xfrm>
+          <a:prstGeom prst="can">
+            <a:avLst/>
+          </a:prstGeom>
+          <a:solidFill>
+            <a:schemeClr val="tx1">
+              <a:lumMod val="50000"/>
+              <a:lumOff val="50000"/>
+            </a:schemeClr>
+          </a:solidFill>
+          <a:ln>
+            <a:solidFill>
+              <a:schemeClr val="tx1">
+                <a:lumMod val="50000"/>
+                <a:lumOff val="50000"/>
+              </a:schemeClr>
+            </a:solidFill>
+          </a:ln>
+        </p:spPr>
+        <p:style>
+          <a:lnRef idx="2">
+            <a:schemeClr val="accent1">
+              <a:shade val="50000"/>
+            </a:schemeClr>
+          </a:lnRef>
+          <a:fillRef idx="1">
+            <a:schemeClr val="accent1"/>
+          </a:fillRef>
+          <a:effectRef idx="0">
+            <a:schemeClr val="accent1"/>
+          </a:effectRef>
+          <a:fontRef idx="minor">
+            <a:schemeClr val="lt1"/>
+          </a:fontRef>
+        </p:style>
+        <p:txBody>
+          <a:bodyPr rtlCol="0" anchor="ctr"/>
+          <a:lstStyle/>
+          <a:p>
+            <a:pPr algn="ctr"/>
+            <a:endParaRPr lang="es-MX" sz="1771"/>
+          </a:p>
+        </p:txBody>
+      </p:sp>
+      <p:sp>
+        <p:nvSpPr>
+          <p:cNvPr id="85" name="Cilindro 84">
+            <a:extLst>
+              <a:ext uri="{FF2B5EF4-FFF2-40B4-BE49-F238E27FC236}">
+                <a16:creationId xmlns:a16="http://schemas.microsoft.com/office/drawing/2014/main" id="{73CFE341-1029-4850-9521-F6795C6C363C}"/>
+              </a:ext>
+            </a:extLst>
+          </p:cNvPr>
+          <p:cNvSpPr/>
+          <p:nvPr/>
+        </p:nvSpPr>
+        <p:spPr>
+          <a:xfrm>
+            <a:off x="3135304" y="5162428"/>
+            <a:ext cx="228471" cy="648091"/>
+          </a:xfrm>
+          <a:prstGeom prst="can">
+            <a:avLst/>
+          </a:prstGeom>
+          <a:solidFill>
+            <a:schemeClr val="tx1">
+              <a:lumMod val="50000"/>
+              <a:lumOff val="50000"/>
+            </a:schemeClr>
+          </a:solidFill>
+          <a:ln>
+            <a:solidFill>
+              <a:schemeClr val="tx1">
+                <a:lumMod val="50000"/>
+                <a:lumOff val="50000"/>
+              </a:schemeClr>
+            </a:solidFill>
+          </a:ln>
+        </p:spPr>
+        <p:style>
+          <a:lnRef idx="2">
+            <a:schemeClr val="accent1">
+              <a:shade val="50000"/>
+            </a:schemeClr>
+          </a:lnRef>
+          <a:fillRef idx="1">
+            <a:schemeClr val="accent1"/>
+          </a:fillRef>
+          <a:effectRef idx="0">
+            <a:schemeClr val="accent1"/>
+          </a:effectRef>
+          <a:fontRef idx="minor">
+            <a:schemeClr val="lt1"/>
+          </a:fontRef>
+        </p:style>
+        <p:txBody>
+          <a:bodyPr rtlCol="0" anchor="ctr"/>
+          <a:lstStyle/>
+          <a:p>
+            <a:pPr algn="ctr"/>
+            <a:endParaRPr lang="es-MX" sz="1771"/>
+          </a:p>
+        </p:txBody>
+      </p:sp>
+      <p:cxnSp>
+        <p:nvCxnSpPr>
+          <p:cNvPr id="91" name="Conector recto de flecha 90">
+            <a:extLst>
+              <a:ext uri="{FF2B5EF4-FFF2-40B4-BE49-F238E27FC236}">
+                <a16:creationId xmlns:a16="http://schemas.microsoft.com/office/drawing/2014/main" id="{A7BF4C6E-2CCC-42BE-ADD3-8607DDF62D94}"/>
+              </a:ext>
+            </a:extLst>
+          </p:cNvPr>
+          <p:cNvCxnSpPr>
+            <a:cxnSpLocks/>
+          </p:cNvCxnSpPr>
+          <p:nvPr/>
+        </p:nvCxnSpPr>
+        <p:spPr>
+          <a:xfrm rot="5400000" flipH="1">
+            <a:off x="2496709" y="5445154"/>
+            <a:ext cx="405921" cy="0"/>
+          </a:xfrm>
+          <a:prstGeom prst="straightConnector1">
+            <a:avLst/>
+          </a:prstGeom>
+          <a:ln w="38100">
+            <a:solidFill>
+              <a:srgbClr val="00B050"/>
+            </a:solidFill>
+            <a:tailEnd type="triangle"/>
+          </a:ln>
+        </p:spPr>
+        <p:style>
+          <a:lnRef idx="1">
+            <a:schemeClr val="accent1"/>
+          </a:lnRef>
+          <a:fillRef idx="0">
+            <a:schemeClr val="accent1"/>
+          </a:fillRef>
+          <a:effectRef idx="0">
+            <a:schemeClr val="accent1"/>
+          </a:effectRef>
+          <a:fontRef idx="minor">
+            <a:schemeClr val="tx1"/>
+          </a:fontRef>
+        </p:style>
+      </p:cxnSp>
+      <p:cxnSp>
+        <p:nvCxnSpPr>
+          <p:cNvPr id="93" name="Conector recto de flecha 92">
+            <a:extLst>
+              <a:ext uri="{FF2B5EF4-FFF2-40B4-BE49-F238E27FC236}">
+                <a16:creationId xmlns:a16="http://schemas.microsoft.com/office/drawing/2014/main" id="{D7555E66-7E61-47AE-899D-E8D0698D1CAD}"/>
+              </a:ext>
+            </a:extLst>
+          </p:cNvPr>
+          <p:cNvCxnSpPr>
+            <a:cxnSpLocks/>
+          </p:cNvCxnSpPr>
+          <p:nvPr/>
+        </p:nvCxnSpPr>
+        <p:spPr>
+          <a:xfrm rot="5400000" flipH="1">
+            <a:off x="1701035" y="5445154"/>
+            <a:ext cx="405921" cy="0"/>
+          </a:xfrm>
+          <a:prstGeom prst="straightConnector1">
+            <a:avLst/>
+          </a:prstGeom>
+          <a:ln w="38100">
+            <a:solidFill>
+              <a:srgbClr val="00B050"/>
+            </a:solidFill>
+            <a:tailEnd type="triangle"/>
+          </a:ln>
+        </p:spPr>
+        <p:style>
+          <a:lnRef idx="1">
+            <a:schemeClr val="accent1"/>
+          </a:lnRef>
+          <a:fillRef idx="0">
+            <a:schemeClr val="accent1"/>
+          </a:fillRef>
+          <a:effectRef idx="0">
+            <a:schemeClr val="accent1"/>
+          </a:effectRef>
+          <a:fontRef idx="minor">
+            <a:schemeClr val="tx1"/>
+          </a:fontRef>
+        </p:style>
+      </p:cxnSp>
+      <p:cxnSp>
+        <p:nvCxnSpPr>
+          <p:cNvPr id="94" name="Conector recto de flecha 93">
+            <a:extLst>
+              <a:ext uri="{FF2B5EF4-FFF2-40B4-BE49-F238E27FC236}">
+                <a16:creationId xmlns:a16="http://schemas.microsoft.com/office/drawing/2014/main" id="{51F4E081-29B9-4382-8098-75F9B338F400}"/>
+              </a:ext>
+            </a:extLst>
+          </p:cNvPr>
+          <p:cNvCxnSpPr>
+            <a:cxnSpLocks/>
+          </p:cNvCxnSpPr>
+          <p:nvPr/>
+        </p:nvCxnSpPr>
+        <p:spPr>
+          <a:xfrm>
+            <a:off x="3621959" y="5242193"/>
+            <a:ext cx="405921" cy="0"/>
+          </a:xfrm>
+          <a:prstGeom prst="straightConnector1">
+            <a:avLst/>
+          </a:prstGeom>
+          <a:ln w="38100">
+            <a:solidFill>
+              <a:schemeClr val="accent1"/>
+            </a:solidFill>
+            <a:tailEnd type="triangle"/>
+          </a:ln>
+        </p:spPr>
+        <p:style>
+          <a:lnRef idx="1">
+            <a:schemeClr val="accent1"/>
+          </a:lnRef>
+          <a:fillRef idx="0">
+            <a:schemeClr val="accent1"/>
+          </a:fillRef>
+          <a:effectRef idx="0">
+            <a:schemeClr val="accent1"/>
+          </a:effectRef>
+          <a:fontRef idx="minor">
+            <a:schemeClr val="tx1"/>
+          </a:fontRef>
+        </p:style>
+      </p:cxnSp>
+      <p:cxnSp>
+        <p:nvCxnSpPr>
+          <p:cNvPr id="95" name="Conector recto de flecha 94">
+            <a:extLst>
+              <a:ext uri="{FF2B5EF4-FFF2-40B4-BE49-F238E27FC236}">
+                <a16:creationId xmlns:a16="http://schemas.microsoft.com/office/drawing/2014/main" id="{26304D56-F97B-40A8-8A7F-CDEB0D50E418}"/>
+              </a:ext>
+            </a:extLst>
+          </p:cNvPr>
+          <p:cNvCxnSpPr>
+            <a:cxnSpLocks/>
+          </p:cNvCxnSpPr>
+          <p:nvPr/>
+        </p:nvCxnSpPr>
+        <p:spPr>
+          <a:xfrm flipH="1">
+            <a:off x="575786" y="5242193"/>
+            <a:ext cx="405921" cy="0"/>
+          </a:xfrm>
+          <a:prstGeom prst="straightConnector1">
+            <a:avLst/>
+          </a:prstGeom>
+          <a:ln w="38100">
+            <a:solidFill>
+              <a:schemeClr val="accent1"/>
+            </a:solidFill>
+            <a:tailEnd type="triangle"/>
+          </a:ln>
+        </p:spPr>
+        <p:style>
+          <a:lnRef idx="1">
+            <a:schemeClr val="accent1"/>
+          </a:lnRef>
+          <a:fillRef idx="0">
+            <a:schemeClr val="accent1"/>
+          </a:fillRef>
+          <a:effectRef idx="0">
+            <a:schemeClr val="accent1"/>
+          </a:effectRef>
+          <a:fontRef idx="minor">
+            <a:schemeClr val="tx1"/>
+          </a:fontRef>
+        </p:style>
+      </p:cxnSp>
+      <p:pic>
+        <p:nvPicPr>
+          <p:cNvPr id="96" name="Imagen 95" descr="Imagen que contiene cama, blanco, camiseta, negro&#10;&#10;Descripción generada automáticamente">
+            <a:extLst>
+              <a:ext uri="{FF2B5EF4-FFF2-40B4-BE49-F238E27FC236}">
+                <a16:creationId xmlns:a16="http://schemas.microsoft.com/office/drawing/2014/main" id="{FE8A833B-0A07-4102-BC99-929410B194FC}"/>
+              </a:ext>
+            </a:extLst>
+          </p:cNvPr>
+          <p:cNvPicPr>
+            <a:picLocks noChangeAspect="1"/>
+          </p:cNvPicPr>
+          <p:nvPr/>
+        </p:nvPicPr>
+        <p:blipFill>
+          <a:blip r:embed="rId3">
+            <a:extLst>
+              <a:ext uri="{28A0092B-C50C-407E-A947-70E740481C1C}">
+                <a14:useLocalDpi xmlns:a14="http://schemas.microsoft.com/office/drawing/2010/main" val="0"/>
+              </a:ext>
+            </a:extLst>
+          </a:blip>
+          <a:stretch>
+            <a:fillRect/>
+          </a:stretch>
+        </p:blipFill>
+        <p:spPr>
+          <a:xfrm flipV="1">
+            <a:off x="6896540" y="5242194"/>
+            <a:ext cx="1328210" cy="1771563"/>
+          </a:xfrm>
+          <a:prstGeom prst="rect">
+            <a:avLst/>
+          </a:prstGeom>
+          <a:ln>
+            <a:noFill/>
+          </a:ln>
+        </p:spPr>
+      </p:pic>
+      <p:pic>
+        <p:nvPicPr>
+          <p:cNvPr id="97" name="Imagen 96" descr="Imagen que contiene cama, blanco, camiseta, negro&#10;&#10;Descripción generada automáticamente">
+            <a:extLst>
+              <a:ext uri="{FF2B5EF4-FFF2-40B4-BE49-F238E27FC236}">
+                <a16:creationId xmlns:a16="http://schemas.microsoft.com/office/drawing/2014/main" id="{6094B80E-6F6B-4A66-B972-C0A33AD52DFE}"/>
+              </a:ext>
+            </a:extLst>
+          </p:cNvPr>
+          <p:cNvPicPr>
+            <a:picLocks noChangeAspect="1"/>
+          </p:cNvPicPr>
+          <p:nvPr/>
+        </p:nvPicPr>
+        <p:blipFill>
+          <a:blip r:embed="rId3">
+            <a:extLst>
+              <a:ext uri="{28A0092B-C50C-407E-A947-70E740481C1C}">
+                <a14:useLocalDpi xmlns:a14="http://schemas.microsoft.com/office/drawing/2010/main" val="0"/>
+              </a:ext>
+            </a:extLst>
+          </a:blip>
+          <a:stretch>
+            <a:fillRect/>
+          </a:stretch>
+        </p:blipFill>
+        <p:spPr>
+          <a:xfrm flipH="1" flipV="1">
+            <a:off x="4772656" y="5242194"/>
+            <a:ext cx="1328210" cy="1771563"/>
+          </a:xfrm>
+          <a:prstGeom prst="rect">
+            <a:avLst/>
+          </a:prstGeom>
+          <a:ln>
+            <a:noFill/>
+          </a:ln>
+        </p:spPr>
+      </p:pic>
+      <p:sp>
+        <p:nvSpPr>
+          <p:cNvPr id="98" name="Cilindro 97">
+            <a:extLst>
+              <a:ext uri="{FF2B5EF4-FFF2-40B4-BE49-F238E27FC236}">
+                <a16:creationId xmlns:a16="http://schemas.microsoft.com/office/drawing/2014/main" id="{D2E391CC-49E4-41B8-8B05-77946EEEB3A2}"/>
+              </a:ext>
+            </a:extLst>
+          </p:cNvPr>
+          <p:cNvSpPr/>
+          <p:nvPr/>
+        </p:nvSpPr>
+        <p:spPr>
+          <a:xfrm>
+            <a:off x="5436761" y="5162428"/>
+            <a:ext cx="228471" cy="648091"/>
+          </a:xfrm>
+          <a:prstGeom prst="can">
+            <a:avLst/>
+          </a:prstGeom>
+          <a:solidFill>
+            <a:schemeClr val="tx1">
+              <a:lumMod val="50000"/>
+              <a:lumOff val="50000"/>
+            </a:schemeClr>
+          </a:solidFill>
+          <a:ln>
+            <a:solidFill>
+              <a:schemeClr val="tx1">
+                <a:lumMod val="50000"/>
+                <a:lumOff val="50000"/>
+              </a:schemeClr>
+            </a:solidFill>
+          </a:ln>
+        </p:spPr>
+        <p:style>
+          <a:lnRef idx="2">
+            <a:schemeClr val="accent1">
+              <a:shade val="50000"/>
+            </a:schemeClr>
+          </a:lnRef>
+          <a:fillRef idx="1">
+            <a:schemeClr val="accent1"/>
+          </a:fillRef>
+          <a:effectRef idx="0">
+            <a:schemeClr val="accent1"/>
+          </a:effectRef>
+          <a:fontRef idx="minor">
+            <a:schemeClr val="lt1"/>
+          </a:fontRef>
+        </p:style>
+        <p:txBody>
+          <a:bodyPr rtlCol="0" anchor="ctr"/>
+          <a:lstStyle/>
+          <a:p>
+            <a:pPr algn="ctr"/>
+            <a:endParaRPr lang="es-MX" sz="1771"/>
+          </a:p>
+        </p:txBody>
+      </p:sp>
+      <p:sp>
+        <p:nvSpPr>
+          <p:cNvPr id="99" name="Cilindro 98">
+            <a:extLst>
+              <a:ext uri="{FF2B5EF4-FFF2-40B4-BE49-F238E27FC236}">
+                <a16:creationId xmlns:a16="http://schemas.microsoft.com/office/drawing/2014/main" id="{C588301C-479D-4333-8A4B-F4B0B7791148}"/>
+              </a:ext>
+            </a:extLst>
+          </p:cNvPr>
+          <p:cNvSpPr/>
+          <p:nvPr/>
+        </p:nvSpPr>
+        <p:spPr>
+          <a:xfrm>
+            <a:off x="7332174" y="5162428"/>
+            <a:ext cx="228471" cy="648091"/>
+          </a:xfrm>
+          <a:prstGeom prst="can">
+            <a:avLst/>
+          </a:prstGeom>
+          <a:solidFill>
+            <a:schemeClr val="tx1">
+              <a:lumMod val="50000"/>
+              <a:lumOff val="50000"/>
+            </a:schemeClr>
+          </a:solidFill>
+          <a:ln>
+            <a:solidFill>
+              <a:schemeClr val="tx1">
+                <a:lumMod val="50000"/>
+                <a:lumOff val="50000"/>
+              </a:schemeClr>
+            </a:solidFill>
+          </a:ln>
+        </p:spPr>
+        <p:style>
+          <a:lnRef idx="2">
+            <a:schemeClr val="accent1">
+              <a:shade val="50000"/>
+            </a:schemeClr>
+          </a:lnRef>
+          <a:fillRef idx="1">
+            <a:schemeClr val="accent1"/>
+          </a:fillRef>
+          <a:effectRef idx="0">
+            <a:schemeClr val="accent1"/>
+          </a:effectRef>
+          <a:fontRef idx="minor">
+            <a:schemeClr val="lt1"/>
+          </a:fontRef>
+        </p:style>
+        <p:txBody>
+          <a:bodyPr rtlCol="0" anchor="ctr"/>
+          <a:lstStyle/>
+          <a:p>
+            <a:pPr algn="ctr"/>
+            <a:endParaRPr lang="es-MX" sz="1771"/>
+          </a:p>
+        </p:txBody>
+      </p:sp>
+      <p:cxnSp>
+        <p:nvCxnSpPr>
+          <p:cNvPr id="100" name="Conector recto de flecha 99">
+            <a:extLst>
+              <a:ext uri="{FF2B5EF4-FFF2-40B4-BE49-F238E27FC236}">
+                <a16:creationId xmlns:a16="http://schemas.microsoft.com/office/drawing/2014/main" id="{7DBF5200-F6A4-4D8D-8276-ABB3AA87A08D}"/>
+              </a:ext>
+            </a:extLst>
+          </p:cNvPr>
+          <p:cNvCxnSpPr>
+            <a:cxnSpLocks/>
+          </p:cNvCxnSpPr>
+          <p:nvPr/>
+        </p:nvCxnSpPr>
+        <p:spPr>
+          <a:xfrm rot="16200000" flipH="1" flipV="1">
+            <a:off x="6693579" y="5445154"/>
+            <a:ext cx="405921" cy="0"/>
+          </a:xfrm>
+          <a:prstGeom prst="straightConnector1">
+            <a:avLst/>
+          </a:prstGeom>
+          <a:ln w="38100">
+            <a:solidFill>
+              <a:srgbClr val="00B050"/>
+            </a:solidFill>
+            <a:tailEnd type="triangle"/>
+          </a:ln>
+        </p:spPr>
+        <p:style>
+          <a:lnRef idx="1">
+            <a:schemeClr val="accent1"/>
+          </a:lnRef>
+          <a:fillRef idx="0">
+            <a:schemeClr val="accent1"/>
+          </a:fillRef>
+          <a:effectRef idx="0">
+            <a:schemeClr val="accent1"/>
+          </a:effectRef>
+          <a:fontRef idx="minor">
+            <a:schemeClr val="tx1"/>
+          </a:fontRef>
+        </p:style>
+      </p:cxnSp>
+      <p:cxnSp>
+        <p:nvCxnSpPr>
+          <p:cNvPr id="101" name="Conector recto de flecha 100">
+            <a:extLst>
+              <a:ext uri="{FF2B5EF4-FFF2-40B4-BE49-F238E27FC236}">
+                <a16:creationId xmlns:a16="http://schemas.microsoft.com/office/drawing/2014/main" id="{F8C9A538-6585-4BA8-A10D-1647A9A06571}"/>
+              </a:ext>
+            </a:extLst>
+          </p:cNvPr>
+          <p:cNvCxnSpPr>
+            <a:cxnSpLocks/>
+          </p:cNvCxnSpPr>
+          <p:nvPr/>
+        </p:nvCxnSpPr>
+        <p:spPr>
+          <a:xfrm rot="16200000" flipH="1" flipV="1">
+            <a:off x="5897905" y="5445154"/>
+            <a:ext cx="405921" cy="0"/>
+          </a:xfrm>
+          <a:prstGeom prst="straightConnector1">
+            <a:avLst/>
+          </a:prstGeom>
+          <a:ln w="38100">
+            <a:solidFill>
+              <a:srgbClr val="00B050"/>
+            </a:solidFill>
+            <a:tailEnd type="triangle"/>
+          </a:ln>
+        </p:spPr>
+        <p:style>
+          <a:lnRef idx="1">
+            <a:schemeClr val="accent1"/>
+          </a:lnRef>
+          <a:fillRef idx="0">
+            <a:schemeClr val="accent1"/>
+          </a:fillRef>
+          <a:effectRef idx="0">
+            <a:schemeClr val="accent1"/>
+          </a:effectRef>
+          <a:fontRef idx="minor">
+            <a:schemeClr val="tx1"/>
+          </a:fontRef>
+        </p:style>
+      </p:cxnSp>
+      <p:pic>
+        <p:nvPicPr>
+          <p:cNvPr id="104" name="Imagen 103" descr="Imagen que contiene negro, blanco, oscuro, mujer&#10;&#10;Descripción generada automáticamente">
+            <a:extLst>
+              <a:ext uri="{FF2B5EF4-FFF2-40B4-BE49-F238E27FC236}">
+                <a16:creationId xmlns:a16="http://schemas.microsoft.com/office/drawing/2014/main" id="{44C35E79-DF3F-498D-9A9F-9CF7CB36A9BE}"/>
+              </a:ext>
+            </a:extLst>
+          </p:cNvPr>
+          <p:cNvPicPr>
+            <a:picLocks noChangeAspect="1"/>
+          </p:cNvPicPr>
+          <p:nvPr/>
+        </p:nvPicPr>
+        <p:blipFill>
+          <a:blip r:embed="rId4">
+            <a:extLst>
+              <a:ext uri="{28A0092B-C50C-407E-A947-70E740481C1C}">
+                <a14:useLocalDpi xmlns:a14="http://schemas.microsoft.com/office/drawing/2010/main" val="0"/>
+              </a:ext>
+            </a:extLst>
+          </a:blip>
+          <a:stretch>
+            <a:fillRect/>
+          </a:stretch>
+        </p:blipFill>
+        <p:spPr>
+          <a:xfrm flipH="1" flipV="1">
+            <a:off x="9004259" y="5242193"/>
+            <a:ext cx="1328221" cy="1771563"/>
+          </a:xfrm>
+          <a:prstGeom prst="rect">
+            <a:avLst/>
+          </a:prstGeom>
+          <a:ln>
+            <a:noFill/>
+          </a:ln>
+        </p:spPr>
+      </p:pic>
+      <p:pic>
+        <p:nvPicPr>
+          <p:cNvPr id="105" name="Imagen 104" descr="Imagen que contiene negro, blanco, oscuro, mujer&#10;&#10;Descripción generada automáticamente">
+            <a:extLst>
+              <a:ext uri="{FF2B5EF4-FFF2-40B4-BE49-F238E27FC236}">
+                <a16:creationId xmlns:a16="http://schemas.microsoft.com/office/drawing/2014/main" id="{A671F43B-A086-4499-998D-09AAE18C147E}"/>
+              </a:ext>
+            </a:extLst>
+          </p:cNvPr>
+          <p:cNvPicPr>
+            <a:picLocks noChangeAspect="1"/>
+          </p:cNvPicPr>
+          <p:nvPr/>
+        </p:nvPicPr>
+        <p:blipFill>
+          <a:blip r:embed="rId4">
+            <a:extLst>
+              <a:ext uri="{28A0092B-C50C-407E-A947-70E740481C1C}">
+                <a14:useLocalDpi xmlns:a14="http://schemas.microsoft.com/office/drawing/2010/main" val="0"/>
+              </a:ext>
+            </a:extLst>
+          </a:blip>
+          <a:stretch>
+            <a:fillRect/>
+          </a:stretch>
+        </p:blipFill>
+        <p:spPr>
+          <a:xfrm flipV="1">
+            <a:off x="11158582" y="5242193"/>
+            <a:ext cx="1328221" cy="1771563"/>
+          </a:xfrm>
+          <a:prstGeom prst="rect">
+            <a:avLst/>
+          </a:prstGeom>
+          <a:ln>
+            <a:noFill/>
+          </a:ln>
+        </p:spPr>
+      </p:pic>
+      <p:sp>
+        <p:nvSpPr>
+          <p:cNvPr id="106" name="Cilindro 105">
+            <a:extLst>
+              <a:ext uri="{FF2B5EF4-FFF2-40B4-BE49-F238E27FC236}">
+                <a16:creationId xmlns:a16="http://schemas.microsoft.com/office/drawing/2014/main" id="{A6CBC32D-3755-4235-AAD2-613B130E38BD}"/>
+              </a:ext>
+            </a:extLst>
+          </p:cNvPr>
+          <p:cNvSpPr/>
+          <p:nvPr/>
+        </p:nvSpPr>
+        <p:spPr>
+          <a:xfrm>
+            <a:off x="11556244" y="5162428"/>
+            <a:ext cx="228471" cy="648091"/>
+          </a:xfrm>
+          <a:prstGeom prst="can">
+            <a:avLst/>
+          </a:prstGeom>
+          <a:solidFill>
+            <a:schemeClr val="tx1">
+              <a:lumMod val="50000"/>
+              <a:lumOff val="50000"/>
+            </a:schemeClr>
+          </a:solidFill>
+          <a:ln>
+            <a:solidFill>
+              <a:schemeClr val="tx1">
+                <a:lumMod val="50000"/>
+                <a:lumOff val="50000"/>
+              </a:schemeClr>
+            </a:solidFill>
+          </a:ln>
+        </p:spPr>
+        <p:style>
+          <a:lnRef idx="2">
+            <a:schemeClr val="accent1">
+              <a:shade val="50000"/>
+            </a:schemeClr>
+          </a:lnRef>
+          <a:fillRef idx="1">
+            <a:schemeClr val="accent1"/>
+          </a:fillRef>
+          <a:effectRef idx="0">
+            <a:schemeClr val="accent1"/>
+          </a:effectRef>
+          <a:fontRef idx="minor">
+            <a:schemeClr val="lt1"/>
+          </a:fontRef>
+        </p:style>
+        <p:txBody>
+          <a:bodyPr rtlCol="0" anchor="ctr"/>
+          <a:lstStyle/>
+          <a:p>
+            <a:pPr algn="ctr"/>
+            <a:endParaRPr lang="es-MX" sz="1771"/>
+          </a:p>
+        </p:txBody>
+      </p:sp>
+      <p:sp>
+        <p:nvSpPr>
+          <p:cNvPr id="107" name="Cilindro 106">
+            <a:extLst>
+              <a:ext uri="{FF2B5EF4-FFF2-40B4-BE49-F238E27FC236}">
+                <a16:creationId xmlns:a16="http://schemas.microsoft.com/office/drawing/2014/main" id="{FAE65270-6FCD-4D58-A09D-8BBF878A8E70}"/>
+              </a:ext>
+            </a:extLst>
+          </p:cNvPr>
+          <p:cNvSpPr/>
+          <p:nvPr/>
+        </p:nvSpPr>
+        <p:spPr>
+          <a:xfrm>
+            <a:off x="9723789" y="5162428"/>
+            <a:ext cx="228471" cy="648091"/>
+          </a:xfrm>
+          <a:prstGeom prst="can">
+            <a:avLst/>
+          </a:prstGeom>
+          <a:solidFill>
+            <a:schemeClr val="tx1">
+              <a:lumMod val="50000"/>
+              <a:lumOff val="50000"/>
+            </a:schemeClr>
+          </a:solidFill>
+          <a:ln>
+            <a:solidFill>
+              <a:schemeClr val="tx1">
+                <a:lumMod val="50000"/>
+                <a:lumOff val="50000"/>
+              </a:schemeClr>
+            </a:solidFill>
+          </a:ln>
+        </p:spPr>
+        <p:style>
+          <a:lnRef idx="2">
+            <a:schemeClr val="accent1">
+              <a:shade val="50000"/>
+            </a:schemeClr>
+          </a:lnRef>
+          <a:fillRef idx="1">
+            <a:schemeClr val="accent1"/>
+          </a:fillRef>
+          <a:effectRef idx="0">
+            <a:schemeClr val="accent1"/>
+          </a:effectRef>
+          <a:fontRef idx="minor">
+            <a:schemeClr val="lt1"/>
+          </a:fontRef>
+        </p:style>
+        <p:txBody>
+          <a:bodyPr rtlCol="0" anchor="ctr"/>
+          <a:lstStyle/>
+          <a:p>
+            <a:pPr algn="ctr"/>
+            <a:endParaRPr lang="es-MX" sz="1771"/>
+          </a:p>
+        </p:txBody>
+      </p:sp>
+      <p:sp>
+        <p:nvSpPr>
+          <p:cNvPr id="10" name="CuadroTexto 9">
+            <a:extLst>
+              <a:ext uri="{FF2B5EF4-FFF2-40B4-BE49-F238E27FC236}">
+                <a16:creationId xmlns:a16="http://schemas.microsoft.com/office/drawing/2014/main" id="{00D1DC84-40A4-4EF1-9C98-D476E2FC19FA}"/>
+              </a:ext>
+            </a:extLst>
+          </p:cNvPr>
+          <p:cNvSpPr txBox="1"/>
+          <p:nvPr/>
+        </p:nvSpPr>
+        <p:spPr>
+          <a:xfrm>
+            <a:off x="2106996" y="2786114"/>
+            <a:ext cx="436338" cy="369332"/>
+          </a:xfrm>
+          <a:prstGeom prst="rect">
+            <a:avLst/>
+          </a:prstGeom>
+          <a:noFill/>
+        </p:spPr>
+        <p:txBody>
+          <a:bodyPr wrap="none" rtlCol="0">
+            <a:spAutoFit/>
+          </a:bodyPr>
+          <a:lstStyle/>
+          <a:p>
+            <a:r>
+              <a:rPr lang="es-MX" dirty="0"/>
+              <a:t>(a)</a:t>
+            </a:r>
+          </a:p>
+        </p:txBody>
+      </p:sp>
+      <p:sp>
+        <p:nvSpPr>
+          <p:cNvPr id="110" name="CuadroTexto 109">
+            <a:extLst>
+              <a:ext uri="{FF2B5EF4-FFF2-40B4-BE49-F238E27FC236}">
+                <a16:creationId xmlns:a16="http://schemas.microsoft.com/office/drawing/2014/main" id="{F75E7082-74CA-46B6-94AF-426896DDF9F4}"/>
+              </a:ext>
+            </a:extLst>
+          </p:cNvPr>
+          <p:cNvSpPr txBox="1"/>
+          <p:nvPr/>
+        </p:nvSpPr>
+        <p:spPr>
+          <a:xfrm>
+            <a:off x="6371284" y="2782046"/>
+            <a:ext cx="447558" cy="369332"/>
+          </a:xfrm>
+          <a:prstGeom prst="rect">
+            <a:avLst/>
+          </a:prstGeom>
+          <a:noFill/>
+        </p:spPr>
+        <p:txBody>
+          <a:bodyPr wrap="none" rtlCol="0">
+            <a:spAutoFit/>
+          </a:bodyPr>
+          <a:lstStyle/>
+          <a:p>
+            <a:r>
+              <a:rPr lang="es-MX" dirty="0"/>
+              <a:t>(b)</a:t>
+            </a:r>
+          </a:p>
+        </p:txBody>
+      </p:sp>
+      <p:sp>
+        <p:nvSpPr>
+          <p:cNvPr id="111" name="CuadroTexto 110">
+            <a:extLst>
+              <a:ext uri="{FF2B5EF4-FFF2-40B4-BE49-F238E27FC236}">
+                <a16:creationId xmlns:a16="http://schemas.microsoft.com/office/drawing/2014/main" id="{07A3D81B-61B8-41E2-B700-D6DCE18E1E0F}"/>
+              </a:ext>
+            </a:extLst>
+          </p:cNvPr>
+          <p:cNvSpPr txBox="1"/>
+          <p:nvPr/>
+        </p:nvSpPr>
+        <p:spPr>
+          <a:xfrm>
+            <a:off x="10508988" y="2786114"/>
+            <a:ext cx="423514" cy="369332"/>
+          </a:xfrm>
+          <a:prstGeom prst="rect">
+            <a:avLst/>
+          </a:prstGeom>
+          <a:noFill/>
+        </p:spPr>
+        <p:txBody>
+          <a:bodyPr wrap="none" rtlCol="0">
+            <a:spAutoFit/>
+          </a:bodyPr>
+          <a:lstStyle/>
+          <a:p>
+            <a:r>
+              <a:rPr lang="es-MX" dirty="0"/>
+              <a:t>(c)</a:t>
+            </a:r>
+          </a:p>
+        </p:txBody>
+      </p:sp>
+      <p:sp>
+        <p:nvSpPr>
+          <p:cNvPr id="112" name="CuadroTexto 111">
+            <a:extLst>
+              <a:ext uri="{FF2B5EF4-FFF2-40B4-BE49-F238E27FC236}">
+                <a16:creationId xmlns:a16="http://schemas.microsoft.com/office/drawing/2014/main" id="{F7083B38-6C3A-49D8-836B-841DBB2E8994}"/>
+              </a:ext>
+            </a:extLst>
+          </p:cNvPr>
+          <p:cNvSpPr txBox="1"/>
+          <p:nvPr/>
+        </p:nvSpPr>
+        <p:spPr>
+          <a:xfrm>
+            <a:off x="2106996" y="7013756"/>
+            <a:ext cx="447558" cy="369332"/>
+          </a:xfrm>
+          <a:prstGeom prst="rect">
+            <a:avLst/>
+          </a:prstGeom>
+          <a:noFill/>
+        </p:spPr>
+        <p:txBody>
+          <a:bodyPr wrap="none" rtlCol="0">
+            <a:spAutoFit/>
+          </a:bodyPr>
+          <a:lstStyle/>
+          <a:p>
+            <a:r>
+              <a:rPr lang="es-MX" dirty="0"/>
+              <a:t>(d)</a:t>
+            </a:r>
+          </a:p>
+        </p:txBody>
+      </p:sp>
+      <p:sp>
+        <p:nvSpPr>
+          <p:cNvPr id="113" name="CuadroTexto 112">
+            <a:extLst>
+              <a:ext uri="{FF2B5EF4-FFF2-40B4-BE49-F238E27FC236}">
+                <a16:creationId xmlns:a16="http://schemas.microsoft.com/office/drawing/2014/main" id="{2239DCCC-1652-4D42-BD79-99F39B3C5EE9}"/>
+              </a:ext>
+            </a:extLst>
+          </p:cNvPr>
+          <p:cNvSpPr txBox="1"/>
+          <p:nvPr/>
+        </p:nvSpPr>
+        <p:spPr>
+          <a:xfrm>
+            <a:off x="6371284" y="7013756"/>
+            <a:ext cx="441146" cy="369332"/>
+          </a:xfrm>
+          <a:prstGeom prst="rect">
+            <a:avLst/>
+          </a:prstGeom>
+          <a:noFill/>
+        </p:spPr>
+        <p:txBody>
+          <a:bodyPr wrap="none" rtlCol="0">
+            <a:spAutoFit/>
+          </a:bodyPr>
+          <a:lstStyle/>
+          <a:p>
+            <a:r>
+              <a:rPr lang="es-MX" dirty="0"/>
+              <a:t>(e)</a:t>
+            </a:r>
+          </a:p>
+        </p:txBody>
+      </p:sp>
+      <p:sp>
+        <p:nvSpPr>
+          <p:cNvPr id="114" name="CuadroTexto 113">
+            <a:extLst>
+              <a:ext uri="{FF2B5EF4-FFF2-40B4-BE49-F238E27FC236}">
+                <a16:creationId xmlns:a16="http://schemas.microsoft.com/office/drawing/2014/main" id="{DC4E60D0-B48A-4CF1-B7A6-310A110D8E0C}"/>
+              </a:ext>
+            </a:extLst>
+          </p:cNvPr>
+          <p:cNvSpPr txBox="1"/>
+          <p:nvPr/>
+        </p:nvSpPr>
+        <p:spPr>
+          <a:xfrm>
+            <a:off x="10508988" y="7013756"/>
+            <a:ext cx="399661" cy="369332"/>
+          </a:xfrm>
+          <a:prstGeom prst="rect">
+            <a:avLst/>
+          </a:prstGeom>
+          <a:noFill/>
+        </p:spPr>
+        <p:txBody>
+          <a:bodyPr wrap="none" rtlCol="0">
+            <a:spAutoFit/>
+          </a:bodyPr>
+          <a:lstStyle/>
+          <a:p>
+            <a:r>
+              <a:rPr lang="es-MX" dirty="0"/>
+              <a:t>(f)</a:t>
+            </a:r>
+          </a:p>
+        </p:txBody>
+      </p:sp>
+    </p:spTree>
+    <p:extLst>
+      <p:ext uri="{BB962C8B-B14F-4D97-AF65-F5344CB8AC3E}">
+        <p14:creationId xmlns:p14="http://schemas.microsoft.com/office/powerpoint/2010/main" val="4155930541"/>
+      </p:ext>
+    </p:extLst>
+  </p:cSld>
+  <p:clrMapOvr>
+    <a:masterClrMapping/>
+  </p:clrMapOvr>
+</p:sld>
+</file>
+
 <file path=ppt/theme/theme1.xml><?xml version="1.0" encoding="utf-8"?>
 <a:theme xmlns:a="http://schemas.openxmlformats.org/drawingml/2006/main" name="Tema de Office">
   <a:themeElements>
-    <a:clrScheme name="Office">
+    <a:clrScheme name="Tema de Office">
       <a:dk1>
         <a:sysClr val="windowText" lastClr="000000"/>
       </a:dk1>
@@ -7560,7 +9340,7 @@
         <a:srgbClr val="954F72"/>
       </a:folHlink>
     </a:clrScheme>
-    <a:fontScheme name="Office">
+    <a:fontScheme name="Tema de Office">
       <a:majorFont>
         <a:latin typeface="Calibri Light" panose="020F0302020204030204"/>
         <a:ea typeface=""/>
@@ -7595,23 +9375,6 @@
         <a:font script="Viet" typeface="Times New Roman"/>
         <a:font script="Uigh" typeface="Microsoft Uighur"/>
         <a:font script="Geor" typeface="Sylfaen"/>
-        <a:font script="Armn" typeface="Arial"/>
-        <a:font script="Bugi" typeface="Leelawadee UI"/>
-        <a:font script="Bopo" typeface="Microsoft JhengHei"/>
-        <a:font script="Java" typeface="Javanese Text"/>
-        <a:font script="Lisu" typeface="Segoe UI"/>
-        <a:font script="Mymr" typeface="Myanmar Text"/>
-        <a:font script="Nkoo" typeface="Ebrima"/>
-        <a:font script="Olck" typeface="Nirmala UI"/>
-        <a:font script="Osma" typeface="Ebrima"/>
-        <a:font script="Phag" typeface="Phagspa"/>
-        <a:font script="Syrn" typeface="Estrangelo Edessa"/>
-        <a:font script="Syrj" typeface="Estrangelo Edessa"/>
-        <a:font script="Syre" typeface="Estrangelo Edessa"/>
-        <a:font script="Sora" typeface="Nirmala UI"/>
-        <a:font script="Tale" typeface="Microsoft Tai Le"/>
-        <a:font script="Talu" typeface="Microsoft New Tai Lue"/>
-        <a:font script="Tfng" typeface="Ebrima"/>
       </a:majorFont>
       <a:minorFont>
         <a:latin typeface="Calibri" panose="020F0502020204030204"/>
@@ -7647,26 +9410,9 @@
         <a:font script="Viet" typeface="Arial"/>
         <a:font script="Uigh" typeface="Microsoft Uighur"/>
         <a:font script="Geor" typeface="Sylfaen"/>
-        <a:font script="Armn" typeface="Arial"/>
-        <a:font script="Bugi" typeface="Leelawadee UI"/>
-        <a:font script="Bopo" typeface="Microsoft JhengHei"/>
-        <a:font script="Java" typeface="Javanese Text"/>
-        <a:font script="Lisu" typeface="Segoe UI"/>
-        <a:font script="Mymr" typeface="Myanmar Text"/>
-        <a:font script="Nkoo" typeface="Ebrima"/>
-        <a:font script="Olck" typeface="Nirmala UI"/>
-        <a:font script="Osma" typeface="Ebrima"/>
-        <a:font script="Phag" typeface="Phagspa"/>
-        <a:font script="Syrn" typeface="Estrangelo Edessa"/>
-        <a:font script="Syrj" typeface="Estrangelo Edessa"/>
-        <a:font script="Syre" typeface="Estrangelo Edessa"/>
-        <a:font script="Sora" typeface="Nirmala UI"/>
-        <a:font script="Tale" typeface="Microsoft Tai Le"/>
-        <a:font script="Talu" typeface="Microsoft New Tai Lue"/>
-        <a:font script="Tfng" typeface="Ebrima"/>
       </a:minorFont>
     </a:fontScheme>
-    <a:fmtScheme name="Office">
+    <a:fmtScheme name="Tema de Office">
       <a:fillStyleLst>
         <a:solidFill>
           <a:schemeClr val="phClr"/>

--- a/Sistema propuesto.pptx
+++ b/Sistema propuesto.pptx
@@ -257,7 +257,7 @@
           <a:p>
             <a:fld id="{2F57117F-21EA-4F0F-8EAD-57836432C340}" type="datetimeFigureOut">
               <a:rPr lang="es-MX" smtClean="0"/>
-              <a:t>11/06/2020</a:t>
+              <a:t>28/06/2020</a:t>
             </a:fld>
             <a:endParaRPr lang="es-MX"/>
           </a:p>
@@ -427,7 +427,7 @@
           <a:p>
             <a:fld id="{2F57117F-21EA-4F0F-8EAD-57836432C340}" type="datetimeFigureOut">
               <a:rPr lang="es-MX" smtClean="0"/>
-              <a:t>11/06/2020</a:t>
+              <a:t>28/06/2020</a:t>
             </a:fld>
             <a:endParaRPr lang="es-MX"/>
           </a:p>
@@ -607,7 +607,7 @@
           <a:p>
             <a:fld id="{2F57117F-21EA-4F0F-8EAD-57836432C340}" type="datetimeFigureOut">
               <a:rPr lang="es-MX" smtClean="0"/>
-              <a:t>11/06/2020</a:t>
+              <a:t>28/06/2020</a:t>
             </a:fld>
             <a:endParaRPr lang="es-MX"/>
           </a:p>
@@ -777,7 +777,7 @@
           <a:p>
             <a:fld id="{2F57117F-21EA-4F0F-8EAD-57836432C340}" type="datetimeFigureOut">
               <a:rPr lang="es-MX" smtClean="0"/>
-              <a:t>11/06/2020</a:t>
+              <a:t>28/06/2020</a:t>
             </a:fld>
             <a:endParaRPr lang="es-MX"/>
           </a:p>
@@ -1023,7 +1023,7 @@
           <a:p>
             <a:fld id="{2F57117F-21EA-4F0F-8EAD-57836432C340}" type="datetimeFigureOut">
               <a:rPr lang="es-MX" smtClean="0"/>
-              <a:t>11/06/2020</a:t>
+              <a:t>28/06/2020</a:t>
             </a:fld>
             <a:endParaRPr lang="es-MX"/>
           </a:p>
@@ -1255,7 +1255,7 @@
           <a:p>
             <a:fld id="{2F57117F-21EA-4F0F-8EAD-57836432C340}" type="datetimeFigureOut">
               <a:rPr lang="es-MX" smtClean="0"/>
-              <a:t>11/06/2020</a:t>
+              <a:t>28/06/2020</a:t>
             </a:fld>
             <a:endParaRPr lang="es-MX"/>
           </a:p>
@@ -1622,7 +1622,7 @@
           <a:p>
             <a:fld id="{2F57117F-21EA-4F0F-8EAD-57836432C340}" type="datetimeFigureOut">
               <a:rPr lang="es-MX" smtClean="0"/>
-              <a:t>11/06/2020</a:t>
+              <a:t>28/06/2020</a:t>
             </a:fld>
             <a:endParaRPr lang="es-MX"/>
           </a:p>
@@ -1740,7 +1740,7 @@
           <a:p>
             <a:fld id="{2F57117F-21EA-4F0F-8EAD-57836432C340}" type="datetimeFigureOut">
               <a:rPr lang="es-MX" smtClean="0"/>
-              <a:t>11/06/2020</a:t>
+              <a:t>28/06/2020</a:t>
             </a:fld>
             <a:endParaRPr lang="es-MX"/>
           </a:p>
@@ -1835,7 +1835,7 @@
           <a:p>
             <a:fld id="{2F57117F-21EA-4F0F-8EAD-57836432C340}" type="datetimeFigureOut">
               <a:rPr lang="es-MX" smtClean="0"/>
-              <a:t>11/06/2020</a:t>
+              <a:t>28/06/2020</a:t>
             </a:fld>
             <a:endParaRPr lang="es-MX"/>
           </a:p>
@@ -2112,7 +2112,7 @@
           <a:p>
             <a:fld id="{2F57117F-21EA-4F0F-8EAD-57836432C340}" type="datetimeFigureOut">
               <a:rPr lang="es-MX" smtClean="0"/>
-              <a:t>11/06/2020</a:t>
+              <a:t>28/06/2020</a:t>
             </a:fld>
             <a:endParaRPr lang="es-MX"/>
           </a:p>
@@ -2369,7 +2369,7 @@
           <a:p>
             <a:fld id="{2F57117F-21EA-4F0F-8EAD-57836432C340}" type="datetimeFigureOut">
               <a:rPr lang="es-MX" smtClean="0"/>
-              <a:t>11/06/2020</a:t>
+              <a:t>28/06/2020</a:t>
             </a:fld>
             <a:endParaRPr lang="es-MX"/>
           </a:p>
@@ -2582,7 +2582,7 @@
           <a:p>
             <a:fld id="{2F57117F-21EA-4F0F-8EAD-57836432C340}" type="datetimeFigureOut">
               <a:rPr lang="es-MX" smtClean="0"/>
-              <a:t>11/06/2020</a:t>
+              <a:t>28/06/2020</a:t>
             </a:fld>
             <a:endParaRPr lang="es-MX"/>
           </a:p>
@@ -7252,6 +7252,366 @@
           </a:ln>
         </p:spPr>
       </p:pic>
+      <p:sp>
+        <p:nvSpPr>
+          <p:cNvPr id="84" name="Cilindro 83">
+            <a:extLst>
+              <a:ext uri="{FF2B5EF4-FFF2-40B4-BE49-F238E27FC236}">
+                <a16:creationId xmlns:a16="http://schemas.microsoft.com/office/drawing/2014/main" id="{84D70CFA-5CB4-4672-8F0A-8C47C4CD250F}"/>
+              </a:ext>
+            </a:extLst>
+          </p:cNvPr>
+          <p:cNvSpPr/>
+          <p:nvPr/>
+        </p:nvSpPr>
+        <p:spPr>
+          <a:xfrm>
+            <a:off x="1076601" y="5162428"/>
+            <a:ext cx="228471" cy="648091"/>
+          </a:xfrm>
+          <a:prstGeom prst="can">
+            <a:avLst/>
+          </a:prstGeom>
+          <a:solidFill>
+            <a:schemeClr val="tx1">
+              <a:lumMod val="50000"/>
+              <a:lumOff val="50000"/>
+            </a:schemeClr>
+          </a:solidFill>
+          <a:ln>
+            <a:solidFill>
+              <a:schemeClr val="tx1">
+                <a:lumMod val="50000"/>
+                <a:lumOff val="50000"/>
+              </a:schemeClr>
+            </a:solidFill>
+          </a:ln>
+        </p:spPr>
+        <p:style>
+          <a:lnRef idx="2">
+            <a:schemeClr val="accent1">
+              <a:shade val="50000"/>
+            </a:schemeClr>
+          </a:lnRef>
+          <a:fillRef idx="1">
+            <a:schemeClr val="accent1"/>
+          </a:fillRef>
+          <a:effectRef idx="0">
+            <a:schemeClr val="accent1"/>
+          </a:effectRef>
+          <a:fontRef idx="minor">
+            <a:schemeClr val="lt1"/>
+          </a:fontRef>
+        </p:style>
+        <p:txBody>
+          <a:bodyPr rtlCol="0" anchor="ctr"/>
+          <a:lstStyle/>
+          <a:p>
+            <a:pPr algn="ctr"/>
+            <a:endParaRPr lang="es-MX" sz="1771"/>
+          </a:p>
+        </p:txBody>
+      </p:sp>
+      <p:sp>
+        <p:nvSpPr>
+          <p:cNvPr id="85" name="Cilindro 84">
+            <a:extLst>
+              <a:ext uri="{FF2B5EF4-FFF2-40B4-BE49-F238E27FC236}">
+                <a16:creationId xmlns:a16="http://schemas.microsoft.com/office/drawing/2014/main" id="{73CFE341-1029-4850-9521-F6795C6C363C}"/>
+              </a:ext>
+            </a:extLst>
+          </p:cNvPr>
+          <p:cNvSpPr/>
+          <p:nvPr/>
+        </p:nvSpPr>
+        <p:spPr>
+          <a:xfrm>
+            <a:off x="3298594" y="5162428"/>
+            <a:ext cx="228471" cy="648091"/>
+          </a:xfrm>
+          <a:prstGeom prst="can">
+            <a:avLst/>
+          </a:prstGeom>
+          <a:solidFill>
+            <a:schemeClr val="tx1">
+              <a:lumMod val="50000"/>
+              <a:lumOff val="50000"/>
+            </a:schemeClr>
+          </a:solidFill>
+          <a:ln>
+            <a:solidFill>
+              <a:schemeClr val="tx1">
+                <a:lumMod val="50000"/>
+                <a:lumOff val="50000"/>
+              </a:schemeClr>
+            </a:solidFill>
+          </a:ln>
+        </p:spPr>
+        <p:style>
+          <a:lnRef idx="2">
+            <a:schemeClr val="accent1">
+              <a:shade val="50000"/>
+            </a:schemeClr>
+          </a:lnRef>
+          <a:fillRef idx="1">
+            <a:schemeClr val="accent1"/>
+          </a:fillRef>
+          <a:effectRef idx="0">
+            <a:schemeClr val="accent1"/>
+          </a:effectRef>
+          <a:fontRef idx="minor">
+            <a:schemeClr val="lt1"/>
+          </a:fontRef>
+        </p:style>
+        <p:txBody>
+          <a:bodyPr rtlCol="0" anchor="ctr"/>
+          <a:lstStyle/>
+          <a:p>
+            <a:pPr algn="ctr"/>
+            <a:endParaRPr lang="es-MX" sz="1771"/>
+          </a:p>
+        </p:txBody>
+      </p:sp>
+      <p:sp>
+        <p:nvSpPr>
+          <p:cNvPr id="98" name="Cilindro 97">
+            <a:extLst>
+              <a:ext uri="{FF2B5EF4-FFF2-40B4-BE49-F238E27FC236}">
+                <a16:creationId xmlns:a16="http://schemas.microsoft.com/office/drawing/2014/main" id="{D2E391CC-49E4-41B8-8B05-77946EEEB3A2}"/>
+              </a:ext>
+            </a:extLst>
+          </p:cNvPr>
+          <p:cNvSpPr/>
+          <p:nvPr/>
+        </p:nvSpPr>
+        <p:spPr>
+          <a:xfrm>
+            <a:off x="5273471" y="5162428"/>
+            <a:ext cx="228471" cy="648091"/>
+          </a:xfrm>
+          <a:prstGeom prst="can">
+            <a:avLst/>
+          </a:prstGeom>
+          <a:solidFill>
+            <a:schemeClr val="tx1">
+              <a:lumMod val="50000"/>
+              <a:lumOff val="50000"/>
+            </a:schemeClr>
+          </a:solidFill>
+          <a:ln>
+            <a:solidFill>
+              <a:schemeClr val="tx1">
+                <a:lumMod val="50000"/>
+                <a:lumOff val="50000"/>
+              </a:schemeClr>
+            </a:solidFill>
+          </a:ln>
+        </p:spPr>
+        <p:style>
+          <a:lnRef idx="2">
+            <a:schemeClr val="accent1">
+              <a:shade val="50000"/>
+            </a:schemeClr>
+          </a:lnRef>
+          <a:fillRef idx="1">
+            <a:schemeClr val="accent1"/>
+          </a:fillRef>
+          <a:effectRef idx="0">
+            <a:schemeClr val="accent1"/>
+          </a:effectRef>
+          <a:fontRef idx="minor">
+            <a:schemeClr val="lt1"/>
+          </a:fontRef>
+        </p:style>
+        <p:txBody>
+          <a:bodyPr rtlCol="0" anchor="ctr"/>
+          <a:lstStyle/>
+          <a:p>
+            <a:pPr algn="ctr"/>
+            <a:endParaRPr lang="es-MX" sz="1771"/>
+          </a:p>
+        </p:txBody>
+      </p:sp>
+      <p:sp>
+        <p:nvSpPr>
+          <p:cNvPr id="99" name="Cilindro 98">
+            <a:extLst>
+              <a:ext uri="{FF2B5EF4-FFF2-40B4-BE49-F238E27FC236}">
+                <a16:creationId xmlns:a16="http://schemas.microsoft.com/office/drawing/2014/main" id="{C588301C-479D-4333-8A4B-F4B0B7791148}"/>
+              </a:ext>
+            </a:extLst>
+          </p:cNvPr>
+          <p:cNvSpPr/>
+          <p:nvPr/>
+        </p:nvSpPr>
+        <p:spPr>
+          <a:xfrm>
+            <a:off x="7495464" y="5162428"/>
+            <a:ext cx="228471" cy="648091"/>
+          </a:xfrm>
+          <a:prstGeom prst="can">
+            <a:avLst/>
+          </a:prstGeom>
+          <a:solidFill>
+            <a:schemeClr val="tx1">
+              <a:lumMod val="50000"/>
+              <a:lumOff val="50000"/>
+            </a:schemeClr>
+          </a:solidFill>
+          <a:ln>
+            <a:solidFill>
+              <a:schemeClr val="tx1">
+                <a:lumMod val="50000"/>
+                <a:lumOff val="50000"/>
+              </a:schemeClr>
+            </a:solidFill>
+          </a:ln>
+        </p:spPr>
+        <p:style>
+          <a:lnRef idx="2">
+            <a:schemeClr val="accent1">
+              <a:shade val="50000"/>
+            </a:schemeClr>
+          </a:lnRef>
+          <a:fillRef idx="1">
+            <a:schemeClr val="accent1"/>
+          </a:fillRef>
+          <a:effectRef idx="0">
+            <a:schemeClr val="accent1"/>
+          </a:effectRef>
+          <a:fontRef idx="minor">
+            <a:schemeClr val="lt1"/>
+          </a:fontRef>
+        </p:style>
+        <p:txBody>
+          <a:bodyPr rtlCol="0" anchor="ctr"/>
+          <a:lstStyle/>
+          <a:p>
+            <a:pPr algn="ctr"/>
+            <a:endParaRPr lang="es-MX" sz="1771"/>
+          </a:p>
+        </p:txBody>
+      </p:sp>
+      <p:sp>
+        <p:nvSpPr>
+          <p:cNvPr id="81" name="Cilindro 80">
+            <a:extLst>
+              <a:ext uri="{FF2B5EF4-FFF2-40B4-BE49-F238E27FC236}">
+                <a16:creationId xmlns:a16="http://schemas.microsoft.com/office/drawing/2014/main" id="{4435F6F3-4FE6-4911-8A06-142B80118E20}"/>
+              </a:ext>
+            </a:extLst>
+          </p:cNvPr>
+          <p:cNvSpPr/>
+          <p:nvPr/>
+        </p:nvSpPr>
+        <p:spPr>
+          <a:xfrm>
+            <a:off x="11723933" y="934785"/>
+            <a:ext cx="228471" cy="648091"/>
+          </a:xfrm>
+          <a:prstGeom prst="can">
+            <a:avLst/>
+          </a:prstGeom>
+          <a:solidFill>
+            <a:schemeClr val="tx1">
+              <a:lumMod val="50000"/>
+              <a:lumOff val="50000"/>
+            </a:schemeClr>
+          </a:solidFill>
+          <a:ln>
+            <a:solidFill>
+              <a:schemeClr val="tx1">
+                <a:lumMod val="50000"/>
+                <a:lumOff val="50000"/>
+              </a:schemeClr>
+            </a:solidFill>
+          </a:ln>
+        </p:spPr>
+        <p:style>
+          <a:lnRef idx="2">
+            <a:schemeClr val="accent1">
+              <a:shade val="50000"/>
+            </a:schemeClr>
+          </a:lnRef>
+          <a:fillRef idx="1">
+            <a:schemeClr val="accent1"/>
+          </a:fillRef>
+          <a:effectRef idx="0">
+            <a:schemeClr val="accent1"/>
+          </a:effectRef>
+          <a:fontRef idx="minor">
+            <a:schemeClr val="lt1"/>
+          </a:fontRef>
+        </p:style>
+        <p:txBody>
+          <a:bodyPr rtlCol="0" anchor="ctr"/>
+          <a:lstStyle/>
+          <a:p>
+            <a:pPr algn="ctr"/>
+            <a:endParaRPr lang="es-MX" sz="1771"/>
+          </a:p>
+        </p:txBody>
+      </p:sp>
+      <p:sp>
+        <p:nvSpPr>
+          <p:cNvPr id="80" name="Cilindro 79">
+            <a:extLst>
+              <a:ext uri="{FF2B5EF4-FFF2-40B4-BE49-F238E27FC236}">
+                <a16:creationId xmlns:a16="http://schemas.microsoft.com/office/drawing/2014/main" id="{DC2CA59E-7CFF-497B-BCE2-00B6BDFFE63B}"/>
+              </a:ext>
+            </a:extLst>
+          </p:cNvPr>
+          <p:cNvSpPr/>
+          <p:nvPr/>
+        </p:nvSpPr>
+        <p:spPr>
+          <a:xfrm>
+            <a:off x="9501940" y="934785"/>
+            <a:ext cx="228471" cy="648091"/>
+          </a:xfrm>
+          <a:prstGeom prst="can">
+            <a:avLst/>
+          </a:prstGeom>
+          <a:solidFill>
+            <a:schemeClr val="tx1">
+              <a:lumMod val="50000"/>
+              <a:lumOff val="50000"/>
+            </a:schemeClr>
+          </a:solidFill>
+          <a:ln>
+            <a:solidFill>
+              <a:schemeClr val="tx1">
+                <a:lumMod val="50000"/>
+                <a:lumOff val="50000"/>
+              </a:schemeClr>
+            </a:solidFill>
+          </a:ln>
+        </p:spPr>
+        <p:style>
+          <a:lnRef idx="2">
+            <a:schemeClr val="accent1">
+              <a:shade val="50000"/>
+            </a:schemeClr>
+          </a:lnRef>
+          <a:fillRef idx="1">
+            <a:schemeClr val="accent1"/>
+          </a:fillRef>
+          <a:effectRef idx="0">
+            <a:schemeClr val="accent1"/>
+          </a:effectRef>
+          <a:fontRef idx="minor">
+            <a:schemeClr val="lt1"/>
+          </a:fontRef>
+        </p:style>
+        <p:txBody>
+          <a:bodyPr rtlCol="0" anchor="ctr"/>
+          <a:lstStyle/>
+          <a:p>
+            <a:pPr algn="ctr"/>
+            <a:endParaRPr lang="es-MX" sz="1771"/>
+          </a:p>
+        </p:txBody>
+      </p:sp>
       <p:pic>
         <p:nvPicPr>
           <p:cNvPr id="5" name="Imagen 4" descr="Imagen que contiene cama, blanco, camiseta, negro&#10;&#10;Descripción generada automáticamente">
@@ -7579,7 +7939,7 @@
         </p:nvSpPr>
         <p:spPr>
           <a:xfrm>
-            <a:off x="1675987" y="315615"/>
+            <a:off x="1789910" y="899661"/>
             <a:ext cx="228471" cy="648091"/>
           </a:xfrm>
           <a:prstGeom prst="can">
@@ -7639,7 +7999,7 @@
         </p:nvSpPr>
         <p:spPr>
           <a:xfrm>
-            <a:off x="2745872" y="315615"/>
+            <a:off x="2631636" y="899662"/>
             <a:ext cx="228471" cy="648091"/>
           </a:xfrm>
           <a:prstGeom prst="can">
@@ -7802,94 +8162,6 @@
           </a:ln>
         </p:spPr>
       </p:pic>
-      <p:cxnSp>
-        <p:nvCxnSpPr>
-          <p:cNvPr id="52" name="Conector recto de flecha 51">
-            <a:extLst>
-              <a:ext uri="{FF2B5EF4-FFF2-40B4-BE49-F238E27FC236}">
-                <a16:creationId xmlns:a16="http://schemas.microsoft.com/office/drawing/2014/main" id="{128D6958-B0B0-429C-9A4A-28EBA6990BBC}"/>
-              </a:ext>
-            </a:extLst>
-          </p:cNvPr>
-          <p:cNvCxnSpPr>
-            <a:cxnSpLocks/>
-          </p:cNvCxnSpPr>
-          <p:nvPr/>
-        </p:nvCxnSpPr>
-        <p:spPr>
-          <a:xfrm rot="5400000" flipH="1">
-            <a:off x="3883717" y="1207986"/>
-            <a:ext cx="405921" cy="0"/>
-          </a:xfrm>
-          <a:prstGeom prst="straightConnector1">
-            <a:avLst/>
-          </a:prstGeom>
-          <a:ln w="38100">
-            <a:solidFill>
-              <a:srgbClr val="FF0000"/>
-            </a:solidFill>
-            <a:tailEnd type="triangle"/>
-          </a:ln>
-        </p:spPr>
-        <p:style>
-          <a:lnRef idx="1">
-            <a:schemeClr val="accent1"/>
-          </a:lnRef>
-          <a:fillRef idx="0">
-            <a:schemeClr val="accent1"/>
-          </a:fillRef>
-          <a:effectRef idx="0">
-            <a:schemeClr val="accent1"/>
-          </a:effectRef>
-          <a:fontRef idx="minor">
-            <a:schemeClr val="tx1"/>
-          </a:fontRef>
-        </p:style>
-      </p:cxnSp>
-      <p:cxnSp>
-        <p:nvCxnSpPr>
-          <p:cNvPr id="56" name="Conector recto de flecha 55">
-            <a:extLst>
-              <a:ext uri="{FF2B5EF4-FFF2-40B4-BE49-F238E27FC236}">
-                <a16:creationId xmlns:a16="http://schemas.microsoft.com/office/drawing/2014/main" id="{692ADA89-A256-477E-BF0A-74714AC1906C}"/>
-              </a:ext>
-            </a:extLst>
-          </p:cNvPr>
-          <p:cNvCxnSpPr>
-            <a:cxnSpLocks/>
-          </p:cNvCxnSpPr>
-          <p:nvPr/>
-        </p:nvCxnSpPr>
-        <p:spPr>
-          <a:xfrm rot="5400000" flipH="1">
-            <a:off x="372826" y="1207986"/>
-            <a:ext cx="405921" cy="0"/>
-          </a:xfrm>
-          <a:prstGeom prst="straightConnector1">
-            <a:avLst/>
-          </a:prstGeom>
-          <a:ln w="38100">
-            <a:solidFill>
-              <a:srgbClr val="FF0000"/>
-            </a:solidFill>
-            <a:tailEnd type="triangle"/>
-          </a:ln>
-        </p:spPr>
-        <p:style>
-          <a:lnRef idx="1">
-            <a:schemeClr val="accent1"/>
-          </a:lnRef>
-          <a:fillRef idx="0">
-            <a:schemeClr val="accent1"/>
-          </a:fillRef>
-          <a:effectRef idx="0">
-            <a:schemeClr val="accent1"/>
-          </a:effectRef>
-          <a:fontRef idx="minor">
-            <a:schemeClr val="tx1"/>
-          </a:fontRef>
-        </p:style>
-      </p:cxnSp>
       <p:sp>
         <p:nvSpPr>
           <p:cNvPr id="57" name="Cilindro 56">
@@ -7904,7 +8176,7 @@
         </p:nvSpPr>
         <p:spPr>
           <a:xfrm>
-            <a:off x="6997038" y="899662"/>
+            <a:off x="7323618" y="899662"/>
             <a:ext cx="228471" cy="648091"/>
           </a:xfrm>
           <a:prstGeom prst="can">
@@ -7964,7 +8236,7 @@
         </p:nvSpPr>
         <p:spPr>
           <a:xfrm>
-            <a:off x="5942465" y="899662"/>
+            <a:off x="5615885" y="899662"/>
             <a:ext cx="228471" cy="648091"/>
           </a:xfrm>
           <a:prstGeom prst="can">
@@ -8025,8 +8297,8 @@
           <p:nvPr/>
         </p:nvCxnSpPr>
         <p:spPr>
-          <a:xfrm flipH="1">
-            <a:off x="7399043" y="1004210"/>
+          <a:xfrm>
+            <a:off x="7609699" y="824591"/>
             <a:ext cx="405921" cy="0"/>
           </a:xfrm>
           <a:prstGeom prst="straightConnector1">
@@ -8069,8 +8341,8 @@
           <p:nvPr/>
         </p:nvCxnSpPr>
         <p:spPr>
-          <a:xfrm>
-            <a:off x="5333527" y="1004210"/>
+          <a:xfrm flipH="1">
+            <a:off x="5184745" y="824591"/>
             <a:ext cx="405921" cy="0"/>
           </a:xfrm>
           <a:prstGeom prst="straightConnector1">
@@ -8098,126 +8370,6 @@
           </a:fontRef>
         </p:style>
       </p:cxnSp>
-      <p:sp>
-        <p:nvSpPr>
-          <p:cNvPr id="80" name="Cilindro 79">
-            <a:extLst>
-              <a:ext uri="{FF2B5EF4-FFF2-40B4-BE49-F238E27FC236}">
-                <a16:creationId xmlns:a16="http://schemas.microsoft.com/office/drawing/2014/main" id="{DC2CA59E-7CFF-497B-BCE2-00B6BDFFE63B}"/>
-              </a:ext>
-            </a:extLst>
-          </p:cNvPr>
-          <p:cNvSpPr/>
-          <p:nvPr/>
-        </p:nvSpPr>
-        <p:spPr>
-          <a:xfrm>
-            <a:off x="9665230" y="934785"/>
-            <a:ext cx="228471" cy="648091"/>
-          </a:xfrm>
-          <a:prstGeom prst="can">
-            <a:avLst/>
-          </a:prstGeom>
-          <a:solidFill>
-            <a:schemeClr val="tx1">
-              <a:lumMod val="50000"/>
-              <a:lumOff val="50000"/>
-            </a:schemeClr>
-          </a:solidFill>
-          <a:ln>
-            <a:solidFill>
-              <a:schemeClr val="tx1">
-                <a:lumMod val="50000"/>
-                <a:lumOff val="50000"/>
-              </a:schemeClr>
-            </a:solidFill>
-          </a:ln>
-        </p:spPr>
-        <p:style>
-          <a:lnRef idx="2">
-            <a:schemeClr val="accent1">
-              <a:shade val="50000"/>
-            </a:schemeClr>
-          </a:lnRef>
-          <a:fillRef idx="1">
-            <a:schemeClr val="accent1"/>
-          </a:fillRef>
-          <a:effectRef idx="0">
-            <a:schemeClr val="accent1"/>
-          </a:effectRef>
-          <a:fontRef idx="minor">
-            <a:schemeClr val="lt1"/>
-          </a:fontRef>
-        </p:style>
-        <p:txBody>
-          <a:bodyPr rtlCol="0" anchor="ctr"/>
-          <a:lstStyle/>
-          <a:p>
-            <a:pPr algn="ctr"/>
-            <a:endParaRPr lang="es-MX" sz="1771"/>
-          </a:p>
-        </p:txBody>
-      </p:sp>
-      <p:sp>
-        <p:nvSpPr>
-          <p:cNvPr id="81" name="Cilindro 80">
-            <a:extLst>
-              <a:ext uri="{FF2B5EF4-FFF2-40B4-BE49-F238E27FC236}">
-                <a16:creationId xmlns:a16="http://schemas.microsoft.com/office/drawing/2014/main" id="{4435F6F3-4FE6-4911-8A06-142B80118E20}"/>
-              </a:ext>
-            </a:extLst>
-          </p:cNvPr>
-          <p:cNvSpPr/>
-          <p:nvPr/>
-        </p:nvSpPr>
-        <p:spPr>
-          <a:xfrm>
-            <a:off x="11560643" y="934785"/>
-            <a:ext cx="228471" cy="648091"/>
-          </a:xfrm>
-          <a:prstGeom prst="can">
-            <a:avLst/>
-          </a:prstGeom>
-          <a:solidFill>
-            <a:schemeClr val="tx1">
-              <a:lumMod val="50000"/>
-              <a:lumOff val="50000"/>
-            </a:schemeClr>
-          </a:solidFill>
-          <a:ln>
-            <a:solidFill>
-              <a:schemeClr val="tx1">
-                <a:lumMod val="50000"/>
-                <a:lumOff val="50000"/>
-              </a:schemeClr>
-            </a:solidFill>
-          </a:ln>
-        </p:spPr>
-        <p:style>
-          <a:lnRef idx="2">
-            <a:schemeClr val="accent1">
-              <a:shade val="50000"/>
-            </a:schemeClr>
-          </a:lnRef>
-          <a:fillRef idx="1">
-            <a:schemeClr val="accent1"/>
-          </a:fillRef>
-          <a:effectRef idx="0">
-            <a:schemeClr val="accent1"/>
-          </a:effectRef>
-          <a:fontRef idx="minor">
-            <a:schemeClr val="lt1"/>
-          </a:fontRef>
-        </p:style>
-        <p:txBody>
-          <a:bodyPr rtlCol="0" anchor="ctr"/>
-          <a:lstStyle/>
-          <a:p>
-            <a:pPr algn="ctr"/>
-            <a:endParaRPr lang="es-MX" sz="1771"/>
-          </a:p>
-        </p:txBody>
-      </p:sp>
       <p:pic>
         <p:nvPicPr>
           <p:cNvPr id="82" name="Imagen 81" descr="Imagen que contiene cama, blanco, camiseta, negro&#10;&#10;Descripción generada automáticamente">
@@ -8296,214 +8448,6 @@
           </a:ln>
         </p:spPr>
       </p:pic>
-      <p:sp>
-        <p:nvSpPr>
-          <p:cNvPr id="84" name="Cilindro 83">
-            <a:extLst>
-              <a:ext uri="{FF2B5EF4-FFF2-40B4-BE49-F238E27FC236}">
-                <a16:creationId xmlns:a16="http://schemas.microsoft.com/office/drawing/2014/main" id="{84D70CFA-5CB4-4672-8F0A-8C47C4CD250F}"/>
-              </a:ext>
-            </a:extLst>
-          </p:cNvPr>
-          <p:cNvSpPr/>
-          <p:nvPr/>
-        </p:nvSpPr>
-        <p:spPr>
-          <a:xfrm>
-            <a:off x="1239891" y="5162428"/>
-            <a:ext cx="228471" cy="648091"/>
-          </a:xfrm>
-          <a:prstGeom prst="can">
-            <a:avLst/>
-          </a:prstGeom>
-          <a:solidFill>
-            <a:schemeClr val="tx1">
-              <a:lumMod val="50000"/>
-              <a:lumOff val="50000"/>
-            </a:schemeClr>
-          </a:solidFill>
-          <a:ln>
-            <a:solidFill>
-              <a:schemeClr val="tx1">
-                <a:lumMod val="50000"/>
-                <a:lumOff val="50000"/>
-              </a:schemeClr>
-            </a:solidFill>
-          </a:ln>
-        </p:spPr>
-        <p:style>
-          <a:lnRef idx="2">
-            <a:schemeClr val="accent1">
-              <a:shade val="50000"/>
-            </a:schemeClr>
-          </a:lnRef>
-          <a:fillRef idx="1">
-            <a:schemeClr val="accent1"/>
-          </a:fillRef>
-          <a:effectRef idx="0">
-            <a:schemeClr val="accent1"/>
-          </a:effectRef>
-          <a:fontRef idx="minor">
-            <a:schemeClr val="lt1"/>
-          </a:fontRef>
-        </p:style>
-        <p:txBody>
-          <a:bodyPr rtlCol="0" anchor="ctr"/>
-          <a:lstStyle/>
-          <a:p>
-            <a:pPr algn="ctr"/>
-            <a:endParaRPr lang="es-MX" sz="1771"/>
-          </a:p>
-        </p:txBody>
-      </p:sp>
-      <p:sp>
-        <p:nvSpPr>
-          <p:cNvPr id="85" name="Cilindro 84">
-            <a:extLst>
-              <a:ext uri="{FF2B5EF4-FFF2-40B4-BE49-F238E27FC236}">
-                <a16:creationId xmlns:a16="http://schemas.microsoft.com/office/drawing/2014/main" id="{73CFE341-1029-4850-9521-F6795C6C363C}"/>
-              </a:ext>
-            </a:extLst>
-          </p:cNvPr>
-          <p:cNvSpPr/>
-          <p:nvPr/>
-        </p:nvSpPr>
-        <p:spPr>
-          <a:xfrm>
-            <a:off x="3135304" y="5162428"/>
-            <a:ext cx="228471" cy="648091"/>
-          </a:xfrm>
-          <a:prstGeom prst="can">
-            <a:avLst/>
-          </a:prstGeom>
-          <a:solidFill>
-            <a:schemeClr val="tx1">
-              <a:lumMod val="50000"/>
-              <a:lumOff val="50000"/>
-            </a:schemeClr>
-          </a:solidFill>
-          <a:ln>
-            <a:solidFill>
-              <a:schemeClr val="tx1">
-                <a:lumMod val="50000"/>
-                <a:lumOff val="50000"/>
-              </a:schemeClr>
-            </a:solidFill>
-          </a:ln>
-        </p:spPr>
-        <p:style>
-          <a:lnRef idx="2">
-            <a:schemeClr val="accent1">
-              <a:shade val="50000"/>
-            </a:schemeClr>
-          </a:lnRef>
-          <a:fillRef idx="1">
-            <a:schemeClr val="accent1"/>
-          </a:fillRef>
-          <a:effectRef idx="0">
-            <a:schemeClr val="accent1"/>
-          </a:effectRef>
-          <a:fontRef idx="minor">
-            <a:schemeClr val="lt1"/>
-          </a:fontRef>
-        </p:style>
-        <p:txBody>
-          <a:bodyPr rtlCol="0" anchor="ctr"/>
-          <a:lstStyle/>
-          <a:p>
-            <a:pPr algn="ctr"/>
-            <a:endParaRPr lang="es-MX" sz="1771"/>
-          </a:p>
-        </p:txBody>
-      </p:sp>
-      <p:cxnSp>
-        <p:nvCxnSpPr>
-          <p:cNvPr id="91" name="Conector recto de flecha 90">
-            <a:extLst>
-              <a:ext uri="{FF2B5EF4-FFF2-40B4-BE49-F238E27FC236}">
-                <a16:creationId xmlns:a16="http://schemas.microsoft.com/office/drawing/2014/main" id="{A7BF4C6E-2CCC-42BE-ADD3-8607DDF62D94}"/>
-              </a:ext>
-            </a:extLst>
-          </p:cNvPr>
-          <p:cNvCxnSpPr>
-            <a:cxnSpLocks/>
-          </p:cNvCxnSpPr>
-          <p:nvPr/>
-        </p:nvCxnSpPr>
-        <p:spPr>
-          <a:xfrm rot="5400000" flipH="1">
-            <a:off x="2496709" y="5445154"/>
-            <a:ext cx="405921" cy="0"/>
-          </a:xfrm>
-          <a:prstGeom prst="straightConnector1">
-            <a:avLst/>
-          </a:prstGeom>
-          <a:ln w="38100">
-            <a:solidFill>
-              <a:srgbClr val="00B050"/>
-            </a:solidFill>
-            <a:tailEnd type="triangle"/>
-          </a:ln>
-        </p:spPr>
-        <p:style>
-          <a:lnRef idx="1">
-            <a:schemeClr val="accent1"/>
-          </a:lnRef>
-          <a:fillRef idx="0">
-            <a:schemeClr val="accent1"/>
-          </a:fillRef>
-          <a:effectRef idx="0">
-            <a:schemeClr val="accent1"/>
-          </a:effectRef>
-          <a:fontRef idx="minor">
-            <a:schemeClr val="tx1"/>
-          </a:fontRef>
-        </p:style>
-      </p:cxnSp>
-      <p:cxnSp>
-        <p:nvCxnSpPr>
-          <p:cNvPr id="93" name="Conector recto de flecha 92">
-            <a:extLst>
-              <a:ext uri="{FF2B5EF4-FFF2-40B4-BE49-F238E27FC236}">
-                <a16:creationId xmlns:a16="http://schemas.microsoft.com/office/drawing/2014/main" id="{D7555E66-7E61-47AE-899D-E8D0698D1CAD}"/>
-              </a:ext>
-            </a:extLst>
-          </p:cNvPr>
-          <p:cNvCxnSpPr>
-            <a:cxnSpLocks/>
-          </p:cNvCxnSpPr>
-          <p:nvPr/>
-        </p:nvCxnSpPr>
-        <p:spPr>
-          <a:xfrm rot="5400000" flipH="1">
-            <a:off x="1701035" y="5445154"/>
-            <a:ext cx="405921" cy="0"/>
-          </a:xfrm>
-          <a:prstGeom prst="straightConnector1">
-            <a:avLst/>
-          </a:prstGeom>
-          <a:ln w="38100">
-            <a:solidFill>
-              <a:srgbClr val="00B050"/>
-            </a:solidFill>
-            <a:tailEnd type="triangle"/>
-          </a:ln>
-        </p:spPr>
-        <p:style>
-          <a:lnRef idx="1">
-            <a:schemeClr val="accent1"/>
-          </a:lnRef>
-          <a:fillRef idx="0">
-            <a:schemeClr val="accent1"/>
-          </a:fillRef>
-          <a:effectRef idx="0">
-            <a:schemeClr val="accent1"/>
-          </a:effectRef>
-          <a:fontRef idx="minor">
-            <a:schemeClr val="tx1"/>
-          </a:fontRef>
-        </p:style>
-      </p:cxnSp>
       <p:cxnSp>
         <p:nvCxnSpPr>
           <p:cNvPr id="94" name="Conector recto de flecha 93">
@@ -8520,7 +8464,7 @@
         </p:nvCxnSpPr>
         <p:spPr>
           <a:xfrm>
-            <a:off x="3621959" y="5242193"/>
+            <a:off x="3008320" y="6303551"/>
             <a:ext cx="405921" cy="0"/>
           </a:xfrm>
           <a:prstGeom prst="straightConnector1">
@@ -8564,7 +8508,7 @@
         </p:nvCxnSpPr>
         <p:spPr>
           <a:xfrm flipH="1">
-            <a:off x="575786" y="5242193"/>
+            <a:off x="1190836" y="6303551"/>
             <a:ext cx="405921" cy="0"/>
           </a:xfrm>
           <a:prstGeom prst="straightConnector1">
@@ -8670,214 +8614,6 @@
           </a:ln>
         </p:spPr>
       </p:pic>
-      <p:sp>
-        <p:nvSpPr>
-          <p:cNvPr id="98" name="Cilindro 97">
-            <a:extLst>
-              <a:ext uri="{FF2B5EF4-FFF2-40B4-BE49-F238E27FC236}">
-                <a16:creationId xmlns:a16="http://schemas.microsoft.com/office/drawing/2014/main" id="{D2E391CC-49E4-41B8-8B05-77946EEEB3A2}"/>
-              </a:ext>
-            </a:extLst>
-          </p:cNvPr>
-          <p:cNvSpPr/>
-          <p:nvPr/>
-        </p:nvSpPr>
-        <p:spPr>
-          <a:xfrm>
-            <a:off x="5436761" y="5162428"/>
-            <a:ext cx="228471" cy="648091"/>
-          </a:xfrm>
-          <a:prstGeom prst="can">
-            <a:avLst/>
-          </a:prstGeom>
-          <a:solidFill>
-            <a:schemeClr val="tx1">
-              <a:lumMod val="50000"/>
-              <a:lumOff val="50000"/>
-            </a:schemeClr>
-          </a:solidFill>
-          <a:ln>
-            <a:solidFill>
-              <a:schemeClr val="tx1">
-                <a:lumMod val="50000"/>
-                <a:lumOff val="50000"/>
-              </a:schemeClr>
-            </a:solidFill>
-          </a:ln>
-        </p:spPr>
-        <p:style>
-          <a:lnRef idx="2">
-            <a:schemeClr val="accent1">
-              <a:shade val="50000"/>
-            </a:schemeClr>
-          </a:lnRef>
-          <a:fillRef idx="1">
-            <a:schemeClr val="accent1"/>
-          </a:fillRef>
-          <a:effectRef idx="0">
-            <a:schemeClr val="accent1"/>
-          </a:effectRef>
-          <a:fontRef idx="minor">
-            <a:schemeClr val="lt1"/>
-          </a:fontRef>
-        </p:style>
-        <p:txBody>
-          <a:bodyPr rtlCol="0" anchor="ctr"/>
-          <a:lstStyle/>
-          <a:p>
-            <a:pPr algn="ctr"/>
-            <a:endParaRPr lang="es-MX" sz="1771"/>
-          </a:p>
-        </p:txBody>
-      </p:sp>
-      <p:sp>
-        <p:nvSpPr>
-          <p:cNvPr id="99" name="Cilindro 98">
-            <a:extLst>
-              <a:ext uri="{FF2B5EF4-FFF2-40B4-BE49-F238E27FC236}">
-                <a16:creationId xmlns:a16="http://schemas.microsoft.com/office/drawing/2014/main" id="{C588301C-479D-4333-8A4B-F4B0B7791148}"/>
-              </a:ext>
-            </a:extLst>
-          </p:cNvPr>
-          <p:cNvSpPr/>
-          <p:nvPr/>
-        </p:nvSpPr>
-        <p:spPr>
-          <a:xfrm>
-            <a:off x="7332174" y="5162428"/>
-            <a:ext cx="228471" cy="648091"/>
-          </a:xfrm>
-          <a:prstGeom prst="can">
-            <a:avLst/>
-          </a:prstGeom>
-          <a:solidFill>
-            <a:schemeClr val="tx1">
-              <a:lumMod val="50000"/>
-              <a:lumOff val="50000"/>
-            </a:schemeClr>
-          </a:solidFill>
-          <a:ln>
-            <a:solidFill>
-              <a:schemeClr val="tx1">
-                <a:lumMod val="50000"/>
-                <a:lumOff val="50000"/>
-              </a:schemeClr>
-            </a:solidFill>
-          </a:ln>
-        </p:spPr>
-        <p:style>
-          <a:lnRef idx="2">
-            <a:schemeClr val="accent1">
-              <a:shade val="50000"/>
-            </a:schemeClr>
-          </a:lnRef>
-          <a:fillRef idx="1">
-            <a:schemeClr val="accent1"/>
-          </a:fillRef>
-          <a:effectRef idx="0">
-            <a:schemeClr val="accent1"/>
-          </a:effectRef>
-          <a:fontRef idx="minor">
-            <a:schemeClr val="lt1"/>
-          </a:fontRef>
-        </p:style>
-        <p:txBody>
-          <a:bodyPr rtlCol="0" anchor="ctr"/>
-          <a:lstStyle/>
-          <a:p>
-            <a:pPr algn="ctr"/>
-            <a:endParaRPr lang="es-MX" sz="1771"/>
-          </a:p>
-        </p:txBody>
-      </p:sp>
-      <p:cxnSp>
-        <p:nvCxnSpPr>
-          <p:cNvPr id="100" name="Conector recto de flecha 99">
-            <a:extLst>
-              <a:ext uri="{FF2B5EF4-FFF2-40B4-BE49-F238E27FC236}">
-                <a16:creationId xmlns:a16="http://schemas.microsoft.com/office/drawing/2014/main" id="{7DBF5200-F6A4-4D8D-8276-ABB3AA87A08D}"/>
-              </a:ext>
-            </a:extLst>
-          </p:cNvPr>
-          <p:cNvCxnSpPr>
-            <a:cxnSpLocks/>
-          </p:cNvCxnSpPr>
-          <p:nvPr/>
-        </p:nvCxnSpPr>
-        <p:spPr>
-          <a:xfrm rot="16200000" flipH="1" flipV="1">
-            <a:off x="6693579" y="5445154"/>
-            <a:ext cx="405921" cy="0"/>
-          </a:xfrm>
-          <a:prstGeom prst="straightConnector1">
-            <a:avLst/>
-          </a:prstGeom>
-          <a:ln w="38100">
-            <a:solidFill>
-              <a:srgbClr val="00B050"/>
-            </a:solidFill>
-            <a:tailEnd type="triangle"/>
-          </a:ln>
-        </p:spPr>
-        <p:style>
-          <a:lnRef idx="1">
-            <a:schemeClr val="accent1"/>
-          </a:lnRef>
-          <a:fillRef idx="0">
-            <a:schemeClr val="accent1"/>
-          </a:fillRef>
-          <a:effectRef idx="0">
-            <a:schemeClr val="accent1"/>
-          </a:effectRef>
-          <a:fontRef idx="minor">
-            <a:schemeClr val="tx1"/>
-          </a:fontRef>
-        </p:style>
-      </p:cxnSp>
-      <p:cxnSp>
-        <p:nvCxnSpPr>
-          <p:cNvPr id="101" name="Conector recto de flecha 100">
-            <a:extLst>
-              <a:ext uri="{FF2B5EF4-FFF2-40B4-BE49-F238E27FC236}">
-                <a16:creationId xmlns:a16="http://schemas.microsoft.com/office/drawing/2014/main" id="{F8C9A538-6585-4BA8-A10D-1647A9A06571}"/>
-              </a:ext>
-            </a:extLst>
-          </p:cNvPr>
-          <p:cNvCxnSpPr>
-            <a:cxnSpLocks/>
-          </p:cNvCxnSpPr>
-          <p:nvPr/>
-        </p:nvCxnSpPr>
-        <p:spPr>
-          <a:xfrm rot="16200000" flipH="1" flipV="1">
-            <a:off x="5897905" y="5445154"/>
-            <a:ext cx="405921" cy="0"/>
-          </a:xfrm>
-          <a:prstGeom prst="straightConnector1">
-            <a:avLst/>
-          </a:prstGeom>
-          <a:ln w="38100">
-            <a:solidFill>
-              <a:srgbClr val="00B050"/>
-            </a:solidFill>
-            <a:tailEnd type="triangle"/>
-          </a:ln>
-        </p:spPr>
-        <p:style>
-          <a:lnRef idx="1">
-            <a:schemeClr val="accent1"/>
-          </a:lnRef>
-          <a:fillRef idx="0">
-            <a:schemeClr val="accent1"/>
-          </a:fillRef>
-          <a:effectRef idx="0">
-            <a:schemeClr val="accent1"/>
-          </a:effectRef>
-          <a:fontRef idx="minor">
-            <a:schemeClr val="tx1"/>
-          </a:fontRef>
-        </p:style>
-      </p:cxnSp>
       <p:pic>
         <p:nvPicPr>
           <p:cNvPr id="104" name="Imagen 103" descr="Imagen que contiene negro, blanco, oscuro, mujer&#10;&#10;Descripción generada automáticamente">
@@ -9286,6 +9022,446 @@
           </a:p>
         </p:txBody>
       </p:sp>
+      <p:cxnSp>
+        <p:nvCxnSpPr>
+          <p:cNvPr id="52" name="Conector recto de flecha 51">
+            <a:extLst>
+              <a:ext uri="{FF2B5EF4-FFF2-40B4-BE49-F238E27FC236}">
+                <a16:creationId xmlns:a16="http://schemas.microsoft.com/office/drawing/2014/main" id="{4E4E7954-53F3-474B-AE7E-2A3C97ADD960}"/>
+              </a:ext>
+            </a:extLst>
+          </p:cNvPr>
+          <p:cNvCxnSpPr>
+            <a:cxnSpLocks/>
+          </p:cNvCxnSpPr>
+          <p:nvPr/>
+        </p:nvCxnSpPr>
+        <p:spPr>
+          <a:xfrm>
+            <a:off x="1305072" y="2201634"/>
+            <a:ext cx="405921" cy="0"/>
+          </a:xfrm>
+          <a:prstGeom prst="straightConnector1">
+            <a:avLst/>
+          </a:prstGeom>
+          <a:ln w="38100">
+            <a:solidFill>
+              <a:schemeClr val="accent1"/>
+            </a:solidFill>
+            <a:tailEnd type="triangle"/>
+          </a:ln>
+        </p:spPr>
+        <p:style>
+          <a:lnRef idx="1">
+            <a:schemeClr val="accent1"/>
+          </a:lnRef>
+          <a:fillRef idx="0">
+            <a:schemeClr val="accent1"/>
+          </a:fillRef>
+          <a:effectRef idx="0">
+            <a:schemeClr val="accent1"/>
+          </a:effectRef>
+          <a:fontRef idx="minor">
+            <a:schemeClr val="tx1"/>
+          </a:fontRef>
+        </p:style>
+      </p:cxnSp>
+      <p:cxnSp>
+        <p:nvCxnSpPr>
+          <p:cNvPr id="55" name="Conector recto de flecha 54">
+            <a:extLst>
+              <a:ext uri="{FF2B5EF4-FFF2-40B4-BE49-F238E27FC236}">
+                <a16:creationId xmlns:a16="http://schemas.microsoft.com/office/drawing/2014/main" id="{F8D4AB10-BD38-44D9-B89A-60DFC78D0310}"/>
+              </a:ext>
+            </a:extLst>
+          </p:cNvPr>
+          <p:cNvCxnSpPr>
+            <a:cxnSpLocks/>
+          </p:cNvCxnSpPr>
+          <p:nvPr/>
+        </p:nvCxnSpPr>
+        <p:spPr>
+          <a:xfrm flipH="1">
+            <a:off x="3004287" y="2201634"/>
+            <a:ext cx="405921" cy="0"/>
+          </a:xfrm>
+          <a:prstGeom prst="straightConnector1">
+            <a:avLst/>
+          </a:prstGeom>
+          <a:ln w="38100">
+            <a:solidFill>
+              <a:schemeClr val="accent1"/>
+            </a:solidFill>
+            <a:tailEnd type="triangle"/>
+          </a:ln>
+        </p:spPr>
+        <p:style>
+          <a:lnRef idx="1">
+            <a:schemeClr val="accent1"/>
+          </a:lnRef>
+          <a:fillRef idx="0">
+            <a:schemeClr val="accent1"/>
+          </a:fillRef>
+          <a:effectRef idx="0">
+            <a:schemeClr val="accent1"/>
+          </a:effectRef>
+          <a:fontRef idx="minor">
+            <a:schemeClr val="tx1"/>
+          </a:fontRef>
+        </p:style>
+      </p:cxnSp>
+      <p:cxnSp>
+        <p:nvCxnSpPr>
+          <p:cNvPr id="56" name="Conector recto de flecha 55">
+            <a:extLst>
+              <a:ext uri="{FF2B5EF4-FFF2-40B4-BE49-F238E27FC236}">
+                <a16:creationId xmlns:a16="http://schemas.microsoft.com/office/drawing/2014/main" id="{E61FA6D4-D692-4158-9A7F-297F4D6AA0D8}"/>
+              </a:ext>
+            </a:extLst>
+          </p:cNvPr>
+          <p:cNvCxnSpPr>
+            <a:cxnSpLocks/>
+          </p:cNvCxnSpPr>
+          <p:nvPr/>
+        </p:nvCxnSpPr>
+        <p:spPr>
+          <a:xfrm flipH="1">
+            <a:off x="11635207" y="824591"/>
+            <a:ext cx="405921" cy="0"/>
+          </a:xfrm>
+          <a:prstGeom prst="straightConnector1">
+            <a:avLst/>
+          </a:prstGeom>
+          <a:ln w="38100">
+            <a:solidFill>
+              <a:schemeClr val="accent1"/>
+            </a:solidFill>
+            <a:tailEnd type="triangle"/>
+          </a:ln>
+        </p:spPr>
+        <p:style>
+          <a:lnRef idx="1">
+            <a:schemeClr val="accent1"/>
+          </a:lnRef>
+          <a:fillRef idx="0">
+            <a:schemeClr val="accent1"/>
+          </a:fillRef>
+          <a:effectRef idx="0">
+            <a:schemeClr val="accent1"/>
+          </a:effectRef>
+          <a:fontRef idx="minor">
+            <a:schemeClr val="tx1"/>
+          </a:fontRef>
+        </p:style>
+      </p:cxnSp>
+      <p:cxnSp>
+        <p:nvCxnSpPr>
+          <p:cNvPr id="60" name="Conector recto de flecha 59">
+            <a:extLst>
+              <a:ext uri="{FF2B5EF4-FFF2-40B4-BE49-F238E27FC236}">
+                <a16:creationId xmlns:a16="http://schemas.microsoft.com/office/drawing/2014/main" id="{ECC2B559-016E-4730-87BC-97F6C276A9C9}"/>
+              </a:ext>
+            </a:extLst>
+          </p:cNvPr>
+          <p:cNvCxnSpPr>
+            <a:cxnSpLocks/>
+          </p:cNvCxnSpPr>
+          <p:nvPr/>
+        </p:nvCxnSpPr>
+        <p:spPr>
+          <a:xfrm>
+            <a:off x="9324490" y="838196"/>
+            <a:ext cx="405921" cy="0"/>
+          </a:xfrm>
+          <a:prstGeom prst="straightConnector1">
+            <a:avLst/>
+          </a:prstGeom>
+          <a:ln w="38100">
+            <a:solidFill>
+              <a:schemeClr val="accent1"/>
+            </a:solidFill>
+            <a:tailEnd type="triangle"/>
+          </a:ln>
+        </p:spPr>
+        <p:style>
+          <a:lnRef idx="1">
+            <a:schemeClr val="accent1"/>
+          </a:lnRef>
+          <a:fillRef idx="0">
+            <a:schemeClr val="accent1"/>
+          </a:fillRef>
+          <a:effectRef idx="0">
+            <a:schemeClr val="accent1"/>
+          </a:effectRef>
+          <a:fontRef idx="minor">
+            <a:schemeClr val="tx1"/>
+          </a:fontRef>
+        </p:style>
+      </p:cxnSp>
+      <p:cxnSp>
+        <p:nvCxnSpPr>
+          <p:cNvPr id="61" name="Conector recto de flecha 60">
+            <a:extLst>
+              <a:ext uri="{FF2B5EF4-FFF2-40B4-BE49-F238E27FC236}">
+                <a16:creationId xmlns:a16="http://schemas.microsoft.com/office/drawing/2014/main" id="{92782ED3-F3BD-41B5-9FB3-4F2128131A24}"/>
+              </a:ext>
+            </a:extLst>
+          </p:cNvPr>
+          <p:cNvCxnSpPr>
+            <a:cxnSpLocks/>
+          </p:cNvCxnSpPr>
+          <p:nvPr/>
+        </p:nvCxnSpPr>
+        <p:spPr>
+          <a:xfrm flipH="1">
+            <a:off x="9298979" y="4999041"/>
+            <a:ext cx="405921" cy="0"/>
+          </a:xfrm>
+          <a:prstGeom prst="straightConnector1">
+            <a:avLst/>
+          </a:prstGeom>
+          <a:ln w="38100">
+            <a:solidFill>
+              <a:schemeClr val="accent1"/>
+            </a:solidFill>
+            <a:tailEnd type="triangle"/>
+          </a:ln>
+        </p:spPr>
+        <p:style>
+          <a:lnRef idx="1">
+            <a:schemeClr val="accent1"/>
+          </a:lnRef>
+          <a:fillRef idx="0">
+            <a:schemeClr val="accent1"/>
+          </a:fillRef>
+          <a:effectRef idx="0">
+            <a:schemeClr val="accent1"/>
+          </a:effectRef>
+          <a:fontRef idx="minor">
+            <a:schemeClr val="tx1"/>
+          </a:fontRef>
+        </p:style>
+      </p:cxnSp>
+      <p:cxnSp>
+        <p:nvCxnSpPr>
+          <p:cNvPr id="62" name="Conector recto de flecha 61">
+            <a:extLst>
+              <a:ext uri="{FF2B5EF4-FFF2-40B4-BE49-F238E27FC236}">
+                <a16:creationId xmlns:a16="http://schemas.microsoft.com/office/drawing/2014/main" id="{15E45EC9-FA36-44E7-A2E5-A758561ED985}"/>
+              </a:ext>
+            </a:extLst>
+          </p:cNvPr>
+          <p:cNvCxnSpPr>
+            <a:cxnSpLocks/>
+          </p:cNvCxnSpPr>
+          <p:nvPr/>
+        </p:nvCxnSpPr>
+        <p:spPr>
+          <a:xfrm>
+            <a:off x="11784715" y="4985436"/>
+            <a:ext cx="405921" cy="0"/>
+          </a:xfrm>
+          <a:prstGeom prst="straightConnector1">
+            <a:avLst/>
+          </a:prstGeom>
+          <a:ln w="38100">
+            <a:solidFill>
+              <a:schemeClr val="accent1"/>
+            </a:solidFill>
+            <a:tailEnd type="triangle"/>
+          </a:ln>
+        </p:spPr>
+        <p:style>
+          <a:lnRef idx="1">
+            <a:schemeClr val="accent1"/>
+          </a:lnRef>
+          <a:fillRef idx="0">
+            <a:schemeClr val="accent1"/>
+          </a:fillRef>
+          <a:effectRef idx="0">
+            <a:schemeClr val="accent1"/>
+          </a:effectRef>
+          <a:fontRef idx="minor">
+            <a:schemeClr val="tx1"/>
+          </a:fontRef>
+        </p:style>
+      </p:cxnSp>
+      <p:cxnSp>
+        <p:nvCxnSpPr>
+          <p:cNvPr id="65" name="Conector recto de flecha 64">
+            <a:extLst>
+              <a:ext uri="{FF2B5EF4-FFF2-40B4-BE49-F238E27FC236}">
+                <a16:creationId xmlns:a16="http://schemas.microsoft.com/office/drawing/2014/main" id="{2C82A0B8-47D2-4E9A-8ADA-2DDFE2B385AA}"/>
+              </a:ext>
+            </a:extLst>
+          </p:cNvPr>
+          <p:cNvCxnSpPr>
+            <a:cxnSpLocks/>
+          </p:cNvCxnSpPr>
+          <p:nvPr/>
+        </p:nvCxnSpPr>
+        <p:spPr>
+          <a:xfrm flipH="1">
+            <a:off x="1696034" y="5276895"/>
+            <a:ext cx="439703" cy="419156"/>
+          </a:xfrm>
+          <a:prstGeom prst="straightConnector1">
+            <a:avLst/>
+          </a:prstGeom>
+          <a:ln w="38100">
+            <a:solidFill>
+              <a:srgbClr val="FF0000"/>
+            </a:solidFill>
+            <a:tailEnd type="triangle"/>
+          </a:ln>
+        </p:spPr>
+        <p:style>
+          <a:lnRef idx="1">
+            <a:schemeClr val="accent1"/>
+          </a:lnRef>
+          <a:fillRef idx="0">
+            <a:schemeClr val="accent1"/>
+          </a:fillRef>
+          <a:effectRef idx="0">
+            <a:schemeClr val="accent1"/>
+          </a:effectRef>
+          <a:fontRef idx="minor">
+            <a:schemeClr val="tx1"/>
+          </a:fontRef>
+        </p:style>
+      </p:cxnSp>
+      <p:cxnSp>
+        <p:nvCxnSpPr>
+          <p:cNvPr id="66" name="Conector recto de flecha 65">
+            <a:extLst>
+              <a:ext uri="{FF2B5EF4-FFF2-40B4-BE49-F238E27FC236}">
+                <a16:creationId xmlns:a16="http://schemas.microsoft.com/office/drawing/2014/main" id="{356899CC-2DAA-4A40-8B6D-A7B0EA4ACFB1}"/>
+              </a:ext>
+            </a:extLst>
+          </p:cNvPr>
+          <p:cNvCxnSpPr>
+            <a:cxnSpLocks/>
+          </p:cNvCxnSpPr>
+          <p:nvPr/>
+        </p:nvCxnSpPr>
+        <p:spPr>
+          <a:xfrm flipH="1">
+            <a:off x="2486503" y="5276895"/>
+            <a:ext cx="439703" cy="419156"/>
+          </a:xfrm>
+          <a:prstGeom prst="straightConnector1">
+            <a:avLst/>
+          </a:prstGeom>
+          <a:ln w="38100">
+            <a:solidFill>
+              <a:srgbClr val="FF0000"/>
+            </a:solidFill>
+            <a:tailEnd type="triangle"/>
+          </a:ln>
+        </p:spPr>
+        <p:style>
+          <a:lnRef idx="1">
+            <a:schemeClr val="accent1"/>
+          </a:lnRef>
+          <a:fillRef idx="0">
+            <a:schemeClr val="accent1"/>
+          </a:fillRef>
+          <a:effectRef idx="0">
+            <a:schemeClr val="accent1"/>
+          </a:effectRef>
+          <a:fontRef idx="minor">
+            <a:schemeClr val="tx1"/>
+          </a:fontRef>
+        </p:style>
+      </p:cxnSp>
+      <p:cxnSp>
+        <p:nvCxnSpPr>
+          <p:cNvPr id="67" name="Conector recto de flecha 66">
+            <a:extLst>
+              <a:ext uri="{FF2B5EF4-FFF2-40B4-BE49-F238E27FC236}">
+                <a16:creationId xmlns:a16="http://schemas.microsoft.com/office/drawing/2014/main" id="{ADDA5D4C-AD7C-4D73-BB9B-7670B28D5F5C}"/>
+              </a:ext>
+            </a:extLst>
+          </p:cNvPr>
+          <p:cNvCxnSpPr>
+            <a:cxnSpLocks/>
+          </p:cNvCxnSpPr>
+          <p:nvPr/>
+        </p:nvCxnSpPr>
+        <p:spPr>
+          <a:xfrm rot="16200000">
+            <a:off x="5888341" y="5276895"/>
+            <a:ext cx="439703" cy="419156"/>
+          </a:xfrm>
+          <a:prstGeom prst="straightConnector1">
+            <a:avLst/>
+          </a:prstGeom>
+          <a:ln w="38100">
+            <a:solidFill>
+              <a:srgbClr val="FF0000"/>
+            </a:solidFill>
+            <a:tailEnd type="triangle"/>
+          </a:ln>
+        </p:spPr>
+        <p:style>
+          <a:lnRef idx="1">
+            <a:schemeClr val="accent1"/>
+          </a:lnRef>
+          <a:fillRef idx="0">
+            <a:schemeClr val="accent1"/>
+          </a:fillRef>
+          <a:effectRef idx="0">
+            <a:schemeClr val="accent1"/>
+          </a:effectRef>
+          <a:fontRef idx="minor">
+            <a:schemeClr val="tx1"/>
+          </a:fontRef>
+        </p:style>
+      </p:cxnSp>
+      <p:cxnSp>
+        <p:nvCxnSpPr>
+          <p:cNvPr id="68" name="Conector recto de flecha 67">
+            <a:extLst>
+              <a:ext uri="{FF2B5EF4-FFF2-40B4-BE49-F238E27FC236}">
+                <a16:creationId xmlns:a16="http://schemas.microsoft.com/office/drawing/2014/main" id="{03854A43-010C-4B75-8301-982CFB0300E5}"/>
+              </a:ext>
+            </a:extLst>
+          </p:cNvPr>
+          <p:cNvCxnSpPr>
+            <a:cxnSpLocks/>
+          </p:cNvCxnSpPr>
+          <p:nvPr/>
+        </p:nvCxnSpPr>
+        <p:spPr>
+          <a:xfrm rot="16200000">
+            <a:off x="6696843" y="5278493"/>
+            <a:ext cx="439703" cy="419156"/>
+          </a:xfrm>
+          <a:prstGeom prst="straightConnector1">
+            <a:avLst/>
+          </a:prstGeom>
+          <a:ln w="38100">
+            <a:solidFill>
+              <a:srgbClr val="FF0000"/>
+            </a:solidFill>
+            <a:tailEnd type="triangle"/>
+          </a:ln>
+        </p:spPr>
+        <p:style>
+          <a:lnRef idx="1">
+            <a:schemeClr val="accent1"/>
+          </a:lnRef>
+          <a:fillRef idx="0">
+            <a:schemeClr val="accent1"/>
+          </a:fillRef>
+          <a:effectRef idx="0">
+            <a:schemeClr val="accent1"/>
+          </a:effectRef>
+          <a:fontRef idx="minor">
+            <a:schemeClr val="tx1"/>
+          </a:fontRef>
+        </p:style>
+      </p:cxnSp>
     </p:spTree>
     <p:extLst>
       <p:ext uri="{BB962C8B-B14F-4D97-AF65-F5344CB8AC3E}">
